--- a/2023 - 2학기 계획.pptx
+++ b/2023 - 2학기 계획.pptx
@@ -268,7 +268,7 @@
           <a:p>
             <a:fld id="{973254B2-4494-40A3-883A-ED29C7FEC72E}" type="datetimeFigureOut">
               <a:rPr lang="ko-KR" altLang="en-US" smtClean="0"/>
-              <a:t>2023-08-21</a:t>
+              <a:t>2023-08-22</a:t>
             </a:fld>
             <a:endParaRPr lang="ko-KR" altLang="en-US"/>
           </a:p>
@@ -466,7 +466,7 @@
           <a:p>
             <a:fld id="{973254B2-4494-40A3-883A-ED29C7FEC72E}" type="datetimeFigureOut">
               <a:rPr lang="ko-KR" altLang="en-US" smtClean="0"/>
-              <a:t>2023-08-21</a:t>
+              <a:t>2023-08-22</a:t>
             </a:fld>
             <a:endParaRPr lang="ko-KR" altLang="en-US"/>
           </a:p>
@@ -674,7 +674,7 @@
           <a:p>
             <a:fld id="{973254B2-4494-40A3-883A-ED29C7FEC72E}" type="datetimeFigureOut">
               <a:rPr lang="ko-KR" altLang="en-US" smtClean="0"/>
-              <a:t>2023-08-21</a:t>
+              <a:t>2023-08-22</a:t>
             </a:fld>
             <a:endParaRPr lang="ko-KR" altLang="en-US"/>
           </a:p>
@@ -872,7 +872,7 @@
           <a:p>
             <a:fld id="{973254B2-4494-40A3-883A-ED29C7FEC72E}" type="datetimeFigureOut">
               <a:rPr lang="ko-KR" altLang="en-US" smtClean="0"/>
-              <a:t>2023-08-21</a:t>
+              <a:t>2023-08-22</a:t>
             </a:fld>
             <a:endParaRPr lang="ko-KR" altLang="en-US"/>
           </a:p>
@@ -1147,7 +1147,7 @@
           <a:p>
             <a:fld id="{973254B2-4494-40A3-883A-ED29C7FEC72E}" type="datetimeFigureOut">
               <a:rPr lang="ko-KR" altLang="en-US" smtClean="0"/>
-              <a:t>2023-08-21</a:t>
+              <a:t>2023-08-22</a:t>
             </a:fld>
             <a:endParaRPr lang="ko-KR" altLang="en-US"/>
           </a:p>
@@ -1412,7 +1412,7 @@
           <a:p>
             <a:fld id="{973254B2-4494-40A3-883A-ED29C7FEC72E}" type="datetimeFigureOut">
               <a:rPr lang="ko-KR" altLang="en-US" smtClean="0"/>
-              <a:t>2023-08-21</a:t>
+              <a:t>2023-08-22</a:t>
             </a:fld>
             <a:endParaRPr lang="ko-KR" altLang="en-US"/>
           </a:p>
@@ -1824,7 +1824,7 @@
           <a:p>
             <a:fld id="{973254B2-4494-40A3-883A-ED29C7FEC72E}" type="datetimeFigureOut">
               <a:rPr lang="ko-KR" altLang="en-US" smtClean="0"/>
-              <a:t>2023-08-21</a:t>
+              <a:t>2023-08-22</a:t>
             </a:fld>
             <a:endParaRPr lang="ko-KR" altLang="en-US"/>
           </a:p>
@@ -1965,7 +1965,7 @@
           <a:p>
             <a:fld id="{973254B2-4494-40A3-883A-ED29C7FEC72E}" type="datetimeFigureOut">
               <a:rPr lang="ko-KR" altLang="en-US" smtClean="0"/>
-              <a:t>2023-08-21</a:t>
+              <a:t>2023-08-22</a:t>
             </a:fld>
             <a:endParaRPr lang="ko-KR" altLang="en-US"/>
           </a:p>
@@ -2078,7 +2078,7 @@
           <a:p>
             <a:fld id="{973254B2-4494-40A3-883A-ED29C7FEC72E}" type="datetimeFigureOut">
               <a:rPr lang="ko-KR" altLang="en-US" smtClean="0"/>
-              <a:t>2023-08-21</a:t>
+              <a:t>2023-08-22</a:t>
             </a:fld>
             <a:endParaRPr lang="ko-KR" altLang="en-US"/>
           </a:p>
@@ -2389,7 +2389,7 @@
           <a:p>
             <a:fld id="{973254B2-4494-40A3-883A-ED29C7FEC72E}" type="datetimeFigureOut">
               <a:rPr lang="ko-KR" altLang="en-US" smtClean="0"/>
-              <a:t>2023-08-21</a:t>
+              <a:t>2023-08-22</a:t>
             </a:fld>
             <a:endParaRPr lang="ko-KR" altLang="en-US"/>
           </a:p>
@@ -2677,7 +2677,7 @@
           <a:p>
             <a:fld id="{973254B2-4494-40A3-883A-ED29C7FEC72E}" type="datetimeFigureOut">
               <a:rPr lang="ko-KR" altLang="en-US" smtClean="0"/>
-              <a:t>2023-08-21</a:t>
+              <a:t>2023-08-22</a:t>
             </a:fld>
             <a:endParaRPr lang="ko-KR" altLang="en-US"/>
           </a:p>
@@ -2918,7 +2918,7 @@
           <a:p>
             <a:fld id="{973254B2-4494-40A3-883A-ED29C7FEC72E}" type="datetimeFigureOut">
               <a:rPr lang="ko-KR" altLang="en-US" smtClean="0"/>
-              <a:t>2023-08-21</a:t>
+              <a:t>2023-08-22</a:t>
             </a:fld>
             <a:endParaRPr lang="ko-KR" altLang="en-US"/>
           </a:p>
@@ -4855,7 +4855,72 @@
                 <a:latin typeface="더잠실 2 Light" panose="00000300000000000000" pitchFamily="2" charset="-127"/>
                 <a:ea typeface="더잠실 2 Light" panose="00000300000000000000" pitchFamily="2" charset="-127"/>
               </a:rPr>
-              <a:t>  최단경로 알고리즘 </a:t>
+              <a:t>  다이나믹 프로그래밍</a:t>
+            </a:r>
+            <a:r>
+              <a:rPr lang="en-US" altLang="ko-KR" dirty="0">
+                <a:latin typeface="더잠실 2 Light" panose="00000300000000000000" pitchFamily="2" charset="-127"/>
+                <a:ea typeface="더잠실 2 Light" panose="00000300000000000000" pitchFamily="2" charset="-127"/>
+              </a:rPr>
+              <a:t>(</a:t>
+            </a:r>
+            <a:r>
+              <a:rPr lang="ko-KR" altLang="en-US" dirty="0">
+                <a:latin typeface="더잠실 2 Light" panose="00000300000000000000" pitchFamily="2" charset="-127"/>
+                <a:ea typeface="더잠실 2 Light" panose="00000300000000000000" pitchFamily="2" charset="-127"/>
+              </a:rPr>
+              <a:t>재탕</a:t>
+            </a:r>
+            <a:r>
+              <a:rPr lang="en-US" altLang="ko-KR" dirty="0">
+                <a:latin typeface="더잠실 2 Light" panose="00000300000000000000" pitchFamily="2" charset="-127"/>
+                <a:ea typeface="더잠실 2 Light" panose="00000300000000000000" pitchFamily="2" charset="-127"/>
+              </a:rPr>
+              <a:t>)</a:t>
+            </a:r>
+            <a:r>
+              <a:rPr lang="ko-KR" altLang="en-US" dirty="0">
+                <a:latin typeface="더잠실 2 Light" panose="00000300000000000000" pitchFamily="2" charset="-127"/>
+                <a:ea typeface="더잠실 2 Light" panose="00000300000000000000" pitchFamily="2" charset="-127"/>
+              </a:rPr>
+              <a:t> </a:t>
+            </a:r>
+            <a:endParaRPr lang="en-US" altLang="ko-KR" dirty="0">
+              <a:latin typeface="더잠실 2 Light" panose="00000300000000000000" pitchFamily="2" charset="-127"/>
+              <a:ea typeface="더잠실 2 Light" panose="00000300000000000000" pitchFamily="2" charset="-127"/>
+            </a:endParaRPr>
+          </a:p>
+          <a:p>
+            <a:pPr marL="0" indent="0">
+              <a:buNone/>
+            </a:pPr>
+            <a:r>
+              <a:rPr lang="en-US" altLang="ko-KR" dirty="0">
+                <a:latin typeface="더잠실 3 Regular" panose="00000500000000000000" pitchFamily="2" charset="-127"/>
+                <a:ea typeface="더잠실 3 Regular" panose="00000500000000000000" pitchFamily="2" charset="-127"/>
+              </a:rPr>
+              <a:t>6</a:t>
+            </a:r>
+            <a:r>
+              <a:rPr lang="ko-KR" altLang="en-US" dirty="0" err="1">
+                <a:latin typeface="더잠실 3 Regular" panose="00000500000000000000" pitchFamily="2" charset="-127"/>
+                <a:ea typeface="더잠실 3 Regular" panose="00000500000000000000" pitchFamily="2" charset="-127"/>
+              </a:rPr>
+              <a:t>회차</a:t>
+            </a:r>
+            <a:r>
+              <a:rPr lang="ko-KR" altLang="en-US" dirty="0">
+                <a:latin typeface="더잠실 3 Regular" panose="00000500000000000000" pitchFamily="2" charset="-127"/>
+                <a:ea typeface="더잠실 3 Regular" panose="00000500000000000000" pitchFamily="2" charset="-127"/>
+              </a:rPr>
+              <a:t>  </a:t>
+            </a:r>
+            <a:r>
+              <a:rPr lang="ko-KR" altLang="en-US" dirty="0">
+                <a:latin typeface="더잠실 2 Light" panose="00000300000000000000" pitchFamily="2" charset="-127"/>
+                <a:ea typeface="더잠실 2 Light" panose="00000300000000000000" pitchFamily="2" charset="-127"/>
+              </a:rPr>
+              <a:t>최단경로 알고리즘 </a:t>
             </a:r>
             <a:r>
               <a:rPr lang="en-US" altLang="ko-KR" dirty="0">
@@ -4876,66 +4941,12 @@
               </a:rPr>
               <a:t>Bellman-Ford</a:t>
             </a:r>
-          </a:p>
-          <a:p>
-            <a:pPr marL="0" indent="0">
-              <a:buNone/>
-            </a:pPr>
             <a:r>
               <a:rPr lang="en-US" altLang="ko-KR" dirty="0">
                 <a:latin typeface="더잠실 3 Regular" panose="00000500000000000000" pitchFamily="2" charset="-127"/>
                 <a:ea typeface="더잠실 3 Regular" panose="00000500000000000000" pitchFamily="2" charset="-127"/>
               </a:rPr>
-              <a:t>6</a:t>
-            </a:r>
-            <a:r>
-              <a:rPr lang="ko-KR" altLang="en-US" dirty="0" err="1">
-                <a:latin typeface="더잠실 3 Regular" panose="00000500000000000000" pitchFamily="2" charset="-127"/>
-                <a:ea typeface="더잠실 3 Regular" panose="00000500000000000000" pitchFamily="2" charset="-127"/>
-              </a:rPr>
-              <a:t>회차</a:t>
-            </a:r>
-            <a:r>
-              <a:rPr lang="ko-KR" altLang="en-US" dirty="0">
-                <a:latin typeface="더잠실 3 Regular" panose="00000500000000000000" pitchFamily="2" charset="-127"/>
-                <a:ea typeface="더잠실 3 Regular" panose="00000500000000000000" pitchFamily="2" charset="-127"/>
-              </a:rPr>
               <a:t> </a:t>
-            </a:r>
-            <a:r>
-              <a:rPr lang="en-US" altLang="ko-KR" dirty="0">
-                <a:latin typeface="더잠실 3 Regular" panose="00000500000000000000" pitchFamily="2" charset="-127"/>
-                <a:ea typeface="더잠실 3 Regular" panose="00000500000000000000" pitchFamily="2" charset="-127"/>
-              </a:rPr>
-              <a:t> </a:t>
-            </a:r>
-            <a:r>
-              <a:rPr lang="ko-KR" altLang="en-US" dirty="0">
-                <a:latin typeface="더잠실 2 Light" panose="00000300000000000000" pitchFamily="2" charset="-127"/>
-                <a:ea typeface="더잠실 2 Light" panose="00000300000000000000" pitchFamily="2" charset="-127"/>
-              </a:rPr>
-              <a:t>다이나믹 프로그래밍</a:t>
-            </a:r>
-            <a:r>
-              <a:rPr lang="en-US" altLang="ko-KR" dirty="0">
-                <a:latin typeface="더잠실 2 Light" panose="00000300000000000000" pitchFamily="2" charset="-127"/>
-                <a:ea typeface="더잠실 2 Light" panose="00000300000000000000" pitchFamily="2" charset="-127"/>
-              </a:rPr>
-              <a:t>(</a:t>
-            </a:r>
-            <a:r>
-              <a:rPr lang="ko-KR" altLang="en-US" dirty="0">
-                <a:latin typeface="더잠실 2 Light" panose="00000300000000000000" pitchFamily="2" charset="-127"/>
-                <a:ea typeface="더잠실 2 Light" panose="00000300000000000000" pitchFamily="2" charset="-127"/>
-              </a:rPr>
-              <a:t>재탕</a:t>
-            </a:r>
-            <a:r>
-              <a:rPr lang="en-US" altLang="ko-KR" dirty="0">
-                <a:latin typeface="더잠실 2 Light" panose="00000300000000000000" pitchFamily="2" charset="-127"/>
-                <a:ea typeface="더잠실 2 Light" panose="00000300000000000000" pitchFamily="2" charset="-127"/>
-              </a:rPr>
-              <a:t>)</a:t>
             </a:r>
           </a:p>
           <a:p>
@@ -5555,7 +5566,7 @@
         </p:nvSpPr>
         <p:spPr>
           <a:xfrm>
-            <a:off x="7486649" y="5012957"/>
+            <a:off x="7486649" y="5216157"/>
             <a:ext cx="4349750" cy="707886"/>
           </a:xfrm>
           <a:prstGeom prst="rect">

--- a/2023 - 2학기 계획.pptx
+++ b/2023 - 2학기 계획.pptx
@@ -11,10 +11,10 @@
     <p:sldId id="261" r:id="rId5"/>
     <p:sldId id="262" r:id="rId6"/>
     <p:sldId id="268" r:id="rId7"/>
-    <p:sldId id="257" r:id="rId8"/>
-    <p:sldId id="265" r:id="rId9"/>
-    <p:sldId id="266" r:id="rId10"/>
-    <p:sldId id="267" r:id="rId11"/>
+    <p:sldId id="265" r:id="rId8"/>
+    <p:sldId id="266" r:id="rId9"/>
+    <p:sldId id="267" r:id="rId10"/>
+    <p:sldId id="257" r:id="rId11"/>
   </p:sldIdLst>
   <p:sldSz cx="12192000" cy="6858000"/>
   <p:notesSz cx="6858000" cy="9144000"/>
@@ -268,7 +268,7 @@
           <a:p>
             <a:fld id="{973254B2-4494-40A3-883A-ED29C7FEC72E}" type="datetimeFigureOut">
               <a:rPr lang="ko-KR" altLang="en-US" smtClean="0"/>
-              <a:t>2023-08-22</a:t>
+              <a:t>2023-09-04</a:t>
             </a:fld>
             <a:endParaRPr lang="ko-KR" altLang="en-US"/>
           </a:p>
@@ -466,7 +466,7 @@
           <a:p>
             <a:fld id="{973254B2-4494-40A3-883A-ED29C7FEC72E}" type="datetimeFigureOut">
               <a:rPr lang="ko-KR" altLang="en-US" smtClean="0"/>
-              <a:t>2023-08-22</a:t>
+              <a:t>2023-09-04</a:t>
             </a:fld>
             <a:endParaRPr lang="ko-KR" altLang="en-US"/>
           </a:p>
@@ -674,7 +674,7 @@
           <a:p>
             <a:fld id="{973254B2-4494-40A3-883A-ED29C7FEC72E}" type="datetimeFigureOut">
               <a:rPr lang="ko-KR" altLang="en-US" smtClean="0"/>
-              <a:t>2023-08-22</a:t>
+              <a:t>2023-09-04</a:t>
             </a:fld>
             <a:endParaRPr lang="ko-KR" altLang="en-US"/>
           </a:p>
@@ -872,7 +872,7 @@
           <a:p>
             <a:fld id="{973254B2-4494-40A3-883A-ED29C7FEC72E}" type="datetimeFigureOut">
               <a:rPr lang="ko-KR" altLang="en-US" smtClean="0"/>
-              <a:t>2023-08-22</a:t>
+              <a:t>2023-09-04</a:t>
             </a:fld>
             <a:endParaRPr lang="ko-KR" altLang="en-US"/>
           </a:p>
@@ -1147,7 +1147,7 @@
           <a:p>
             <a:fld id="{973254B2-4494-40A3-883A-ED29C7FEC72E}" type="datetimeFigureOut">
               <a:rPr lang="ko-KR" altLang="en-US" smtClean="0"/>
-              <a:t>2023-08-22</a:t>
+              <a:t>2023-09-04</a:t>
             </a:fld>
             <a:endParaRPr lang="ko-KR" altLang="en-US"/>
           </a:p>
@@ -1412,7 +1412,7 @@
           <a:p>
             <a:fld id="{973254B2-4494-40A3-883A-ED29C7FEC72E}" type="datetimeFigureOut">
               <a:rPr lang="ko-KR" altLang="en-US" smtClean="0"/>
-              <a:t>2023-08-22</a:t>
+              <a:t>2023-09-04</a:t>
             </a:fld>
             <a:endParaRPr lang="ko-KR" altLang="en-US"/>
           </a:p>
@@ -1824,7 +1824,7 @@
           <a:p>
             <a:fld id="{973254B2-4494-40A3-883A-ED29C7FEC72E}" type="datetimeFigureOut">
               <a:rPr lang="ko-KR" altLang="en-US" smtClean="0"/>
-              <a:t>2023-08-22</a:t>
+              <a:t>2023-09-04</a:t>
             </a:fld>
             <a:endParaRPr lang="ko-KR" altLang="en-US"/>
           </a:p>
@@ -1965,7 +1965,7 @@
           <a:p>
             <a:fld id="{973254B2-4494-40A3-883A-ED29C7FEC72E}" type="datetimeFigureOut">
               <a:rPr lang="ko-KR" altLang="en-US" smtClean="0"/>
-              <a:t>2023-08-22</a:t>
+              <a:t>2023-09-04</a:t>
             </a:fld>
             <a:endParaRPr lang="ko-KR" altLang="en-US"/>
           </a:p>
@@ -2078,7 +2078,7 @@
           <a:p>
             <a:fld id="{973254B2-4494-40A3-883A-ED29C7FEC72E}" type="datetimeFigureOut">
               <a:rPr lang="ko-KR" altLang="en-US" smtClean="0"/>
-              <a:t>2023-08-22</a:t>
+              <a:t>2023-09-04</a:t>
             </a:fld>
             <a:endParaRPr lang="ko-KR" altLang="en-US"/>
           </a:p>
@@ -2389,7 +2389,7 @@
           <a:p>
             <a:fld id="{973254B2-4494-40A3-883A-ED29C7FEC72E}" type="datetimeFigureOut">
               <a:rPr lang="ko-KR" altLang="en-US" smtClean="0"/>
-              <a:t>2023-08-22</a:t>
+              <a:t>2023-09-04</a:t>
             </a:fld>
             <a:endParaRPr lang="ko-KR" altLang="en-US"/>
           </a:p>
@@ -2677,7 +2677,7 @@
           <a:p>
             <a:fld id="{973254B2-4494-40A3-883A-ED29C7FEC72E}" type="datetimeFigureOut">
               <a:rPr lang="ko-KR" altLang="en-US" smtClean="0"/>
-              <a:t>2023-08-22</a:t>
+              <a:t>2023-09-04</a:t>
             </a:fld>
             <a:endParaRPr lang="ko-KR" altLang="en-US"/>
           </a:p>
@@ -2918,7 +2918,7 @@
           <a:p>
             <a:fld id="{973254B2-4494-40A3-883A-ED29C7FEC72E}" type="datetimeFigureOut">
               <a:rPr lang="ko-KR" altLang="en-US" smtClean="0"/>
-              <a:t>2023-08-22</a:t>
+              <a:t>2023-09-04</a:t>
             </a:fld>
             <a:endParaRPr lang="ko-KR" altLang="en-US"/>
           </a:p>
@@ -3366,7 +3366,7 @@
                 <a:latin typeface="더잠실 3 Regular" panose="00000500000000000000" pitchFamily="2" charset="-127"/>
                 <a:ea typeface="더잠실 3 Regular" panose="00000500000000000000" pitchFamily="2" charset="-127"/>
               </a:rPr>
-              <a:t>2023 - 2</a:t>
+              <a:t>2023, 2</a:t>
             </a:r>
             <a:r>
               <a:rPr lang="ko-KR" altLang="en-US" dirty="0">
@@ -3424,7 +3424,7 @@
                 <a:latin typeface="더잠실 2 Light" panose="00000300000000000000" pitchFamily="2" charset="-127"/>
                 <a:ea typeface="더잠실 2 Light" panose="00000300000000000000" pitchFamily="2" charset="-127"/>
               </a:rPr>
-              <a:t>23.09.04</a:t>
+              <a:t>23.09.05</a:t>
             </a:r>
           </a:p>
           <a:p>
@@ -3482,2658 +3482,6 @@
 </file>
 
 <file path=ppt/slides/slide10.xml><?xml version="1.0" encoding="utf-8"?>
-<p:sld xmlns:a="http://schemas.openxmlformats.org/drawingml/2006/main" xmlns:r="http://schemas.openxmlformats.org/officeDocument/2006/relationships" xmlns:p="http://schemas.openxmlformats.org/presentationml/2006/main">
-  <p:cSld>
-    <p:spTree>
-      <p:nvGrpSpPr>
-        <p:cNvPr id="1" name=""/>
-        <p:cNvGrpSpPr/>
-        <p:nvPr/>
-      </p:nvGrpSpPr>
-      <p:grpSpPr>
-        <a:xfrm>
-          <a:off x="0" y="0"/>
-          <a:ext cx="0" cy="0"/>
-          <a:chOff x="0" y="0"/>
-          <a:chExt cx="0" cy="0"/>
-        </a:xfrm>
-      </p:grpSpPr>
-      <p:sp>
-        <p:nvSpPr>
-          <p:cNvPr id="2" name="제목 1">
-            <a:extLst>
-              <a:ext uri="{FF2B5EF4-FFF2-40B4-BE49-F238E27FC236}">
-                <a16:creationId xmlns:a16="http://schemas.microsoft.com/office/drawing/2014/main" id="{C2A2AD5A-4065-EE82-3A7A-ABD565FEDCDF}"/>
-              </a:ext>
-            </a:extLst>
-          </p:cNvPr>
-          <p:cNvSpPr>
-            <a:spLocks noGrp="1"/>
-          </p:cNvSpPr>
-          <p:nvPr>
-            <p:ph type="title"/>
-          </p:nvPr>
-        </p:nvSpPr>
-        <p:spPr/>
-        <p:txBody>
-          <a:bodyPr/>
-          <a:lstStyle/>
-          <a:p>
-            <a:r>
-              <a:rPr lang="en-US" altLang="ko-KR" dirty="0">
-                <a:latin typeface="더잠실 3 Regular" panose="00000500000000000000" pitchFamily="2" charset="-127"/>
-                <a:ea typeface="더잠실 3 Regular" panose="00000500000000000000" pitchFamily="2" charset="-127"/>
-              </a:rPr>
-              <a:t>Notice</a:t>
-            </a:r>
-            <a:endParaRPr lang="ko-KR" altLang="en-US" dirty="0">
-              <a:latin typeface="더잠실 3 Regular" panose="00000500000000000000" pitchFamily="2" charset="-127"/>
-              <a:ea typeface="더잠실 3 Regular" panose="00000500000000000000" pitchFamily="2" charset="-127"/>
-            </a:endParaRPr>
-          </a:p>
-        </p:txBody>
-      </p:sp>
-      <p:sp>
-        <p:nvSpPr>
-          <p:cNvPr id="3" name="내용 개체 틀 2">
-            <a:extLst>
-              <a:ext uri="{FF2B5EF4-FFF2-40B4-BE49-F238E27FC236}">
-                <a16:creationId xmlns:a16="http://schemas.microsoft.com/office/drawing/2014/main" id="{5DA8A80C-C112-79FB-DA31-210FC24CF998}"/>
-              </a:ext>
-            </a:extLst>
-          </p:cNvPr>
-          <p:cNvSpPr>
-            <a:spLocks noGrp="1"/>
-          </p:cNvSpPr>
-          <p:nvPr>
-            <p:ph idx="1"/>
-          </p:nvPr>
-        </p:nvSpPr>
-        <p:spPr>
-          <a:xfrm>
-            <a:off x="838200" y="1825625"/>
-            <a:ext cx="9924875" cy="4351338"/>
-          </a:xfrm>
-        </p:spPr>
-        <p:txBody>
-          <a:bodyPr>
-            <a:normAutofit/>
-          </a:bodyPr>
-          <a:lstStyle/>
-          <a:p>
-            <a:pPr marL="0" indent="0">
-              <a:buNone/>
-            </a:pPr>
-            <a:r>
-              <a:rPr lang="en-US" altLang="ko-KR" dirty="0">
-                <a:latin typeface="더잠실 2 Light" panose="00000300000000000000" pitchFamily="2" charset="-127"/>
-                <a:ea typeface="더잠실 2 Light" panose="00000300000000000000" pitchFamily="2" charset="-127"/>
-              </a:rPr>
-              <a:t>3.  </a:t>
-            </a:r>
-            <a:r>
-              <a:rPr lang="ko-KR" altLang="en-US" dirty="0">
-                <a:latin typeface="더잠실 2 Light" panose="00000300000000000000" pitchFamily="2" charset="-127"/>
-                <a:ea typeface="더잠실 2 Light" panose="00000300000000000000" pitchFamily="2" charset="-127"/>
-              </a:rPr>
-              <a:t>강의자료에 사용되는 대부분의 정보는 전공서적이나 신뢰할 수 있는 출처로부터 가져오고 있으며 특히 최영규 교수님께서 많은 도움을 주고 계십니다</a:t>
-            </a:r>
-            <a:r>
-              <a:rPr lang="en-US" altLang="ko-KR" dirty="0">
-                <a:latin typeface="더잠실 2 Light" panose="00000300000000000000" pitchFamily="2" charset="-127"/>
-                <a:ea typeface="더잠실 2 Light" panose="00000300000000000000" pitchFamily="2" charset="-127"/>
-              </a:rPr>
-              <a:t>.</a:t>
-            </a:r>
-          </a:p>
-          <a:p>
-            <a:pPr marL="0" indent="0">
-              <a:buNone/>
-            </a:pPr>
-            <a:endParaRPr lang="en-US" altLang="ko-KR" dirty="0">
-              <a:latin typeface="더잠실 2 Light" panose="00000300000000000000" pitchFamily="2" charset="-127"/>
-              <a:ea typeface="더잠실 2 Light" panose="00000300000000000000" pitchFamily="2" charset="-127"/>
-            </a:endParaRPr>
-          </a:p>
-          <a:p>
-            <a:pPr marL="0" indent="0">
-              <a:buNone/>
-            </a:pPr>
-            <a:r>
-              <a:rPr lang="en-US" altLang="ko-KR" dirty="0">
-                <a:latin typeface="더잠실 2 Light" panose="00000300000000000000" pitchFamily="2" charset="-127"/>
-                <a:ea typeface="더잠실 2 Light" panose="00000300000000000000" pitchFamily="2" charset="-127"/>
-              </a:rPr>
-              <a:t>4.  </a:t>
-            </a:r>
-            <a:r>
-              <a:rPr lang="ko-KR" altLang="en-US" dirty="0">
-                <a:latin typeface="더잠실 2 Light" panose="00000300000000000000" pitchFamily="2" charset="-127"/>
-                <a:ea typeface="더잠실 2 Light" panose="00000300000000000000" pitchFamily="2" charset="-127"/>
-              </a:rPr>
-              <a:t>저 역시 학생이므로 완벽할 수는 없습니다</a:t>
-            </a:r>
-            <a:r>
-              <a:rPr lang="en-US" altLang="ko-KR" dirty="0">
-                <a:latin typeface="더잠실 2 Light" panose="00000300000000000000" pitchFamily="2" charset="-127"/>
-                <a:ea typeface="더잠실 2 Light" panose="00000300000000000000" pitchFamily="2" charset="-127"/>
-              </a:rPr>
-              <a:t>.</a:t>
-            </a:r>
-          </a:p>
-          <a:p>
-            <a:pPr marL="0" indent="0">
-              <a:buNone/>
-            </a:pPr>
-            <a:r>
-              <a:rPr lang="ko-KR" altLang="en-US" dirty="0">
-                <a:latin typeface="더잠실 2 Light" panose="00000300000000000000" pitchFamily="2" charset="-127"/>
-                <a:ea typeface="더잠실 2 Light" panose="00000300000000000000" pitchFamily="2" charset="-127"/>
-              </a:rPr>
-              <a:t>강의내용에 오류나 이해하기 어려운 점이 있거나</a:t>
-            </a:r>
-            <a:r>
-              <a:rPr lang="en-US" altLang="ko-KR" dirty="0">
-                <a:latin typeface="더잠실 2 Light" panose="00000300000000000000" pitchFamily="2" charset="-127"/>
-                <a:ea typeface="더잠실 2 Light" panose="00000300000000000000" pitchFamily="2" charset="-127"/>
-              </a:rPr>
-              <a:t>, </a:t>
-            </a:r>
-            <a:r>
-              <a:rPr lang="ko-KR" altLang="en-US" dirty="0">
-                <a:latin typeface="더잠실 2 Light" panose="00000300000000000000" pitchFamily="2" charset="-127"/>
-                <a:ea typeface="더잠실 2 Light" panose="00000300000000000000" pitchFamily="2" charset="-127"/>
-              </a:rPr>
-              <a:t>진행 방식에 </a:t>
-            </a:r>
-            <a:endParaRPr lang="en-US" altLang="ko-KR" dirty="0">
-              <a:latin typeface="더잠실 2 Light" panose="00000300000000000000" pitchFamily="2" charset="-127"/>
-              <a:ea typeface="더잠실 2 Light" panose="00000300000000000000" pitchFamily="2" charset="-127"/>
-            </a:endParaRPr>
-          </a:p>
-          <a:p>
-            <a:pPr marL="0" indent="0">
-              <a:buNone/>
-            </a:pPr>
-            <a:r>
-              <a:rPr lang="ko-KR" altLang="en-US" dirty="0">
-                <a:latin typeface="더잠실 2 Light" panose="00000300000000000000" pitchFamily="2" charset="-127"/>
-                <a:ea typeface="더잠실 2 Light" panose="00000300000000000000" pitchFamily="2" charset="-127"/>
-              </a:rPr>
-              <a:t>개선이 필요하다고 </a:t>
-            </a:r>
-            <a:r>
-              <a:rPr lang="ko-KR" altLang="en-US" dirty="0" err="1">
-                <a:latin typeface="더잠실 2 Light" panose="00000300000000000000" pitchFamily="2" charset="-127"/>
-                <a:ea typeface="더잠실 2 Light" panose="00000300000000000000" pitchFamily="2" charset="-127"/>
-              </a:rPr>
-              <a:t>느껴지신다면</a:t>
-            </a:r>
-            <a:r>
-              <a:rPr lang="ko-KR" altLang="en-US" dirty="0">
-                <a:latin typeface="더잠실 2 Light" panose="00000300000000000000" pitchFamily="2" charset="-127"/>
-                <a:ea typeface="더잠실 2 Light" panose="00000300000000000000" pitchFamily="2" charset="-127"/>
-              </a:rPr>
-              <a:t> 꼭 </a:t>
-            </a:r>
-            <a:r>
-              <a:rPr lang="ko-KR" altLang="en-US" dirty="0" err="1">
-                <a:latin typeface="더잠실 2 Light" panose="00000300000000000000" pitchFamily="2" charset="-127"/>
-                <a:ea typeface="더잠실 2 Light" panose="00000300000000000000" pitchFamily="2" charset="-127"/>
-              </a:rPr>
-              <a:t>제게</a:t>
-            </a:r>
-            <a:r>
-              <a:rPr lang="ko-KR" altLang="en-US" dirty="0">
-                <a:latin typeface="더잠실 2 Light" panose="00000300000000000000" pitchFamily="2" charset="-127"/>
-                <a:ea typeface="더잠실 2 Light" panose="00000300000000000000" pitchFamily="2" charset="-127"/>
-              </a:rPr>
-              <a:t> </a:t>
-            </a:r>
-            <a:r>
-              <a:rPr lang="ko-KR" altLang="en-US" dirty="0" err="1">
-                <a:latin typeface="더잠실 2 Light" panose="00000300000000000000" pitchFamily="2" charset="-127"/>
-                <a:ea typeface="더잠실 2 Light" panose="00000300000000000000" pitchFamily="2" charset="-127"/>
-              </a:rPr>
-              <a:t>알려주시길</a:t>
-            </a:r>
-            <a:r>
-              <a:rPr lang="ko-KR" altLang="en-US" dirty="0">
-                <a:latin typeface="더잠실 2 Light" panose="00000300000000000000" pitchFamily="2" charset="-127"/>
-                <a:ea typeface="더잠실 2 Light" panose="00000300000000000000" pitchFamily="2" charset="-127"/>
-              </a:rPr>
-              <a:t> 바랍니다</a:t>
-            </a:r>
-            <a:r>
-              <a:rPr lang="en-US" altLang="ko-KR" dirty="0">
-                <a:latin typeface="더잠실 2 Light" panose="00000300000000000000" pitchFamily="2" charset="-127"/>
-                <a:ea typeface="더잠실 2 Light" panose="00000300000000000000" pitchFamily="2" charset="-127"/>
-              </a:rPr>
-              <a:t>.</a:t>
-            </a:r>
-          </a:p>
-          <a:p>
-            <a:pPr marL="0" indent="0">
-              <a:buNone/>
-            </a:pPr>
-            <a:endParaRPr lang="en-US" altLang="ko-KR" dirty="0">
-              <a:latin typeface="더잠실 2 Light" panose="00000300000000000000" pitchFamily="2" charset="-127"/>
-              <a:ea typeface="더잠실 2 Light" panose="00000300000000000000" pitchFamily="2" charset="-127"/>
-            </a:endParaRPr>
-          </a:p>
-          <a:p>
-            <a:pPr marL="0" indent="0">
-              <a:buNone/>
-            </a:pPr>
-            <a:r>
-              <a:rPr lang="en-US" altLang="ko-KR" dirty="0">
-                <a:latin typeface="더잠실 2 Light" panose="00000300000000000000" pitchFamily="2" charset="-127"/>
-                <a:ea typeface="더잠실 2 Light" panose="00000300000000000000" pitchFamily="2" charset="-127"/>
-              </a:rPr>
-              <a:t>5. </a:t>
-            </a:r>
-            <a:r>
-              <a:rPr lang="ko-KR" altLang="en-US" dirty="0">
-                <a:latin typeface="더잠실 2 Light" panose="00000300000000000000" pitchFamily="2" charset="-127"/>
-                <a:ea typeface="더잠실 2 Light" panose="00000300000000000000" pitchFamily="2" charset="-127"/>
-              </a:rPr>
-              <a:t>회장 연락처 </a:t>
-            </a:r>
-            <a:r>
-              <a:rPr lang="en-US" altLang="ko-KR" dirty="0">
-                <a:solidFill>
-                  <a:schemeClr val="bg1">
-                    <a:lumMod val="50000"/>
-                  </a:schemeClr>
-                </a:solidFill>
-                <a:latin typeface="더잠실 2 Light" panose="00000300000000000000" pitchFamily="2" charset="-127"/>
-                <a:ea typeface="더잠실 2 Light" panose="00000300000000000000" pitchFamily="2" charset="-127"/>
-              </a:rPr>
-              <a:t>010-6552-5223 </a:t>
-            </a:r>
-          </a:p>
-        </p:txBody>
-      </p:sp>
-    </p:spTree>
-    <p:extLst>
-      <p:ext uri="{BB962C8B-B14F-4D97-AF65-F5344CB8AC3E}">
-        <p14:creationId xmlns:p14="http://schemas.microsoft.com/office/powerpoint/2010/main" val="1289396768"/>
-      </p:ext>
-    </p:extLst>
-  </p:cSld>
-  <p:clrMapOvr>
-    <a:masterClrMapping/>
-  </p:clrMapOvr>
-</p:sld>
-</file>
-
-<file path=ppt/slides/slide2.xml><?xml version="1.0" encoding="utf-8"?>
-<p:sld xmlns:a="http://schemas.openxmlformats.org/drawingml/2006/main" xmlns:r="http://schemas.openxmlformats.org/officeDocument/2006/relationships" xmlns:p="http://schemas.openxmlformats.org/presentationml/2006/main">
-  <p:cSld>
-    <p:spTree>
-      <p:nvGrpSpPr>
-        <p:cNvPr id="1" name=""/>
-        <p:cNvGrpSpPr/>
-        <p:nvPr/>
-      </p:nvGrpSpPr>
-      <p:grpSpPr>
-        <a:xfrm>
-          <a:off x="0" y="0"/>
-          <a:ext cx="0" cy="0"/>
-          <a:chOff x="0" y="0"/>
-          <a:chExt cx="0" cy="0"/>
-        </a:xfrm>
-      </p:grpSpPr>
-      <p:sp>
-        <p:nvSpPr>
-          <p:cNvPr id="2" name="제목 1">
-            <a:extLst>
-              <a:ext uri="{FF2B5EF4-FFF2-40B4-BE49-F238E27FC236}">
-                <a16:creationId xmlns:a16="http://schemas.microsoft.com/office/drawing/2014/main" id="{268785C3-1D76-2981-0C7C-9CA3B76A9DA5}"/>
-              </a:ext>
-            </a:extLst>
-          </p:cNvPr>
-          <p:cNvSpPr>
-            <a:spLocks noGrp="1"/>
-          </p:cNvSpPr>
-          <p:nvPr>
-            <p:ph type="title"/>
-          </p:nvPr>
-        </p:nvSpPr>
-        <p:spPr/>
-        <p:txBody>
-          <a:bodyPr/>
-          <a:lstStyle/>
-          <a:p>
-            <a:r>
-              <a:rPr lang="ko-KR" altLang="en-US" dirty="0">
-                <a:latin typeface="더잠실 3 Regular" panose="00000500000000000000" pitchFamily="2" charset="-127"/>
-                <a:ea typeface="더잠실 3 Regular" panose="00000500000000000000" pitchFamily="2" charset="-127"/>
-              </a:rPr>
-              <a:t>이번 학기 계획</a:t>
-            </a:r>
-          </a:p>
-        </p:txBody>
-      </p:sp>
-      <p:sp>
-        <p:nvSpPr>
-          <p:cNvPr id="3" name="내용 개체 틀 2">
-            <a:extLst>
-              <a:ext uri="{FF2B5EF4-FFF2-40B4-BE49-F238E27FC236}">
-                <a16:creationId xmlns:a16="http://schemas.microsoft.com/office/drawing/2014/main" id="{D22611E2-A109-AE2A-85E7-22212DC72A76}"/>
-              </a:ext>
-            </a:extLst>
-          </p:cNvPr>
-          <p:cNvSpPr>
-            <a:spLocks noGrp="1"/>
-          </p:cNvSpPr>
-          <p:nvPr>
-            <p:ph idx="1"/>
-          </p:nvPr>
-        </p:nvSpPr>
-        <p:spPr/>
-        <p:txBody>
-          <a:bodyPr/>
-          <a:lstStyle/>
-          <a:p>
-            <a:pPr marL="0" indent="0">
-              <a:buNone/>
-            </a:pPr>
-            <a:r>
-              <a:rPr lang="ko-KR" altLang="en-US" dirty="0">
-                <a:latin typeface="더잠실 3 Regular" panose="00000500000000000000" pitchFamily="2" charset="-127"/>
-                <a:ea typeface="더잠실 3 Regular" panose="00000500000000000000" pitchFamily="2" charset="-127"/>
-              </a:rPr>
-              <a:t>정기활동 </a:t>
-            </a:r>
-            <a:r>
-              <a:rPr lang="en-US" altLang="ko-KR" dirty="0">
-                <a:latin typeface="더잠실 3 Regular" panose="00000500000000000000" pitchFamily="2" charset="-127"/>
-                <a:ea typeface="더잠실 3 Regular" panose="00000500000000000000" pitchFamily="2" charset="-127"/>
-              </a:rPr>
-              <a:t>: </a:t>
-            </a:r>
-            <a:r>
-              <a:rPr lang="ko-KR" altLang="en-US" dirty="0">
-                <a:latin typeface="더잠실 2 Light" panose="00000300000000000000" pitchFamily="2" charset="-127"/>
-                <a:ea typeface="더잠실 2 Light" panose="00000300000000000000" pitchFamily="2" charset="-127"/>
-              </a:rPr>
-              <a:t>중간고사 기간을 기준으로 </a:t>
-            </a:r>
-            <a:r>
-              <a:rPr lang="ko-KR" altLang="en-US" dirty="0">
-                <a:solidFill>
-                  <a:srgbClr val="00B050"/>
-                </a:solidFill>
-                <a:latin typeface="더잠실 3 Regular" panose="00000500000000000000" pitchFamily="2" charset="-127"/>
-                <a:ea typeface="더잠실 3 Regular" panose="00000500000000000000" pitchFamily="2" charset="-127"/>
-              </a:rPr>
-              <a:t>전반기 </a:t>
-            </a:r>
-            <a:r>
-              <a:rPr lang="en-US" altLang="ko-KR" dirty="0">
-                <a:solidFill>
-                  <a:srgbClr val="00B050"/>
-                </a:solidFill>
-                <a:latin typeface="더잠실 3 Regular" panose="00000500000000000000" pitchFamily="2" charset="-127"/>
-                <a:ea typeface="더잠실 3 Regular" panose="00000500000000000000" pitchFamily="2" charset="-127"/>
-              </a:rPr>
-              <a:t>3</a:t>
-            </a:r>
-            <a:r>
-              <a:rPr lang="ko-KR" altLang="en-US" dirty="0">
-                <a:solidFill>
-                  <a:srgbClr val="00B050"/>
-                </a:solidFill>
-                <a:latin typeface="더잠실 3 Regular" panose="00000500000000000000" pitchFamily="2" charset="-127"/>
-                <a:ea typeface="더잠실 3 Regular" panose="00000500000000000000" pitchFamily="2" charset="-127"/>
-              </a:rPr>
-              <a:t>회</a:t>
-            </a:r>
-            <a:r>
-              <a:rPr lang="en-US" altLang="ko-KR" dirty="0">
-                <a:solidFill>
-                  <a:srgbClr val="00B050"/>
-                </a:solidFill>
-                <a:latin typeface="더잠실 3 Regular" panose="00000500000000000000" pitchFamily="2" charset="-127"/>
-                <a:ea typeface="더잠실 3 Regular" panose="00000500000000000000" pitchFamily="2" charset="-127"/>
-              </a:rPr>
-              <a:t> </a:t>
-            </a:r>
-            <a:r>
-              <a:rPr lang="en-US" altLang="ko-KR" dirty="0">
-                <a:latin typeface="더잠실 3 Regular" panose="00000500000000000000" pitchFamily="2" charset="-127"/>
-                <a:ea typeface="더잠실 3 Regular" panose="00000500000000000000" pitchFamily="2" charset="-127"/>
-              </a:rPr>
-              <a:t>, </a:t>
-            </a:r>
-            <a:r>
-              <a:rPr lang="ko-KR" altLang="en-US" dirty="0">
-                <a:solidFill>
-                  <a:srgbClr val="0070C0"/>
-                </a:solidFill>
-                <a:latin typeface="더잠실 3 Regular" panose="00000500000000000000" pitchFamily="2" charset="-127"/>
-                <a:ea typeface="더잠실 3 Regular" panose="00000500000000000000" pitchFamily="2" charset="-127"/>
-              </a:rPr>
-              <a:t>후반기 </a:t>
-            </a:r>
-            <a:r>
-              <a:rPr lang="en-US" altLang="ko-KR" dirty="0">
-                <a:solidFill>
-                  <a:srgbClr val="0070C0"/>
-                </a:solidFill>
-                <a:latin typeface="더잠실 3 Regular" panose="00000500000000000000" pitchFamily="2" charset="-127"/>
-                <a:ea typeface="더잠실 3 Regular" panose="00000500000000000000" pitchFamily="2" charset="-127"/>
-              </a:rPr>
-              <a:t>3</a:t>
-            </a:r>
-            <a:r>
-              <a:rPr lang="ko-KR" altLang="en-US" dirty="0">
-                <a:solidFill>
-                  <a:srgbClr val="0070C0"/>
-                </a:solidFill>
-                <a:latin typeface="더잠실 3 Regular" panose="00000500000000000000" pitchFamily="2" charset="-127"/>
-                <a:ea typeface="더잠실 3 Regular" panose="00000500000000000000" pitchFamily="2" charset="-127"/>
-              </a:rPr>
-              <a:t>회</a:t>
-            </a:r>
-            <a:endParaRPr lang="en-US" altLang="ko-KR" dirty="0">
-              <a:solidFill>
-                <a:srgbClr val="0070C0"/>
-              </a:solidFill>
-              <a:latin typeface="더잠실 3 Regular" panose="00000500000000000000" pitchFamily="2" charset="-127"/>
-              <a:ea typeface="더잠실 3 Regular" panose="00000500000000000000" pitchFamily="2" charset="-127"/>
-            </a:endParaRPr>
-          </a:p>
-          <a:p>
-            <a:pPr marL="0" indent="0">
-              <a:buNone/>
-            </a:pPr>
-            <a:r>
-              <a:rPr lang="en-US" altLang="ko-KR" dirty="0">
-                <a:solidFill>
-                  <a:schemeClr val="accent2"/>
-                </a:solidFill>
-                <a:latin typeface="더잠실 2 Light" panose="00000300000000000000" pitchFamily="2" charset="-127"/>
-                <a:ea typeface="더잠실 2 Light" panose="00000300000000000000" pitchFamily="2" charset="-127"/>
-              </a:rPr>
-              <a:t>+</a:t>
-            </a:r>
-            <a:r>
-              <a:rPr lang="ko-KR" altLang="en-US" dirty="0">
-                <a:solidFill>
-                  <a:schemeClr val="accent2"/>
-                </a:solidFill>
-                <a:latin typeface="더잠실 2 Light" panose="00000300000000000000" pitchFamily="2" charset="-127"/>
-                <a:ea typeface="더잠실 2 Light" panose="00000300000000000000" pitchFamily="2" charset="-127"/>
-              </a:rPr>
-              <a:t> </a:t>
-            </a:r>
-            <a:r>
-              <a:rPr lang="ko-KR" altLang="en-US" dirty="0">
-                <a:latin typeface="더잠실 2 Light" panose="00000300000000000000" pitchFamily="2" charset="-127"/>
-                <a:ea typeface="더잠실 2 Light" panose="00000300000000000000" pitchFamily="2" charset="-127"/>
-              </a:rPr>
-              <a:t>교내 프로그래밍 대회 리뷰</a:t>
-            </a:r>
-            <a:r>
-              <a:rPr lang="en-US" altLang="ko-KR" dirty="0">
-                <a:latin typeface="더잠실 2 Light" panose="00000300000000000000" pitchFamily="2" charset="-127"/>
-                <a:ea typeface="더잠실 2 Light" panose="00000300000000000000" pitchFamily="2" charset="-127"/>
-              </a:rPr>
-              <a:t>, </a:t>
-            </a:r>
-            <a:r>
-              <a:rPr lang="ko-KR" altLang="en-US" dirty="0">
-                <a:latin typeface="더잠실 2 Light" panose="00000300000000000000" pitchFamily="2" charset="-127"/>
-                <a:ea typeface="더잠실 2 Light" panose="00000300000000000000" pitchFamily="2" charset="-127"/>
-              </a:rPr>
-              <a:t>자료구조 강의</a:t>
-            </a:r>
-            <a:endParaRPr lang="en-US" altLang="ko-KR" dirty="0">
-              <a:latin typeface="더잠실 2 Light" panose="00000300000000000000" pitchFamily="2" charset="-127"/>
-              <a:ea typeface="더잠실 2 Light" panose="00000300000000000000" pitchFamily="2" charset="-127"/>
-            </a:endParaRPr>
-          </a:p>
-          <a:p>
-            <a:pPr marL="0" indent="0">
-              <a:buNone/>
-            </a:pPr>
-            <a:endParaRPr lang="en-US" altLang="ko-KR" dirty="0">
-              <a:latin typeface="더잠실 2 Light" panose="00000300000000000000" pitchFamily="2" charset="-127"/>
-              <a:ea typeface="더잠실 2 Light" panose="00000300000000000000" pitchFamily="2" charset="-127"/>
-            </a:endParaRPr>
-          </a:p>
-          <a:p>
-            <a:pPr marL="0" indent="0">
-              <a:buNone/>
-            </a:pPr>
-            <a:r>
-              <a:rPr lang="ko-KR" altLang="en-US" dirty="0">
-                <a:latin typeface="더잠실 3 Regular" panose="00000500000000000000" pitchFamily="2" charset="-127"/>
-                <a:ea typeface="더잠실 3 Regular" panose="00000500000000000000" pitchFamily="2" charset="-127"/>
-              </a:rPr>
-              <a:t>추첨 이벤트 </a:t>
-            </a:r>
-            <a:r>
-              <a:rPr lang="en-US" altLang="ko-KR" dirty="0">
-                <a:latin typeface="더잠실 3 Regular" panose="00000500000000000000" pitchFamily="2" charset="-127"/>
-                <a:ea typeface="더잠실 3 Regular" panose="00000500000000000000" pitchFamily="2" charset="-127"/>
-              </a:rPr>
-              <a:t>:</a:t>
-            </a:r>
-            <a:r>
-              <a:rPr lang="en-US" altLang="ko-KR" dirty="0">
-                <a:latin typeface="더잠실 2 Light" panose="00000300000000000000" pitchFamily="2" charset="-127"/>
-                <a:ea typeface="더잠실 2 Light" panose="00000300000000000000" pitchFamily="2" charset="-127"/>
-              </a:rPr>
-              <a:t> </a:t>
-            </a:r>
-            <a:r>
-              <a:rPr lang="ko-KR" altLang="en-US" dirty="0">
-                <a:latin typeface="더잠실 2 Light" panose="00000300000000000000" pitchFamily="2" charset="-127"/>
-                <a:ea typeface="더잠실 2 Light" panose="00000300000000000000" pitchFamily="2" charset="-127"/>
-              </a:rPr>
-              <a:t>해당 학기 </a:t>
-            </a:r>
-            <a:r>
-              <a:rPr lang="en-US" altLang="ko-KR" dirty="0">
-                <a:latin typeface="더잠실 2 Light" panose="00000300000000000000" pitchFamily="2" charset="-127"/>
-                <a:ea typeface="더잠실 2 Light" panose="00000300000000000000" pitchFamily="2" charset="-127"/>
-              </a:rPr>
-              <a:t>2</a:t>
-            </a:r>
-            <a:r>
-              <a:rPr lang="ko-KR" altLang="en-US" dirty="0">
-                <a:latin typeface="더잠실 2 Light" panose="00000300000000000000" pitchFamily="2" charset="-127"/>
-                <a:ea typeface="더잠실 2 Light" panose="00000300000000000000" pitchFamily="2" charset="-127"/>
-              </a:rPr>
-              <a:t>회 이상 활동참여</a:t>
-            </a:r>
-            <a:r>
-              <a:rPr lang="en-US" altLang="ko-KR" dirty="0">
-                <a:latin typeface="더잠실 2 Light" panose="00000300000000000000" pitchFamily="2" charset="-127"/>
-                <a:ea typeface="더잠실 2 Light" panose="00000300000000000000" pitchFamily="2" charset="-127"/>
-              </a:rPr>
-              <a:t>, </a:t>
-            </a:r>
-            <a:r>
-              <a:rPr lang="ko-KR" altLang="en-US" dirty="0" err="1">
-                <a:latin typeface="더잠실 2 Light" panose="00000300000000000000" pitchFamily="2" charset="-127"/>
-                <a:ea typeface="더잠실 2 Light" panose="00000300000000000000" pitchFamily="2" charset="-127"/>
-              </a:rPr>
-              <a:t>학회비</a:t>
-            </a:r>
-            <a:r>
-              <a:rPr lang="ko-KR" altLang="en-US" dirty="0">
-                <a:latin typeface="더잠실 2 Light" panose="00000300000000000000" pitchFamily="2" charset="-127"/>
-                <a:ea typeface="더잠실 2 Light" panose="00000300000000000000" pitchFamily="2" charset="-127"/>
-              </a:rPr>
-              <a:t> 납부자 대상</a:t>
-            </a:r>
-            <a:endParaRPr lang="en-US" altLang="ko-KR" dirty="0">
-              <a:latin typeface="더잠실 2 Light" panose="00000300000000000000" pitchFamily="2" charset="-127"/>
-              <a:ea typeface="더잠실 2 Light" panose="00000300000000000000" pitchFamily="2" charset="-127"/>
-            </a:endParaRPr>
-          </a:p>
-          <a:p>
-            <a:pPr marL="0" indent="0">
-              <a:buNone/>
-            </a:pPr>
-            <a:endParaRPr lang="en-US" altLang="ko-KR" dirty="0">
-              <a:latin typeface="더잠실 2 Light" panose="00000300000000000000" pitchFamily="2" charset="-127"/>
-              <a:ea typeface="더잠실 2 Light" panose="00000300000000000000" pitchFamily="2" charset="-127"/>
-            </a:endParaRPr>
-          </a:p>
-          <a:p>
-            <a:pPr marL="0" indent="0">
-              <a:buNone/>
-            </a:pPr>
-            <a:r>
-              <a:rPr lang="ko-KR" altLang="en-US" dirty="0" err="1">
-                <a:latin typeface="더잠실 3 Regular" panose="00000500000000000000" pitchFamily="2" charset="-127"/>
-                <a:ea typeface="더잠실 3 Regular" panose="00000500000000000000" pitchFamily="2" charset="-127"/>
-              </a:rPr>
-              <a:t>비정기</a:t>
-            </a:r>
-            <a:r>
-              <a:rPr lang="ko-KR" altLang="en-US" dirty="0">
-                <a:latin typeface="더잠실 3 Regular" panose="00000500000000000000" pitchFamily="2" charset="-127"/>
-                <a:ea typeface="더잠실 3 Regular" panose="00000500000000000000" pitchFamily="2" charset="-127"/>
-              </a:rPr>
-              <a:t> 이벤트</a:t>
-            </a:r>
-            <a:r>
-              <a:rPr lang="ko-KR" altLang="en-US" dirty="0">
-                <a:latin typeface="더잠실 2 Light" panose="00000300000000000000" pitchFamily="2" charset="-127"/>
-                <a:ea typeface="더잠실 2 Light" panose="00000300000000000000" pitchFamily="2" charset="-127"/>
-              </a:rPr>
-              <a:t> </a:t>
-            </a:r>
-            <a:r>
-              <a:rPr lang="en-US" altLang="ko-KR" dirty="0">
-                <a:latin typeface="더잠실 2 Light" panose="00000300000000000000" pitchFamily="2" charset="-127"/>
-                <a:ea typeface="더잠실 2 Light" panose="00000300000000000000" pitchFamily="2" charset="-127"/>
-              </a:rPr>
-              <a:t>: ???</a:t>
-            </a:r>
-          </a:p>
-        </p:txBody>
-      </p:sp>
-    </p:spTree>
-    <p:extLst>
-      <p:ext uri="{BB962C8B-B14F-4D97-AF65-F5344CB8AC3E}">
-        <p14:creationId xmlns:p14="http://schemas.microsoft.com/office/powerpoint/2010/main" val="2508438891"/>
-      </p:ext>
-    </p:extLst>
-  </p:cSld>
-  <p:clrMapOvr>
-    <a:masterClrMapping/>
-  </p:clrMapOvr>
-</p:sld>
-</file>
-
-<file path=ppt/slides/slide3.xml><?xml version="1.0" encoding="utf-8"?>
-<p:sld xmlns:a="http://schemas.openxmlformats.org/drawingml/2006/main" xmlns:r="http://schemas.openxmlformats.org/officeDocument/2006/relationships" xmlns:p="http://schemas.openxmlformats.org/presentationml/2006/main">
-  <p:cSld>
-    <p:spTree>
-      <p:nvGrpSpPr>
-        <p:cNvPr id="1" name=""/>
-        <p:cNvGrpSpPr/>
-        <p:nvPr/>
-      </p:nvGrpSpPr>
-      <p:grpSpPr>
-        <a:xfrm>
-          <a:off x="0" y="0"/>
-          <a:ext cx="0" cy="0"/>
-          <a:chOff x="0" y="0"/>
-          <a:chExt cx="0" cy="0"/>
-        </a:xfrm>
-      </p:grpSpPr>
-      <p:sp>
-        <p:nvSpPr>
-          <p:cNvPr id="2" name="제목 1">
-            <a:extLst>
-              <a:ext uri="{FF2B5EF4-FFF2-40B4-BE49-F238E27FC236}">
-                <a16:creationId xmlns:a16="http://schemas.microsoft.com/office/drawing/2014/main" id="{C16C8C7E-3D44-8AD2-3FDB-EDF11E6AC1B7}"/>
-              </a:ext>
-            </a:extLst>
-          </p:cNvPr>
-          <p:cNvSpPr>
-            <a:spLocks noGrp="1"/>
-          </p:cNvSpPr>
-          <p:nvPr>
-            <p:ph type="title"/>
-          </p:nvPr>
-        </p:nvSpPr>
-        <p:spPr/>
-        <p:txBody>
-          <a:bodyPr/>
-          <a:lstStyle/>
-          <a:p>
-            <a:r>
-              <a:rPr lang="ko-KR" altLang="en-US" dirty="0">
-                <a:latin typeface="더잠실 3 Regular" panose="00000500000000000000" pitchFamily="2" charset="-127"/>
-                <a:ea typeface="더잠실 3 Regular" panose="00000500000000000000" pitchFamily="2" charset="-127"/>
-              </a:rPr>
-              <a:t>정기 활동</a:t>
-            </a:r>
-          </a:p>
-        </p:txBody>
-      </p:sp>
-      <p:sp>
-        <p:nvSpPr>
-          <p:cNvPr id="3" name="내용 개체 틀 2">
-            <a:extLst>
-              <a:ext uri="{FF2B5EF4-FFF2-40B4-BE49-F238E27FC236}">
-                <a16:creationId xmlns:a16="http://schemas.microsoft.com/office/drawing/2014/main" id="{E93D785B-B54F-6884-8E11-7A4ED77833CD}"/>
-              </a:ext>
-            </a:extLst>
-          </p:cNvPr>
-          <p:cNvSpPr>
-            <a:spLocks noGrp="1"/>
-          </p:cNvSpPr>
-          <p:nvPr>
-            <p:ph idx="1"/>
-          </p:nvPr>
-        </p:nvSpPr>
-        <p:spPr>
-          <a:xfrm>
-            <a:off x="838200" y="1558924"/>
-            <a:ext cx="9715500" cy="5051601"/>
-          </a:xfrm>
-        </p:spPr>
-        <p:txBody>
-          <a:bodyPr>
-            <a:normAutofit lnSpcReduction="10000"/>
-          </a:bodyPr>
-          <a:lstStyle/>
-          <a:p>
-            <a:pPr marL="0" indent="0">
-              <a:buNone/>
-            </a:pPr>
-            <a:r>
-              <a:rPr lang="ko-KR" altLang="en-US" dirty="0">
-                <a:latin typeface="더잠실 3 Regular" panose="00000500000000000000" pitchFamily="2" charset="-127"/>
-                <a:ea typeface="더잠실 3 Regular" panose="00000500000000000000" pitchFamily="2" charset="-127"/>
-              </a:rPr>
-              <a:t>알고리즘 그 자체</a:t>
-            </a:r>
-            <a:r>
-              <a:rPr lang="en-US" altLang="ko-KR" dirty="0">
-                <a:latin typeface="더잠실 3 Regular" panose="00000500000000000000" pitchFamily="2" charset="-127"/>
-                <a:ea typeface="더잠실 3 Regular" panose="00000500000000000000" pitchFamily="2" charset="-127"/>
-              </a:rPr>
-              <a:t>,</a:t>
-            </a:r>
-            <a:r>
-              <a:rPr lang="ko-KR" altLang="en-US" dirty="0">
-                <a:latin typeface="더잠실 3 Regular" panose="00000500000000000000" pitchFamily="2" charset="-127"/>
-                <a:ea typeface="더잠실 3 Regular" panose="00000500000000000000" pitchFamily="2" charset="-127"/>
-              </a:rPr>
-              <a:t> 혹은 문제풀이에 관련해서</a:t>
-            </a:r>
-            <a:endParaRPr lang="en-US" altLang="ko-KR" dirty="0">
-              <a:latin typeface="더잠실 3 Regular" panose="00000500000000000000" pitchFamily="2" charset="-127"/>
-              <a:ea typeface="더잠실 3 Regular" panose="00000500000000000000" pitchFamily="2" charset="-127"/>
-            </a:endParaRPr>
-          </a:p>
-          <a:p>
-            <a:pPr marL="0" indent="0">
-              <a:buNone/>
-            </a:pPr>
-            <a:r>
-              <a:rPr lang="ko-KR" altLang="en-US" dirty="0">
-                <a:highlight>
-                  <a:srgbClr val="FFFF00"/>
-                </a:highlight>
-                <a:latin typeface="더잠실 3 Regular" panose="00000500000000000000" pitchFamily="2" charset="-127"/>
-                <a:ea typeface="더잠실 3 Regular" panose="00000500000000000000" pitchFamily="2" charset="-127"/>
-              </a:rPr>
-              <a:t>매주 다른 주제에 대해서 강의 및 예제 실습</a:t>
-            </a:r>
-            <a:r>
-              <a:rPr lang="en-US" altLang="ko-KR" dirty="0">
-                <a:highlight>
-                  <a:srgbClr val="FFFF00"/>
-                </a:highlight>
-                <a:latin typeface="더잠실 3 Regular" panose="00000500000000000000" pitchFamily="2" charset="-127"/>
-                <a:ea typeface="더잠실 3 Regular" panose="00000500000000000000" pitchFamily="2" charset="-127"/>
-              </a:rPr>
-              <a:t>.</a:t>
-            </a:r>
-          </a:p>
-          <a:p>
-            <a:pPr marL="0" indent="0">
-              <a:buNone/>
-            </a:pPr>
-            <a:endParaRPr lang="en-US" altLang="ko-KR" dirty="0">
-              <a:latin typeface="더잠실 2 Light" panose="00000300000000000000" pitchFamily="2" charset="-127"/>
-              <a:ea typeface="더잠실 2 Light" panose="00000300000000000000" pitchFamily="2" charset="-127"/>
-            </a:endParaRPr>
-          </a:p>
-          <a:p>
-            <a:pPr marL="0" indent="0">
-              <a:buNone/>
-            </a:pPr>
-            <a:r>
-              <a:rPr lang="ko-KR" altLang="en-US" sz="2400" dirty="0">
-                <a:latin typeface="더잠실 2 Light" panose="00000300000000000000" pitchFamily="2" charset="-127"/>
-                <a:ea typeface="더잠실 2 Light" panose="00000300000000000000" pitchFamily="2" charset="-127"/>
-              </a:rPr>
-              <a:t>대부분의 학우들은</a:t>
-            </a:r>
-            <a:r>
-              <a:rPr lang="en-US" altLang="ko-KR" sz="2400" dirty="0">
-                <a:latin typeface="더잠실 2 Light" panose="00000300000000000000" pitchFamily="2" charset="-127"/>
-                <a:ea typeface="더잠실 2 Light" panose="00000300000000000000" pitchFamily="2" charset="-127"/>
-              </a:rPr>
-              <a:t> </a:t>
-            </a:r>
-            <a:r>
-              <a:rPr lang="ko-KR" altLang="en-US" sz="2400" dirty="0">
-                <a:latin typeface="더잠실 2 Light" panose="00000300000000000000" pitchFamily="2" charset="-127"/>
-                <a:ea typeface="더잠실 2 Light" panose="00000300000000000000" pitchFamily="2" charset="-127"/>
-              </a:rPr>
-              <a:t>씨앗에서</a:t>
-            </a:r>
-            <a:endParaRPr lang="en-US" altLang="ko-KR" sz="2400" dirty="0">
-              <a:latin typeface="더잠실 2 Light" panose="00000300000000000000" pitchFamily="2" charset="-127"/>
-              <a:ea typeface="더잠실 2 Light" panose="00000300000000000000" pitchFamily="2" charset="-127"/>
-            </a:endParaRPr>
-          </a:p>
-          <a:p>
-            <a:pPr marL="0" indent="0">
-              <a:buNone/>
-            </a:pPr>
-            <a:r>
-              <a:rPr lang="en-US" altLang="ko-KR" sz="2400" dirty="0">
-                <a:latin typeface="더잠실 2 Light" panose="00000300000000000000" pitchFamily="2" charset="-127"/>
-                <a:ea typeface="더잠실 2 Light" panose="00000300000000000000" pitchFamily="2" charset="-127"/>
-              </a:rPr>
-              <a:t>CT</a:t>
-            </a:r>
-            <a:r>
-              <a:rPr lang="ko-KR" altLang="en-US" sz="2400" dirty="0">
-                <a:latin typeface="더잠실 2 Light" panose="00000300000000000000" pitchFamily="2" charset="-127"/>
-                <a:ea typeface="더잠실 2 Light" panose="00000300000000000000" pitchFamily="2" charset="-127"/>
-              </a:rPr>
-              <a:t>에 대해 익히거나</a:t>
-            </a:r>
-            <a:r>
-              <a:rPr lang="en-US" altLang="ko-KR" sz="2400" dirty="0">
-                <a:latin typeface="더잠실 2 Light" panose="00000300000000000000" pitchFamily="2" charset="-127"/>
-                <a:ea typeface="더잠실 2 Light" panose="00000300000000000000" pitchFamily="2" charset="-127"/>
-              </a:rPr>
-              <a:t>,  </a:t>
-            </a:r>
-            <a:r>
-              <a:rPr lang="ko-KR" altLang="en-US" sz="2400" dirty="0">
-                <a:latin typeface="더잠실 2 Light" panose="00000300000000000000" pitchFamily="2" charset="-127"/>
-                <a:ea typeface="더잠실 2 Light" panose="00000300000000000000" pitchFamily="2" charset="-127"/>
-              </a:rPr>
-              <a:t>전공과목 학습에 도움을 받기를 원합니다</a:t>
-            </a:r>
-            <a:r>
-              <a:rPr lang="en-US" altLang="ko-KR" sz="2400" dirty="0">
-                <a:latin typeface="더잠실 2 Light" panose="00000300000000000000" pitchFamily="2" charset="-127"/>
-                <a:ea typeface="더잠실 2 Light" panose="00000300000000000000" pitchFamily="2" charset="-127"/>
-              </a:rPr>
-              <a:t>.</a:t>
-            </a:r>
-          </a:p>
-          <a:p>
-            <a:pPr marL="0" indent="0">
-              <a:buNone/>
-            </a:pPr>
-            <a:endParaRPr lang="en-US" altLang="ko-KR" sz="2400" dirty="0">
-              <a:latin typeface="더잠실 2 Light" panose="00000300000000000000" pitchFamily="2" charset="-127"/>
-              <a:ea typeface="더잠실 2 Light" panose="00000300000000000000" pitchFamily="2" charset="-127"/>
-            </a:endParaRPr>
-          </a:p>
-          <a:p>
-            <a:pPr marL="0" indent="0">
-              <a:buNone/>
-            </a:pPr>
-            <a:r>
-              <a:rPr lang="ko-KR" altLang="en-US" sz="2400" dirty="0">
-                <a:latin typeface="더잠실 2 Light" panose="00000300000000000000" pitchFamily="2" charset="-127"/>
-                <a:ea typeface="더잠실 2 Light" panose="00000300000000000000" pitchFamily="2" charset="-127"/>
-              </a:rPr>
-              <a:t>이번 학기는 대기업 </a:t>
-            </a:r>
-            <a:r>
-              <a:rPr lang="en-US" altLang="ko-KR" sz="2400" dirty="0">
-                <a:latin typeface="더잠실 2 Light" panose="00000300000000000000" pitchFamily="2" charset="-127"/>
-                <a:ea typeface="더잠실 2 Light" panose="00000300000000000000" pitchFamily="2" charset="-127"/>
-              </a:rPr>
-              <a:t>CT </a:t>
-            </a:r>
-            <a:r>
-              <a:rPr lang="ko-KR" altLang="en-US" sz="2400" dirty="0">
-                <a:latin typeface="더잠실 2 Light" panose="00000300000000000000" pitchFamily="2" charset="-127"/>
-                <a:ea typeface="더잠실 2 Light" panose="00000300000000000000" pitchFamily="2" charset="-127"/>
-              </a:rPr>
-              <a:t>나 대회 기출 경향을 기반으로</a:t>
-            </a:r>
-            <a:endParaRPr lang="en-US" altLang="ko-KR" sz="2400" dirty="0">
-              <a:latin typeface="더잠실 2 Light" panose="00000300000000000000" pitchFamily="2" charset="-127"/>
-              <a:ea typeface="더잠실 2 Light" panose="00000300000000000000" pitchFamily="2" charset="-127"/>
-            </a:endParaRPr>
-          </a:p>
-          <a:p>
-            <a:pPr marL="0" indent="0">
-              <a:buNone/>
-            </a:pPr>
-            <a:r>
-              <a:rPr lang="ko-KR" altLang="en-US" sz="2400" dirty="0">
-                <a:latin typeface="더잠실 2 Light" panose="00000300000000000000" pitchFamily="2" charset="-127"/>
-                <a:ea typeface="더잠실 2 Light" panose="00000300000000000000" pitchFamily="2" charset="-127"/>
-              </a:rPr>
-              <a:t>필수적인 내용들로</a:t>
-            </a:r>
-            <a:r>
-              <a:rPr lang="en-US" altLang="ko-KR" sz="2400" dirty="0">
-                <a:latin typeface="더잠실 2 Light" panose="00000300000000000000" pitchFamily="2" charset="-127"/>
-                <a:ea typeface="더잠실 2 Light" panose="00000300000000000000" pitchFamily="2" charset="-127"/>
-              </a:rPr>
-              <a:t> </a:t>
-            </a:r>
-            <a:r>
-              <a:rPr lang="ko-KR" altLang="en-US" sz="2400" dirty="0">
-                <a:latin typeface="더잠실 2 Light" panose="00000300000000000000" pitchFamily="2" charset="-127"/>
-                <a:ea typeface="더잠실 2 Light" panose="00000300000000000000" pitchFamily="2" charset="-127"/>
-              </a:rPr>
-              <a:t>선별했습니다</a:t>
-            </a:r>
-            <a:r>
-              <a:rPr lang="en-US" altLang="ko-KR" sz="2400" dirty="0">
-                <a:latin typeface="더잠실 2 Light" panose="00000300000000000000" pitchFamily="2" charset="-127"/>
-                <a:ea typeface="더잠실 2 Light" panose="00000300000000000000" pitchFamily="2" charset="-127"/>
-              </a:rPr>
-              <a:t>.</a:t>
-            </a:r>
-          </a:p>
-          <a:p>
-            <a:pPr marL="0" indent="0">
-              <a:buNone/>
-            </a:pPr>
-            <a:endParaRPr lang="en-US" altLang="ko-KR" sz="2400" dirty="0">
-              <a:latin typeface="더잠실 2 Light" panose="00000300000000000000" pitchFamily="2" charset="-127"/>
-              <a:ea typeface="더잠실 2 Light" panose="00000300000000000000" pitchFamily="2" charset="-127"/>
-            </a:endParaRPr>
-          </a:p>
-          <a:p>
-            <a:pPr marL="0" indent="0">
-              <a:buNone/>
-            </a:pPr>
-            <a:r>
-              <a:rPr lang="ko-KR" altLang="en-US" sz="2400" dirty="0">
-                <a:latin typeface="더잠실 2 Light" panose="00000300000000000000" pitchFamily="2" charset="-127"/>
-                <a:ea typeface="더잠실 2 Light" panose="00000300000000000000" pitchFamily="2" charset="-127"/>
-              </a:rPr>
-              <a:t>마이너한 내용을 선호하시는 고수분들이 계신 것을 알고 있지만</a:t>
-            </a:r>
-            <a:endParaRPr lang="en-US" altLang="ko-KR" sz="2400" dirty="0">
-              <a:latin typeface="더잠실 2 Light" panose="00000300000000000000" pitchFamily="2" charset="-127"/>
-              <a:ea typeface="더잠실 2 Light" panose="00000300000000000000" pitchFamily="2" charset="-127"/>
-            </a:endParaRPr>
-          </a:p>
-          <a:p>
-            <a:pPr marL="0" indent="0">
-              <a:buNone/>
-            </a:pPr>
-            <a:r>
-              <a:rPr lang="ko-KR" altLang="en-US" sz="2400" dirty="0">
-                <a:latin typeface="더잠실 2 Light" panose="00000300000000000000" pitchFamily="2" charset="-127"/>
-                <a:ea typeface="더잠실 2 Light" panose="00000300000000000000" pitchFamily="2" charset="-127"/>
-              </a:rPr>
-              <a:t>양해 부탁드립니다</a:t>
-            </a:r>
-            <a:r>
-              <a:rPr lang="en-US" altLang="ko-KR" sz="2400" dirty="0">
-                <a:latin typeface="더잠실 2 Light" panose="00000300000000000000" pitchFamily="2" charset="-127"/>
-                <a:ea typeface="더잠실 2 Light" panose="00000300000000000000" pitchFamily="2" charset="-127"/>
-              </a:rPr>
-              <a:t>.</a:t>
-            </a:r>
-          </a:p>
-        </p:txBody>
-      </p:sp>
-    </p:spTree>
-    <p:extLst>
-      <p:ext uri="{BB962C8B-B14F-4D97-AF65-F5344CB8AC3E}">
-        <p14:creationId xmlns:p14="http://schemas.microsoft.com/office/powerpoint/2010/main" val="944162768"/>
-      </p:ext>
-    </p:extLst>
-  </p:cSld>
-  <p:clrMapOvr>
-    <a:masterClrMapping/>
-  </p:clrMapOvr>
-</p:sld>
-</file>
-
-<file path=ppt/slides/slide4.xml><?xml version="1.0" encoding="utf-8"?>
-<p:sld xmlns:a="http://schemas.openxmlformats.org/drawingml/2006/main" xmlns:r="http://schemas.openxmlformats.org/officeDocument/2006/relationships" xmlns:p="http://schemas.openxmlformats.org/presentationml/2006/main">
-  <p:cSld>
-    <p:spTree>
-      <p:nvGrpSpPr>
-        <p:cNvPr id="1" name=""/>
-        <p:cNvGrpSpPr/>
-        <p:nvPr/>
-      </p:nvGrpSpPr>
-      <p:grpSpPr>
-        <a:xfrm>
-          <a:off x="0" y="0"/>
-          <a:ext cx="0" cy="0"/>
-          <a:chOff x="0" y="0"/>
-          <a:chExt cx="0" cy="0"/>
-        </a:xfrm>
-      </p:grpSpPr>
-      <p:sp>
-        <p:nvSpPr>
-          <p:cNvPr id="2" name="제목 1">
-            <a:extLst>
-              <a:ext uri="{FF2B5EF4-FFF2-40B4-BE49-F238E27FC236}">
-                <a16:creationId xmlns:a16="http://schemas.microsoft.com/office/drawing/2014/main" id="{C16C8C7E-3D44-8AD2-3FDB-EDF11E6AC1B7}"/>
-              </a:ext>
-            </a:extLst>
-          </p:cNvPr>
-          <p:cNvSpPr>
-            <a:spLocks noGrp="1"/>
-          </p:cNvSpPr>
-          <p:nvPr>
-            <p:ph type="title"/>
-          </p:nvPr>
-        </p:nvSpPr>
-        <p:spPr/>
-        <p:txBody>
-          <a:bodyPr/>
-          <a:lstStyle/>
-          <a:p>
-            <a:r>
-              <a:rPr lang="ko-KR" altLang="en-US" dirty="0">
-                <a:latin typeface="더잠실 3 Regular" panose="00000500000000000000" pitchFamily="2" charset="-127"/>
-                <a:ea typeface="더잠실 3 Regular" panose="00000500000000000000" pitchFamily="2" charset="-127"/>
-              </a:rPr>
-              <a:t>정기 활동 계획</a:t>
-            </a:r>
-          </a:p>
-        </p:txBody>
-      </p:sp>
-      <p:sp>
-        <p:nvSpPr>
-          <p:cNvPr id="3" name="내용 개체 틀 2">
-            <a:extLst>
-              <a:ext uri="{FF2B5EF4-FFF2-40B4-BE49-F238E27FC236}">
-                <a16:creationId xmlns:a16="http://schemas.microsoft.com/office/drawing/2014/main" id="{E93D785B-B54F-6884-8E11-7A4ED77833CD}"/>
-              </a:ext>
-            </a:extLst>
-          </p:cNvPr>
-          <p:cNvSpPr>
-            <a:spLocks noGrp="1"/>
-          </p:cNvSpPr>
-          <p:nvPr>
-            <p:ph idx="1"/>
-          </p:nvPr>
-        </p:nvSpPr>
-        <p:spPr>
-          <a:xfrm>
-            <a:off x="838200" y="1627188"/>
-            <a:ext cx="10515600" cy="4917617"/>
-          </a:xfrm>
-        </p:spPr>
-        <p:txBody>
-          <a:bodyPr>
-            <a:normAutofit/>
-          </a:bodyPr>
-          <a:lstStyle/>
-          <a:p>
-            <a:pPr marL="0" indent="0">
-              <a:buNone/>
-            </a:pPr>
-            <a:r>
-              <a:rPr lang="en-US" altLang="ko-KR" dirty="0">
-                <a:latin typeface="더잠실 3 Regular" panose="00000500000000000000" pitchFamily="2" charset="-127"/>
-                <a:ea typeface="더잠실 3 Regular" panose="00000500000000000000" pitchFamily="2" charset="-127"/>
-              </a:rPr>
-              <a:t>1</a:t>
-            </a:r>
-            <a:r>
-              <a:rPr lang="ko-KR" altLang="en-US" dirty="0" err="1">
-                <a:latin typeface="더잠실 3 Regular" panose="00000500000000000000" pitchFamily="2" charset="-127"/>
-                <a:ea typeface="더잠실 3 Regular" panose="00000500000000000000" pitchFamily="2" charset="-127"/>
-              </a:rPr>
-              <a:t>회차</a:t>
-            </a:r>
-            <a:r>
-              <a:rPr lang="ko-KR" altLang="en-US" dirty="0">
-                <a:latin typeface="더잠실 2 Light" panose="00000300000000000000" pitchFamily="2" charset="-127"/>
-                <a:ea typeface="더잠실 2 Light" panose="00000300000000000000" pitchFamily="2" charset="-127"/>
-              </a:rPr>
-              <a:t>  알고리즘 이해 </a:t>
-            </a:r>
-            <a:r>
-              <a:rPr lang="en-US" altLang="ko-KR" dirty="0">
-                <a:latin typeface="더잠실 2 Light" panose="00000300000000000000" pitchFamily="2" charset="-127"/>
-                <a:ea typeface="더잠실 2 Light" panose="00000300000000000000" pitchFamily="2" charset="-127"/>
-              </a:rPr>
-              <a:t>+ </a:t>
-            </a:r>
-            <a:r>
-              <a:rPr lang="ko-KR" altLang="en-US" dirty="0">
-                <a:latin typeface="더잠실 2 Light" panose="00000300000000000000" pitchFamily="2" charset="-127"/>
-                <a:ea typeface="더잠실 2 Light" panose="00000300000000000000" pitchFamily="2" charset="-127"/>
-              </a:rPr>
-              <a:t>자료구조 </a:t>
-            </a:r>
-            <a:r>
-              <a:rPr lang="en-US" altLang="ko-KR" dirty="0">
-                <a:latin typeface="더잠실 2 Light" panose="00000300000000000000" pitchFamily="2" charset="-127"/>
-                <a:ea typeface="더잠실 2 Light" panose="00000300000000000000" pitchFamily="2" charset="-127"/>
-              </a:rPr>
-              <a:t>(</a:t>
-            </a:r>
-            <a:r>
-              <a:rPr lang="ko-KR" altLang="en-US" dirty="0">
-                <a:latin typeface="더잠실 2 Light" panose="00000300000000000000" pitchFamily="2" charset="-127"/>
-                <a:ea typeface="더잠실 2 Light" panose="00000300000000000000" pitchFamily="2" charset="-127"/>
-              </a:rPr>
-              <a:t>선형</a:t>
-            </a:r>
-            <a:r>
-              <a:rPr lang="en-US" altLang="ko-KR" dirty="0">
-                <a:latin typeface="더잠실 2 Light" panose="00000300000000000000" pitchFamily="2" charset="-127"/>
-                <a:ea typeface="더잠실 2 Light" panose="00000300000000000000" pitchFamily="2" charset="-127"/>
-              </a:rPr>
-              <a:t>)</a:t>
-            </a:r>
-          </a:p>
-          <a:p>
-            <a:pPr marL="0" indent="0">
-              <a:buNone/>
-            </a:pPr>
-            <a:r>
-              <a:rPr lang="en-US" altLang="ko-KR" dirty="0">
-                <a:latin typeface="더잠실 3 Regular" panose="00000500000000000000" pitchFamily="2" charset="-127"/>
-                <a:ea typeface="더잠실 3 Regular" panose="00000500000000000000" pitchFamily="2" charset="-127"/>
-              </a:rPr>
-              <a:t>2</a:t>
-            </a:r>
-            <a:r>
-              <a:rPr lang="ko-KR" altLang="en-US" dirty="0" err="1">
-                <a:latin typeface="더잠실 3 Regular" panose="00000500000000000000" pitchFamily="2" charset="-127"/>
-                <a:ea typeface="더잠실 3 Regular" panose="00000500000000000000" pitchFamily="2" charset="-127"/>
-              </a:rPr>
-              <a:t>회차</a:t>
-            </a:r>
-            <a:r>
-              <a:rPr lang="ko-KR" altLang="en-US" dirty="0">
-                <a:latin typeface="더잠실 3 Regular" panose="00000500000000000000" pitchFamily="2" charset="-127"/>
-                <a:ea typeface="더잠실 3 Regular" panose="00000500000000000000" pitchFamily="2" charset="-127"/>
-              </a:rPr>
-              <a:t>  </a:t>
-            </a:r>
-            <a:r>
-              <a:rPr lang="ko-KR" altLang="en-US" dirty="0">
-                <a:latin typeface="더잠실 2 Light" panose="00000300000000000000" pitchFamily="2" charset="-127"/>
-                <a:ea typeface="더잠실 2 Light" panose="00000300000000000000" pitchFamily="2" charset="-127"/>
-              </a:rPr>
-              <a:t>자료구조</a:t>
-            </a:r>
-            <a:r>
-              <a:rPr lang="en-US" altLang="ko-KR" dirty="0">
-                <a:latin typeface="더잠실 2 Light" panose="00000300000000000000" pitchFamily="2" charset="-127"/>
-                <a:ea typeface="더잠실 2 Light" panose="00000300000000000000" pitchFamily="2" charset="-127"/>
-              </a:rPr>
-              <a:t>(</a:t>
-            </a:r>
-            <a:r>
-              <a:rPr lang="ko-KR" altLang="en-US" dirty="0">
-                <a:latin typeface="더잠실 2 Light" panose="00000300000000000000" pitchFamily="2" charset="-127"/>
-                <a:ea typeface="더잠실 2 Light" panose="00000300000000000000" pitchFamily="2" charset="-127"/>
-              </a:rPr>
-              <a:t>비선형</a:t>
-            </a:r>
-            <a:r>
-              <a:rPr lang="en-US" altLang="ko-KR" dirty="0">
-                <a:latin typeface="더잠실 2 Light" panose="00000300000000000000" pitchFamily="2" charset="-127"/>
-                <a:ea typeface="더잠실 2 Light" panose="00000300000000000000" pitchFamily="2" charset="-127"/>
-              </a:rPr>
-              <a:t>)</a:t>
-            </a:r>
-            <a:r>
-              <a:rPr lang="ko-KR" altLang="en-US" dirty="0">
-                <a:latin typeface="더잠실 2 Light" panose="00000300000000000000" pitchFamily="2" charset="-127"/>
-                <a:ea typeface="더잠실 2 Light" panose="00000300000000000000" pitchFamily="2" charset="-127"/>
-              </a:rPr>
-              <a:t> </a:t>
-            </a:r>
-            <a:r>
-              <a:rPr lang="en-US" altLang="ko-KR" dirty="0">
-                <a:latin typeface="더잠실 2 Light" panose="00000300000000000000" pitchFamily="2" charset="-127"/>
-                <a:ea typeface="더잠실 2 Light" panose="00000300000000000000" pitchFamily="2" charset="-127"/>
-              </a:rPr>
-              <a:t>+</a:t>
-            </a:r>
-            <a:r>
-              <a:rPr lang="ko-KR" altLang="en-US" dirty="0">
-                <a:latin typeface="더잠실 2 Light" panose="00000300000000000000" pitchFamily="2" charset="-127"/>
-                <a:ea typeface="더잠실 2 Light" panose="00000300000000000000" pitchFamily="2" charset="-127"/>
-              </a:rPr>
-              <a:t> </a:t>
-            </a:r>
-            <a:r>
-              <a:rPr lang="en-US" altLang="ko-KR" dirty="0">
-                <a:latin typeface="더잠실 2 Light" panose="00000300000000000000" pitchFamily="2" charset="-127"/>
-                <a:ea typeface="더잠실 2 Light" panose="00000300000000000000" pitchFamily="2" charset="-127"/>
-              </a:rPr>
-              <a:t>BFS / DFS</a:t>
-            </a:r>
-          </a:p>
-          <a:p>
-            <a:pPr marL="0" indent="0">
-              <a:buNone/>
-            </a:pPr>
-            <a:r>
-              <a:rPr lang="en-US" altLang="ko-KR" dirty="0">
-                <a:latin typeface="더잠실 3 Regular" panose="00000500000000000000" pitchFamily="2" charset="-127"/>
-                <a:ea typeface="더잠실 3 Regular" panose="00000500000000000000" pitchFamily="2" charset="-127"/>
-              </a:rPr>
-              <a:t>3</a:t>
-            </a:r>
-            <a:r>
-              <a:rPr lang="ko-KR" altLang="en-US" dirty="0" err="1">
-                <a:latin typeface="더잠실 3 Regular" panose="00000500000000000000" pitchFamily="2" charset="-127"/>
-                <a:ea typeface="더잠실 3 Regular" panose="00000500000000000000" pitchFamily="2" charset="-127"/>
-              </a:rPr>
-              <a:t>회차</a:t>
-            </a:r>
-            <a:r>
-              <a:rPr lang="ko-KR" altLang="en-US" dirty="0">
-                <a:latin typeface="더잠실 3 Regular" panose="00000500000000000000" pitchFamily="2" charset="-127"/>
-                <a:ea typeface="더잠실 3 Regular" panose="00000500000000000000" pitchFamily="2" charset="-127"/>
-              </a:rPr>
-              <a:t>  </a:t>
-            </a:r>
-            <a:r>
-              <a:rPr lang="ko-KR" altLang="en-US" dirty="0">
-                <a:latin typeface="더잠실 2 Light" panose="00000300000000000000" pitchFamily="2" charset="-127"/>
-                <a:ea typeface="더잠실 2 Light" panose="00000300000000000000" pitchFamily="2" charset="-127"/>
-              </a:rPr>
-              <a:t>정렬과 탐색 알고리즘</a:t>
-            </a:r>
-            <a:endParaRPr lang="en-US" altLang="ko-KR" dirty="0">
-              <a:latin typeface="더잠실 2 Light" panose="00000300000000000000" pitchFamily="2" charset="-127"/>
-              <a:ea typeface="더잠실 2 Light" panose="00000300000000000000" pitchFamily="2" charset="-127"/>
-            </a:endParaRPr>
-          </a:p>
-          <a:p>
-            <a:pPr marL="0" indent="0">
-              <a:buNone/>
-            </a:pPr>
-            <a:r>
-              <a:rPr lang="en-US" altLang="ko-KR" dirty="0">
-                <a:solidFill>
-                  <a:schemeClr val="accent2">
-                    <a:lumMod val="50000"/>
-                  </a:schemeClr>
-                </a:solidFill>
-                <a:latin typeface="더잠실 2 Light" panose="00000300000000000000" pitchFamily="2" charset="-127"/>
-                <a:ea typeface="더잠실 2 Light" panose="00000300000000000000" pitchFamily="2" charset="-127"/>
-              </a:rPr>
-              <a:t>(</a:t>
-            </a:r>
-            <a:r>
-              <a:rPr lang="ko-KR" altLang="en-US" dirty="0">
-                <a:solidFill>
-                  <a:schemeClr val="accent2">
-                    <a:lumMod val="50000"/>
-                  </a:schemeClr>
-                </a:solidFill>
-                <a:latin typeface="더잠실 2 Light" panose="00000300000000000000" pitchFamily="2" charset="-127"/>
-                <a:ea typeface="더잠실 2 Light" panose="00000300000000000000" pitchFamily="2" charset="-127"/>
-              </a:rPr>
-              <a:t>중간고사</a:t>
-            </a:r>
-            <a:r>
-              <a:rPr lang="en-US" altLang="ko-KR" dirty="0">
-                <a:solidFill>
-                  <a:schemeClr val="accent2">
-                    <a:lumMod val="50000"/>
-                  </a:schemeClr>
-                </a:solidFill>
-                <a:latin typeface="더잠실 2 Light" panose="00000300000000000000" pitchFamily="2" charset="-127"/>
-                <a:ea typeface="더잠실 2 Light" panose="00000300000000000000" pitchFamily="2" charset="-127"/>
-              </a:rPr>
-              <a:t>)</a:t>
-            </a:r>
-            <a:endParaRPr lang="en-US" altLang="ko-KR" dirty="0">
-              <a:solidFill>
-                <a:schemeClr val="accent2">
-                  <a:lumMod val="50000"/>
-                </a:schemeClr>
-              </a:solidFill>
-              <a:latin typeface="더잠실 3 Regular" panose="00000500000000000000" pitchFamily="2" charset="-127"/>
-              <a:ea typeface="더잠실 3 Regular" panose="00000500000000000000" pitchFamily="2" charset="-127"/>
-            </a:endParaRPr>
-          </a:p>
-          <a:p>
-            <a:pPr marL="0" indent="0">
-              <a:buNone/>
-            </a:pPr>
-            <a:r>
-              <a:rPr lang="en-US" altLang="ko-KR" dirty="0">
-                <a:latin typeface="더잠실 3 Regular" panose="00000500000000000000" pitchFamily="2" charset="-127"/>
-                <a:ea typeface="더잠실 3 Regular" panose="00000500000000000000" pitchFamily="2" charset="-127"/>
-              </a:rPr>
-              <a:t>4</a:t>
-            </a:r>
-            <a:r>
-              <a:rPr lang="ko-KR" altLang="en-US" dirty="0" err="1">
-                <a:latin typeface="더잠실 3 Regular" panose="00000500000000000000" pitchFamily="2" charset="-127"/>
-                <a:ea typeface="더잠실 3 Regular" panose="00000500000000000000" pitchFamily="2" charset="-127"/>
-              </a:rPr>
-              <a:t>회차</a:t>
-            </a:r>
-            <a:r>
-              <a:rPr lang="ko-KR" altLang="en-US" dirty="0">
-                <a:latin typeface="더잠실 3 Regular" panose="00000500000000000000" pitchFamily="2" charset="-127"/>
-                <a:ea typeface="더잠실 3 Regular" panose="00000500000000000000" pitchFamily="2" charset="-127"/>
-              </a:rPr>
-              <a:t>  </a:t>
-            </a:r>
-            <a:r>
-              <a:rPr lang="ko-KR" altLang="en-US" dirty="0">
-                <a:latin typeface="더잠실 2 Light" panose="00000300000000000000" pitchFamily="2" charset="-127"/>
-                <a:ea typeface="더잠실 2 Light" panose="00000300000000000000" pitchFamily="2" charset="-127"/>
-              </a:rPr>
-              <a:t>프로그래밍 대회 리뷰</a:t>
-            </a:r>
-            <a:r>
-              <a:rPr lang="en-US" altLang="ko-KR" dirty="0">
-                <a:latin typeface="더잠실 2 Light" panose="00000300000000000000" pitchFamily="2" charset="-127"/>
-                <a:ea typeface="더잠실 2 Light" panose="00000300000000000000" pitchFamily="2" charset="-127"/>
-              </a:rPr>
-              <a:t>(</a:t>
-            </a:r>
-            <a:r>
-              <a:rPr lang="ko-KR" altLang="en-US" dirty="0">
-                <a:latin typeface="더잠실 2 Light" panose="00000300000000000000" pitchFamily="2" charset="-127"/>
-                <a:ea typeface="더잠실 2 Light" panose="00000300000000000000" pitchFamily="2" charset="-127"/>
-              </a:rPr>
-              <a:t>변동가능</a:t>
-            </a:r>
-            <a:r>
-              <a:rPr lang="en-US" altLang="ko-KR" dirty="0">
-                <a:latin typeface="더잠실 2 Light" panose="00000300000000000000" pitchFamily="2" charset="-127"/>
-                <a:ea typeface="더잠실 2 Light" panose="00000300000000000000" pitchFamily="2" charset="-127"/>
-              </a:rPr>
-              <a:t>)</a:t>
-            </a:r>
-          </a:p>
-          <a:p>
-            <a:pPr marL="0" indent="0">
-              <a:buNone/>
-            </a:pPr>
-            <a:r>
-              <a:rPr lang="en-US" altLang="ko-KR" dirty="0">
-                <a:latin typeface="더잠실 3 Regular" panose="00000500000000000000" pitchFamily="2" charset="-127"/>
-                <a:ea typeface="더잠실 3 Regular" panose="00000500000000000000" pitchFamily="2" charset="-127"/>
-              </a:rPr>
-              <a:t>5</a:t>
-            </a:r>
-            <a:r>
-              <a:rPr lang="ko-KR" altLang="en-US" dirty="0" err="1">
-                <a:latin typeface="더잠실 3 Regular" panose="00000500000000000000" pitchFamily="2" charset="-127"/>
-                <a:ea typeface="더잠실 3 Regular" panose="00000500000000000000" pitchFamily="2" charset="-127"/>
-              </a:rPr>
-              <a:t>회차</a:t>
-            </a:r>
-            <a:r>
-              <a:rPr lang="ko-KR" altLang="en-US" dirty="0">
-                <a:latin typeface="더잠실 2 Light" panose="00000300000000000000" pitchFamily="2" charset="-127"/>
-                <a:ea typeface="더잠실 2 Light" panose="00000300000000000000" pitchFamily="2" charset="-127"/>
-              </a:rPr>
-              <a:t>  다이나믹 프로그래밍</a:t>
-            </a:r>
-            <a:r>
-              <a:rPr lang="en-US" altLang="ko-KR" dirty="0">
-                <a:latin typeface="더잠실 2 Light" panose="00000300000000000000" pitchFamily="2" charset="-127"/>
-                <a:ea typeface="더잠실 2 Light" panose="00000300000000000000" pitchFamily="2" charset="-127"/>
-              </a:rPr>
-              <a:t>(</a:t>
-            </a:r>
-            <a:r>
-              <a:rPr lang="ko-KR" altLang="en-US" dirty="0">
-                <a:latin typeface="더잠실 2 Light" panose="00000300000000000000" pitchFamily="2" charset="-127"/>
-                <a:ea typeface="더잠실 2 Light" panose="00000300000000000000" pitchFamily="2" charset="-127"/>
-              </a:rPr>
-              <a:t>재탕</a:t>
-            </a:r>
-            <a:r>
-              <a:rPr lang="en-US" altLang="ko-KR" dirty="0">
-                <a:latin typeface="더잠실 2 Light" panose="00000300000000000000" pitchFamily="2" charset="-127"/>
-                <a:ea typeface="더잠실 2 Light" panose="00000300000000000000" pitchFamily="2" charset="-127"/>
-              </a:rPr>
-              <a:t>)</a:t>
-            </a:r>
-            <a:r>
-              <a:rPr lang="ko-KR" altLang="en-US" dirty="0">
-                <a:latin typeface="더잠실 2 Light" panose="00000300000000000000" pitchFamily="2" charset="-127"/>
-                <a:ea typeface="더잠실 2 Light" panose="00000300000000000000" pitchFamily="2" charset="-127"/>
-              </a:rPr>
-              <a:t> </a:t>
-            </a:r>
-            <a:endParaRPr lang="en-US" altLang="ko-KR" dirty="0">
-              <a:latin typeface="더잠실 2 Light" panose="00000300000000000000" pitchFamily="2" charset="-127"/>
-              <a:ea typeface="더잠실 2 Light" panose="00000300000000000000" pitchFamily="2" charset="-127"/>
-            </a:endParaRPr>
-          </a:p>
-          <a:p>
-            <a:pPr marL="0" indent="0">
-              <a:buNone/>
-            </a:pPr>
-            <a:r>
-              <a:rPr lang="en-US" altLang="ko-KR" dirty="0">
-                <a:latin typeface="더잠실 3 Regular" panose="00000500000000000000" pitchFamily="2" charset="-127"/>
-                <a:ea typeface="더잠실 3 Regular" panose="00000500000000000000" pitchFamily="2" charset="-127"/>
-              </a:rPr>
-              <a:t>6</a:t>
-            </a:r>
-            <a:r>
-              <a:rPr lang="ko-KR" altLang="en-US" dirty="0" err="1">
-                <a:latin typeface="더잠실 3 Regular" panose="00000500000000000000" pitchFamily="2" charset="-127"/>
-                <a:ea typeface="더잠실 3 Regular" panose="00000500000000000000" pitchFamily="2" charset="-127"/>
-              </a:rPr>
-              <a:t>회차</a:t>
-            </a:r>
-            <a:r>
-              <a:rPr lang="ko-KR" altLang="en-US" dirty="0">
-                <a:latin typeface="더잠실 3 Regular" panose="00000500000000000000" pitchFamily="2" charset="-127"/>
-                <a:ea typeface="더잠실 3 Regular" panose="00000500000000000000" pitchFamily="2" charset="-127"/>
-              </a:rPr>
-              <a:t>  </a:t>
-            </a:r>
-            <a:r>
-              <a:rPr lang="ko-KR" altLang="en-US" dirty="0">
-                <a:latin typeface="더잠실 2 Light" panose="00000300000000000000" pitchFamily="2" charset="-127"/>
-                <a:ea typeface="더잠실 2 Light" panose="00000300000000000000" pitchFamily="2" charset="-127"/>
-              </a:rPr>
-              <a:t>최단경로 알고리즘 </a:t>
-            </a:r>
-            <a:r>
-              <a:rPr lang="en-US" altLang="ko-KR" dirty="0">
-                <a:latin typeface="더잠실 2 Light" panose="00000300000000000000" pitchFamily="2" charset="-127"/>
-                <a:ea typeface="더잠실 2 Light" panose="00000300000000000000" pitchFamily="2" charset="-127"/>
-              </a:rPr>
-              <a:t>: Dijkstra, Floyd, </a:t>
-            </a:r>
-            <a:r>
-              <a:rPr lang="en-US" altLang="ko-KR" dirty="0">
-                <a:solidFill>
-                  <a:schemeClr val="bg1">
-                    <a:lumMod val="65000"/>
-                  </a:schemeClr>
-                </a:solidFill>
-                <a:latin typeface="더잠실 2 Light" panose="00000300000000000000" pitchFamily="2" charset="-127"/>
-                <a:ea typeface="더잠실 2 Light" panose="00000300000000000000" pitchFamily="2" charset="-127"/>
-              </a:rPr>
-              <a:t>Bellman-Ford</a:t>
-            </a:r>
-            <a:r>
-              <a:rPr lang="en-US" altLang="ko-KR" dirty="0">
-                <a:latin typeface="더잠실 3 Regular" panose="00000500000000000000" pitchFamily="2" charset="-127"/>
-                <a:ea typeface="더잠실 3 Regular" panose="00000500000000000000" pitchFamily="2" charset="-127"/>
-              </a:rPr>
-              <a:t> </a:t>
-            </a:r>
-          </a:p>
-          <a:p>
-            <a:pPr marL="0" indent="0">
-              <a:buNone/>
-            </a:pPr>
-            <a:r>
-              <a:rPr lang="en-US" altLang="ko-KR" dirty="0">
-                <a:latin typeface="더잠실 3 Regular" panose="00000500000000000000" pitchFamily="2" charset="-127"/>
-                <a:ea typeface="더잠실 3 Regular" panose="00000500000000000000" pitchFamily="2" charset="-127"/>
-              </a:rPr>
-              <a:t>7</a:t>
-            </a:r>
-            <a:r>
-              <a:rPr lang="ko-KR" altLang="en-US" dirty="0" err="1">
-                <a:latin typeface="더잠실 3 Regular" panose="00000500000000000000" pitchFamily="2" charset="-127"/>
-                <a:ea typeface="더잠실 3 Regular" panose="00000500000000000000" pitchFamily="2" charset="-127"/>
-              </a:rPr>
-              <a:t>회차</a:t>
-            </a:r>
-            <a:r>
-              <a:rPr lang="ko-KR" altLang="en-US" dirty="0">
-                <a:latin typeface="더잠실 2 Light" panose="00000300000000000000" pitchFamily="2" charset="-127"/>
-                <a:ea typeface="더잠실 2 Light" panose="00000300000000000000" pitchFamily="2" charset="-127"/>
-              </a:rPr>
-              <a:t>  </a:t>
-            </a:r>
-            <a:r>
-              <a:rPr lang="ko-KR" altLang="en-US" dirty="0">
-                <a:solidFill>
-                  <a:schemeClr val="bg1">
-                    <a:lumMod val="65000"/>
-                  </a:schemeClr>
-                </a:solidFill>
-                <a:latin typeface="더잠실 2 Light" panose="00000300000000000000" pitchFamily="2" charset="-127"/>
-                <a:ea typeface="더잠실 2 Light" panose="00000300000000000000" pitchFamily="2" charset="-127"/>
-              </a:rPr>
-              <a:t>그래프 중급</a:t>
-            </a:r>
-            <a:r>
-              <a:rPr lang="en-US" altLang="ko-KR" dirty="0">
-                <a:solidFill>
-                  <a:schemeClr val="bg1">
-                    <a:lumMod val="65000"/>
-                  </a:schemeClr>
-                </a:solidFill>
-                <a:latin typeface="더잠실 2 Light" panose="00000300000000000000" pitchFamily="2" charset="-127"/>
-                <a:ea typeface="더잠실 2 Light" panose="00000300000000000000" pitchFamily="2" charset="-127"/>
-              </a:rPr>
-              <a:t>(</a:t>
-            </a:r>
-            <a:r>
-              <a:rPr lang="ko-KR" altLang="en-US" dirty="0">
-                <a:solidFill>
-                  <a:schemeClr val="bg1">
-                    <a:lumMod val="65000"/>
-                  </a:schemeClr>
-                </a:solidFill>
-                <a:latin typeface="더잠실 2 Light" panose="00000300000000000000" pitchFamily="2" charset="-127"/>
-                <a:ea typeface="더잠실 2 Light" panose="00000300000000000000" pitchFamily="2" charset="-127"/>
-              </a:rPr>
-              <a:t>미정</a:t>
-            </a:r>
-            <a:r>
-              <a:rPr lang="en-US" altLang="ko-KR" dirty="0">
-                <a:solidFill>
-                  <a:schemeClr val="bg1">
-                    <a:lumMod val="65000"/>
-                  </a:schemeClr>
-                </a:solidFill>
-                <a:latin typeface="더잠실 2 Light" panose="00000300000000000000" pitchFamily="2" charset="-127"/>
-                <a:ea typeface="더잠실 2 Light" panose="00000300000000000000" pitchFamily="2" charset="-127"/>
-              </a:rPr>
-              <a:t>)</a:t>
-            </a:r>
-          </a:p>
-          <a:p>
-            <a:pPr marL="0" indent="0">
-              <a:buNone/>
-            </a:pPr>
-            <a:r>
-              <a:rPr lang="en-US" altLang="ko-KR" dirty="0">
-                <a:solidFill>
-                  <a:schemeClr val="accent2">
-                    <a:lumMod val="50000"/>
-                  </a:schemeClr>
-                </a:solidFill>
-                <a:latin typeface="더잠실 2 Light" panose="00000300000000000000" pitchFamily="2" charset="-127"/>
-                <a:ea typeface="더잠실 2 Light" panose="00000300000000000000" pitchFamily="2" charset="-127"/>
-              </a:rPr>
-              <a:t>(</a:t>
-            </a:r>
-            <a:r>
-              <a:rPr lang="ko-KR" altLang="en-US" dirty="0">
-                <a:solidFill>
-                  <a:schemeClr val="accent2">
-                    <a:lumMod val="50000"/>
-                  </a:schemeClr>
-                </a:solidFill>
-                <a:latin typeface="더잠실 2 Light" panose="00000300000000000000" pitchFamily="2" charset="-127"/>
-                <a:ea typeface="더잠실 2 Light" panose="00000300000000000000" pitchFamily="2" charset="-127"/>
-              </a:rPr>
-              <a:t>종강</a:t>
-            </a:r>
-            <a:r>
-              <a:rPr lang="en-US" altLang="ko-KR" dirty="0">
-                <a:solidFill>
-                  <a:schemeClr val="accent2">
-                    <a:lumMod val="50000"/>
-                  </a:schemeClr>
-                </a:solidFill>
-                <a:latin typeface="더잠실 2 Light" panose="00000300000000000000" pitchFamily="2" charset="-127"/>
-                <a:ea typeface="더잠실 2 Light" panose="00000300000000000000" pitchFamily="2" charset="-127"/>
-              </a:rPr>
-              <a:t>)</a:t>
-            </a:r>
-            <a:endParaRPr lang="en-US" altLang="ko-KR" dirty="0">
-              <a:solidFill>
-                <a:schemeClr val="bg1">
-                  <a:lumMod val="65000"/>
-                </a:schemeClr>
-              </a:solidFill>
-              <a:latin typeface="더잠실 2 Light" panose="00000300000000000000" pitchFamily="2" charset="-127"/>
-              <a:ea typeface="더잠실 2 Light" panose="00000300000000000000" pitchFamily="2" charset="-127"/>
-            </a:endParaRPr>
-          </a:p>
-          <a:p>
-            <a:pPr marL="0" indent="0">
-              <a:buNone/>
-            </a:pPr>
-            <a:endParaRPr lang="en-US" altLang="ko-KR" dirty="0">
-              <a:latin typeface="더잠실 2 Light" panose="00000300000000000000" pitchFamily="2" charset="-127"/>
-              <a:ea typeface="더잠실 2 Light" panose="00000300000000000000" pitchFamily="2" charset="-127"/>
-            </a:endParaRPr>
-          </a:p>
-          <a:p>
-            <a:pPr marL="0" indent="0">
-              <a:buNone/>
-            </a:pPr>
-            <a:endParaRPr lang="en-US" altLang="ko-KR" dirty="0">
-              <a:latin typeface="더잠실 2 Light" panose="00000300000000000000" pitchFamily="2" charset="-127"/>
-              <a:ea typeface="더잠실 2 Light" panose="00000300000000000000" pitchFamily="2" charset="-127"/>
-            </a:endParaRPr>
-          </a:p>
-        </p:txBody>
-      </p:sp>
-      <p:sp>
-        <p:nvSpPr>
-          <p:cNvPr id="4" name="TextBox 3">
-            <a:extLst>
-              <a:ext uri="{FF2B5EF4-FFF2-40B4-BE49-F238E27FC236}">
-                <a16:creationId xmlns:a16="http://schemas.microsoft.com/office/drawing/2014/main" id="{4F1C3A85-FC4F-AA33-06C2-27FA3EEC4B6B}"/>
-              </a:ext>
-            </a:extLst>
-          </p:cNvPr>
-          <p:cNvSpPr txBox="1"/>
-          <p:nvPr/>
-        </p:nvSpPr>
-        <p:spPr>
-          <a:xfrm>
-            <a:off x="6997700" y="1300164"/>
-            <a:ext cx="4838699" cy="2308324"/>
-          </a:xfrm>
-          <a:prstGeom prst="rect">
-            <a:avLst/>
-          </a:prstGeom>
-          <a:noFill/>
-          <a:ln w="28575">
-            <a:solidFill>
-              <a:srgbClr val="00B050"/>
-            </a:solidFill>
-          </a:ln>
-        </p:spPr>
-        <p:txBody>
-          <a:bodyPr wrap="square" rtlCol="0">
-            <a:spAutoFit/>
-          </a:bodyPr>
-          <a:lstStyle/>
-          <a:p>
-            <a:r>
-              <a:rPr lang="ko-KR" altLang="en-US" sz="2400" dirty="0">
-                <a:latin typeface="더잠실 2 Light" panose="00000300000000000000" pitchFamily="2" charset="-127"/>
-                <a:ea typeface="더잠실 2 Light" panose="00000300000000000000" pitchFamily="2" charset="-127"/>
-              </a:rPr>
-              <a:t>주말에</a:t>
-            </a:r>
-            <a:r>
-              <a:rPr lang="en-US" altLang="ko-KR" sz="2400" dirty="0">
-                <a:latin typeface="더잠실 2 Light" panose="00000300000000000000" pitchFamily="2" charset="-127"/>
-                <a:ea typeface="더잠실 2 Light" panose="00000300000000000000" pitchFamily="2" charset="-127"/>
-              </a:rPr>
-              <a:t> </a:t>
-            </a:r>
-            <a:r>
-              <a:rPr lang="ko-KR" altLang="en-US" sz="2400" dirty="0">
-                <a:latin typeface="더잠실 2 Light" panose="00000300000000000000" pitchFamily="2" charset="-127"/>
-                <a:ea typeface="더잠실 2 Light" panose="00000300000000000000" pitchFamily="2" charset="-127"/>
-              </a:rPr>
-              <a:t>활동 여부 공지</a:t>
-            </a:r>
-            <a:r>
-              <a:rPr lang="en-US" altLang="ko-KR" sz="2400" dirty="0">
-                <a:latin typeface="더잠실 2 Light" panose="00000300000000000000" pitchFamily="2" charset="-127"/>
-                <a:ea typeface="더잠실 2 Light" panose="00000300000000000000" pitchFamily="2" charset="-127"/>
-              </a:rPr>
-              <a:t>,</a:t>
-            </a:r>
-            <a:r>
-              <a:rPr lang="ko-KR" altLang="en-US" sz="2400" dirty="0">
-                <a:latin typeface="더잠실 2 Light" panose="00000300000000000000" pitchFamily="2" charset="-127"/>
-                <a:ea typeface="더잠실 2 Light" panose="00000300000000000000" pitchFamily="2" charset="-127"/>
-              </a:rPr>
-              <a:t> 참여 투표 게시</a:t>
-            </a:r>
-            <a:endParaRPr lang="en-US" altLang="ko-KR" sz="2400" dirty="0">
-              <a:latin typeface="더잠실 2 Light" panose="00000300000000000000" pitchFamily="2" charset="-127"/>
-              <a:ea typeface="더잠실 2 Light" panose="00000300000000000000" pitchFamily="2" charset="-127"/>
-            </a:endParaRPr>
-          </a:p>
-          <a:p>
-            <a:r>
-              <a:rPr lang="en-US" altLang="ko-KR" sz="2400" dirty="0">
-                <a:latin typeface="더잠실 2 Light" panose="00000300000000000000" pitchFamily="2" charset="-127"/>
-                <a:ea typeface="더잠실 2 Light" panose="00000300000000000000" pitchFamily="2" charset="-127"/>
-              </a:rPr>
-              <a:t>(</a:t>
-            </a:r>
-            <a:r>
-              <a:rPr lang="ko-KR" altLang="en-US" sz="2400" dirty="0">
-                <a:latin typeface="더잠실 2 Light" panose="00000300000000000000" pitchFamily="2" charset="-127"/>
-                <a:ea typeface="더잠실 2 Light" panose="00000300000000000000" pitchFamily="2" charset="-127"/>
-              </a:rPr>
-              <a:t>참여시 투표 필수</a:t>
-            </a:r>
-            <a:r>
-              <a:rPr lang="en-US" altLang="ko-KR" sz="2400" dirty="0">
-                <a:latin typeface="더잠실 2 Light" panose="00000300000000000000" pitchFamily="2" charset="-127"/>
-                <a:ea typeface="더잠실 2 Light" panose="00000300000000000000" pitchFamily="2" charset="-127"/>
-              </a:rPr>
-              <a:t>!)</a:t>
-            </a:r>
-          </a:p>
-          <a:p>
-            <a:endParaRPr lang="en-US" altLang="ko-KR" sz="2400" dirty="0">
-              <a:latin typeface="더잠실 2 Light" panose="00000300000000000000" pitchFamily="2" charset="-127"/>
-              <a:ea typeface="더잠실 2 Light" panose="00000300000000000000" pitchFamily="2" charset="-127"/>
-            </a:endParaRPr>
-          </a:p>
-          <a:p>
-            <a:r>
-              <a:rPr lang="ko-KR" altLang="en-US" sz="2400" dirty="0">
-                <a:latin typeface="더잠실 3 Regular" panose="00000500000000000000" pitchFamily="2" charset="-127"/>
-                <a:ea typeface="더잠실 3 Regular" panose="00000500000000000000" pitchFamily="2" charset="-127"/>
-              </a:rPr>
-              <a:t>시간</a:t>
-            </a:r>
-            <a:r>
-              <a:rPr lang="ko-KR" altLang="en-US" sz="2400" dirty="0">
-                <a:latin typeface="더잠실 2 Light" panose="00000300000000000000" pitchFamily="2" charset="-127"/>
-                <a:ea typeface="더잠실 2 Light" panose="00000300000000000000" pitchFamily="2" charset="-127"/>
-              </a:rPr>
-              <a:t> </a:t>
-            </a:r>
-            <a:r>
-              <a:rPr lang="en-US" altLang="ko-KR" sz="2400" dirty="0">
-                <a:latin typeface="더잠실 2 Light" panose="00000300000000000000" pitchFamily="2" charset="-127"/>
-                <a:ea typeface="더잠실 2 Light" panose="00000300000000000000" pitchFamily="2" charset="-127"/>
-              </a:rPr>
-              <a:t>: </a:t>
-            </a:r>
-            <a:r>
-              <a:rPr lang="ko-KR" altLang="en-US" sz="2400" dirty="0">
-                <a:latin typeface="더잠실 2 Light" panose="00000300000000000000" pitchFamily="2" charset="-127"/>
-                <a:ea typeface="더잠실 2 Light" panose="00000300000000000000" pitchFamily="2" charset="-127"/>
-              </a:rPr>
-              <a:t>화 </a:t>
-            </a:r>
-            <a:r>
-              <a:rPr lang="en-US" altLang="ko-KR" sz="2400" dirty="0">
-                <a:latin typeface="더잠실 2 Light" panose="00000300000000000000" pitchFamily="2" charset="-127"/>
-                <a:ea typeface="더잠실 2 Light" panose="00000300000000000000" pitchFamily="2" charset="-127"/>
-              </a:rPr>
-              <a:t>or </a:t>
-            </a:r>
-            <a:r>
-              <a:rPr lang="ko-KR" altLang="en-US" sz="2400" dirty="0">
-                <a:latin typeface="더잠실 2 Light" panose="00000300000000000000" pitchFamily="2" charset="-127"/>
-                <a:ea typeface="더잠실 2 Light" panose="00000300000000000000" pitchFamily="2" charset="-127"/>
-              </a:rPr>
-              <a:t>목 </a:t>
-            </a:r>
-            <a:r>
-              <a:rPr lang="en-US" altLang="ko-KR" sz="2400" dirty="0">
-                <a:latin typeface="더잠실 2 Light" panose="00000300000000000000" pitchFamily="2" charset="-127"/>
-                <a:ea typeface="더잠실 2 Light" panose="00000300000000000000" pitchFamily="2" charset="-127"/>
-              </a:rPr>
-              <a:t>19:00</a:t>
-            </a:r>
-          </a:p>
-          <a:p>
-            <a:r>
-              <a:rPr lang="ko-KR" altLang="en-US" sz="2400" dirty="0">
-                <a:latin typeface="더잠실 3 Regular" panose="00000500000000000000" pitchFamily="2" charset="-127"/>
-                <a:ea typeface="더잠실 3 Regular" panose="00000500000000000000" pitchFamily="2" charset="-127"/>
-              </a:rPr>
-              <a:t>장소</a:t>
-            </a:r>
-            <a:r>
-              <a:rPr lang="ko-KR" altLang="en-US" sz="2400" dirty="0">
-                <a:latin typeface="더잠실 2 Light" panose="00000300000000000000" pitchFamily="2" charset="-127"/>
-                <a:ea typeface="더잠실 2 Light" panose="00000300000000000000" pitchFamily="2" charset="-127"/>
-              </a:rPr>
-              <a:t> </a:t>
-            </a:r>
-            <a:r>
-              <a:rPr lang="en-US" altLang="ko-KR" sz="2400" dirty="0">
-                <a:latin typeface="더잠실 2 Light" panose="00000300000000000000" pitchFamily="2" charset="-127"/>
-                <a:ea typeface="더잠실 2 Light" panose="00000300000000000000" pitchFamily="2" charset="-127"/>
-              </a:rPr>
-              <a:t>: 2</a:t>
-            </a:r>
-            <a:r>
-              <a:rPr lang="ko-KR" altLang="en-US" sz="2400" dirty="0">
-                <a:latin typeface="더잠실 2 Light" panose="00000300000000000000" pitchFamily="2" charset="-127"/>
-                <a:ea typeface="더잠실 2 Light" panose="00000300000000000000" pitchFamily="2" charset="-127"/>
-              </a:rPr>
-              <a:t>공학관</a:t>
-            </a:r>
-            <a:endParaRPr lang="en-US" altLang="ko-KR" sz="2400" dirty="0">
-              <a:latin typeface="더잠실 2 Light" panose="00000300000000000000" pitchFamily="2" charset="-127"/>
-              <a:ea typeface="더잠실 2 Light" panose="00000300000000000000" pitchFamily="2" charset="-127"/>
-            </a:endParaRPr>
-          </a:p>
-          <a:p>
-            <a:r>
-              <a:rPr lang="ko-KR" altLang="en-US" sz="2400" dirty="0">
-                <a:latin typeface="더잠실 3 Regular" panose="00000500000000000000" pitchFamily="2" charset="-127"/>
-                <a:ea typeface="더잠실 3 Regular" panose="00000500000000000000" pitchFamily="2" charset="-127"/>
-              </a:rPr>
-              <a:t>준비물</a:t>
-            </a:r>
-            <a:r>
-              <a:rPr lang="ko-KR" altLang="en-US" sz="2400" dirty="0">
-                <a:latin typeface="더잠실 2 Light" panose="00000300000000000000" pitchFamily="2" charset="-127"/>
-                <a:ea typeface="더잠실 2 Light" panose="00000300000000000000" pitchFamily="2" charset="-127"/>
-              </a:rPr>
-              <a:t> </a:t>
-            </a:r>
-            <a:r>
-              <a:rPr lang="en-US" altLang="ko-KR" sz="2400" dirty="0">
-                <a:latin typeface="더잠실 2 Light" panose="00000300000000000000" pitchFamily="2" charset="-127"/>
-                <a:ea typeface="더잠실 2 Light" panose="00000300000000000000" pitchFamily="2" charset="-127"/>
-              </a:rPr>
-              <a:t>: </a:t>
-            </a:r>
-            <a:r>
-              <a:rPr lang="ko-KR" altLang="en-US" sz="2400" dirty="0">
-                <a:latin typeface="더잠실 2 Light" panose="00000300000000000000" pitchFamily="2" charset="-127"/>
-                <a:ea typeface="더잠실 2 Light" panose="00000300000000000000" pitchFamily="2" charset="-127"/>
-              </a:rPr>
-              <a:t>노트북</a:t>
-            </a:r>
-            <a:r>
-              <a:rPr lang="en-US" altLang="ko-KR" sz="2400" dirty="0">
-                <a:latin typeface="더잠실 2 Light" panose="00000300000000000000" pitchFamily="2" charset="-127"/>
-                <a:ea typeface="더잠실 2 Light" panose="00000300000000000000" pitchFamily="2" charset="-127"/>
-              </a:rPr>
-              <a:t>, </a:t>
-            </a:r>
-            <a:r>
-              <a:rPr lang="ko-KR" altLang="en-US" sz="2400" dirty="0">
-                <a:latin typeface="더잠실 2 Light" panose="00000300000000000000" pitchFamily="2" charset="-127"/>
-                <a:ea typeface="더잠실 2 Light" panose="00000300000000000000" pitchFamily="2" charset="-127"/>
-              </a:rPr>
-              <a:t>개발환경</a:t>
-            </a:r>
-            <a:r>
-              <a:rPr lang="en-US" altLang="ko-KR" sz="2400" dirty="0">
-                <a:latin typeface="더잠실 2 Light" panose="00000300000000000000" pitchFamily="2" charset="-127"/>
-                <a:ea typeface="더잠실 2 Light" panose="00000300000000000000" pitchFamily="2" charset="-127"/>
-              </a:rPr>
-              <a:t>, git</a:t>
-            </a:r>
-            <a:r>
-              <a:rPr lang="ko-KR" altLang="en-US" sz="2400" dirty="0">
-                <a:latin typeface="더잠실 2 Light" panose="00000300000000000000" pitchFamily="2" charset="-127"/>
-                <a:ea typeface="더잠실 2 Light" panose="00000300000000000000" pitchFamily="2" charset="-127"/>
-              </a:rPr>
-              <a:t>계정</a:t>
-            </a:r>
-            <a:endParaRPr lang="en-US" altLang="ko-KR" sz="2400" dirty="0">
-              <a:latin typeface="더잠실 2 Light" panose="00000300000000000000" pitchFamily="2" charset="-127"/>
-              <a:ea typeface="더잠실 2 Light" panose="00000300000000000000" pitchFamily="2" charset="-127"/>
-            </a:endParaRPr>
-          </a:p>
-        </p:txBody>
-      </p:sp>
-      <p:sp>
-        <p:nvSpPr>
-          <p:cNvPr id="5" name="직사각형 4">
-            <a:extLst>
-              <a:ext uri="{FF2B5EF4-FFF2-40B4-BE49-F238E27FC236}">
-                <a16:creationId xmlns:a16="http://schemas.microsoft.com/office/drawing/2014/main" id="{1F0FBD39-67E9-46DC-846E-E33750A4B4D1}"/>
-              </a:ext>
-            </a:extLst>
-          </p:cNvPr>
-          <p:cNvSpPr/>
-          <p:nvPr/>
-        </p:nvSpPr>
-        <p:spPr>
-          <a:xfrm>
-            <a:off x="787400" y="1741538"/>
-            <a:ext cx="63500" cy="1211213"/>
-          </a:xfrm>
-          <a:prstGeom prst="rect">
-            <a:avLst/>
-          </a:prstGeom>
-          <a:solidFill>
-            <a:srgbClr val="92D050"/>
-          </a:solidFill>
-          <a:ln>
-            <a:noFill/>
-          </a:ln>
-        </p:spPr>
-        <p:style>
-          <a:lnRef idx="2">
-            <a:schemeClr val="dk1">
-              <a:shade val="15000"/>
-            </a:schemeClr>
-          </a:lnRef>
-          <a:fillRef idx="1">
-            <a:schemeClr val="dk1"/>
-          </a:fillRef>
-          <a:effectRef idx="0">
-            <a:schemeClr val="dk1"/>
-          </a:effectRef>
-          <a:fontRef idx="minor">
-            <a:schemeClr val="lt1"/>
-          </a:fontRef>
-        </p:style>
-        <p:txBody>
-          <a:bodyPr rtlCol="0" anchor="ctr"/>
-          <a:lstStyle/>
-          <a:p>
-            <a:pPr algn="ctr"/>
-            <a:endParaRPr lang="ko-KR" altLang="en-US"/>
-          </a:p>
-        </p:txBody>
-      </p:sp>
-      <p:sp>
-        <p:nvSpPr>
-          <p:cNvPr id="6" name="직사각형 5">
-            <a:extLst>
-              <a:ext uri="{FF2B5EF4-FFF2-40B4-BE49-F238E27FC236}">
-                <a16:creationId xmlns:a16="http://schemas.microsoft.com/office/drawing/2014/main" id="{E8B18C12-5D39-6544-C20D-AFBD720DE82E}"/>
-              </a:ext>
-            </a:extLst>
-          </p:cNvPr>
-          <p:cNvSpPr/>
-          <p:nvPr/>
-        </p:nvSpPr>
-        <p:spPr>
-          <a:xfrm>
-            <a:off x="787400" y="3774307"/>
-            <a:ext cx="45719" cy="1737493"/>
-          </a:xfrm>
-          <a:prstGeom prst="rect">
-            <a:avLst/>
-          </a:prstGeom>
-          <a:solidFill>
-            <a:srgbClr val="0070C0"/>
-          </a:solidFill>
-          <a:ln>
-            <a:noFill/>
-          </a:ln>
-        </p:spPr>
-        <p:style>
-          <a:lnRef idx="2">
-            <a:schemeClr val="dk1">
-              <a:shade val="15000"/>
-            </a:schemeClr>
-          </a:lnRef>
-          <a:fillRef idx="1">
-            <a:schemeClr val="dk1"/>
-          </a:fillRef>
-          <a:effectRef idx="0">
-            <a:schemeClr val="dk1"/>
-          </a:effectRef>
-          <a:fontRef idx="minor">
-            <a:schemeClr val="lt1"/>
-          </a:fontRef>
-        </p:style>
-        <p:txBody>
-          <a:bodyPr rtlCol="0" anchor="ctr"/>
-          <a:lstStyle/>
-          <a:p>
-            <a:pPr algn="ctr"/>
-            <a:endParaRPr lang="ko-KR" altLang="en-US"/>
-          </a:p>
-        </p:txBody>
-      </p:sp>
-      <p:sp>
-        <p:nvSpPr>
-          <p:cNvPr id="7" name="별: 꼭짓점 5개 6">
-            <a:extLst>
-              <a:ext uri="{FF2B5EF4-FFF2-40B4-BE49-F238E27FC236}">
-                <a16:creationId xmlns:a16="http://schemas.microsoft.com/office/drawing/2014/main" id="{226E39B3-DF9E-C285-A946-FB8D52675402}"/>
-              </a:ext>
-            </a:extLst>
-          </p:cNvPr>
-          <p:cNvSpPr/>
-          <p:nvPr/>
-        </p:nvSpPr>
-        <p:spPr>
-          <a:xfrm>
-            <a:off x="1689102" y="1524050"/>
-            <a:ext cx="266700" cy="242888"/>
-          </a:xfrm>
-          <a:prstGeom prst="star5">
-            <a:avLst/>
-          </a:prstGeom>
-          <a:solidFill>
-            <a:srgbClr val="FFC000"/>
-          </a:solidFill>
-          <a:ln>
-            <a:noFill/>
-          </a:ln>
-        </p:spPr>
-        <p:style>
-          <a:lnRef idx="2">
-            <a:schemeClr val="accent1">
-              <a:shade val="15000"/>
-            </a:schemeClr>
-          </a:lnRef>
-          <a:fillRef idx="1">
-            <a:schemeClr val="accent1"/>
-          </a:fillRef>
-          <a:effectRef idx="0">
-            <a:schemeClr val="accent1"/>
-          </a:effectRef>
-          <a:fontRef idx="minor">
-            <a:schemeClr val="lt1"/>
-          </a:fontRef>
-        </p:style>
-        <p:txBody>
-          <a:bodyPr rtlCol="0" anchor="ctr"/>
-          <a:lstStyle/>
-          <a:p>
-            <a:pPr algn="ctr"/>
-            <a:endParaRPr lang="ko-KR" altLang="en-US" dirty="0"/>
-          </a:p>
-        </p:txBody>
-      </p:sp>
-      <p:sp>
-        <p:nvSpPr>
-          <p:cNvPr id="8" name="별: 꼭짓점 5개 7">
-            <a:extLst>
-              <a:ext uri="{FF2B5EF4-FFF2-40B4-BE49-F238E27FC236}">
-                <a16:creationId xmlns:a16="http://schemas.microsoft.com/office/drawing/2014/main" id="{0E00F03C-BDD2-7058-B1A4-67E1FD2A2DF6}"/>
-              </a:ext>
-            </a:extLst>
-          </p:cNvPr>
-          <p:cNvSpPr/>
-          <p:nvPr/>
-        </p:nvSpPr>
-        <p:spPr>
-          <a:xfrm>
-            <a:off x="1689102" y="2567832"/>
-            <a:ext cx="266700" cy="242888"/>
-          </a:xfrm>
-          <a:prstGeom prst="star5">
-            <a:avLst/>
-          </a:prstGeom>
-          <a:solidFill>
-            <a:srgbClr val="FFC000"/>
-          </a:solidFill>
-          <a:ln>
-            <a:noFill/>
-          </a:ln>
-        </p:spPr>
-        <p:style>
-          <a:lnRef idx="2">
-            <a:schemeClr val="accent1">
-              <a:shade val="15000"/>
-            </a:schemeClr>
-          </a:lnRef>
-          <a:fillRef idx="1">
-            <a:schemeClr val="accent1"/>
-          </a:fillRef>
-          <a:effectRef idx="0">
-            <a:schemeClr val="accent1"/>
-          </a:effectRef>
-          <a:fontRef idx="minor">
-            <a:schemeClr val="lt1"/>
-          </a:fontRef>
-        </p:style>
-        <p:txBody>
-          <a:bodyPr rtlCol="0" anchor="ctr"/>
-          <a:lstStyle/>
-          <a:p>
-            <a:pPr algn="ctr"/>
-            <a:endParaRPr lang="ko-KR" altLang="en-US" dirty="0"/>
-          </a:p>
-        </p:txBody>
-      </p:sp>
-      <p:sp>
-        <p:nvSpPr>
-          <p:cNvPr id="9" name="TextBox 8">
-            <a:extLst>
-              <a:ext uri="{FF2B5EF4-FFF2-40B4-BE49-F238E27FC236}">
-                <a16:creationId xmlns:a16="http://schemas.microsoft.com/office/drawing/2014/main" id="{47EA7189-CB39-2D9E-6F12-A810F343384F}"/>
-              </a:ext>
-            </a:extLst>
-          </p:cNvPr>
-          <p:cNvSpPr txBox="1"/>
-          <p:nvPr/>
-        </p:nvSpPr>
-        <p:spPr>
-          <a:xfrm>
-            <a:off x="7486649" y="5216157"/>
-            <a:ext cx="4349750" cy="707886"/>
-          </a:xfrm>
-          <a:prstGeom prst="rect">
-            <a:avLst/>
-          </a:prstGeom>
-          <a:noFill/>
-          <a:ln w="19050">
-            <a:solidFill>
-              <a:schemeClr val="tx1">
-                <a:lumMod val="50000"/>
-                <a:lumOff val="50000"/>
-              </a:schemeClr>
-            </a:solidFill>
-          </a:ln>
-        </p:spPr>
-        <p:txBody>
-          <a:bodyPr wrap="square" rtlCol="0">
-            <a:spAutoFit/>
-          </a:bodyPr>
-          <a:lstStyle/>
-          <a:p>
-            <a:r>
-              <a:rPr lang="ko-KR" altLang="en-US" sz="2000" dirty="0">
-                <a:solidFill>
-                  <a:schemeClr val="bg1">
-                    <a:lumMod val="50000"/>
-                  </a:schemeClr>
-                </a:solidFill>
-                <a:latin typeface="더잠실 2 Light" panose="00000300000000000000" pitchFamily="2" charset="-127"/>
-                <a:ea typeface="더잠실 2 Light" panose="00000300000000000000" pitchFamily="2" charset="-127"/>
-              </a:rPr>
-              <a:t>별표시가 된 </a:t>
-            </a:r>
-            <a:r>
-              <a:rPr lang="ko-KR" altLang="en-US" sz="2000" dirty="0" err="1">
-                <a:solidFill>
-                  <a:schemeClr val="bg1">
-                    <a:lumMod val="50000"/>
-                  </a:schemeClr>
-                </a:solidFill>
-                <a:latin typeface="더잠실 2 Light" panose="00000300000000000000" pitchFamily="2" charset="-127"/>
-                <a:ea typeface="더잠실 2 Light" panose="00000300000000000000" pitchFamily="2" charset="-127"/>
-              </a:rPr>
-              <a:t>회차는</a:t>
-            </a:r>
-            <a:r>
-              <a:rPr lang="ko-KR" altLang="en-US" sz="2000" dirty="0">
-                <a:solidFill>
-                  <a:schemeClr val="bg1">
-                    <a:lumMod val="50000"/>
-                  </a:schemeClr>
-                </a:solidFill>
-                <a:latin typeface="더잠실 2 Light" panose="00000300000000000000" pitchFamily="2" charset="-127"/>
-                <a:ea typeface="더잠실 2 Light" panose="00000300000000000000" pitchFamily="2" charset="-127"/>
-              </a:rPr>
-              <a:t> 자료구조 특강입니다</a:t>
-            </a:r>
-            <a:r>
-              <a:rPr lang="en-US" altLang="ko-KR" sz="2000" dirty="0">
-                <a:solidFill>
-                  <a:schemeClr val="bg1">
-                    <a:lumMod val="50000"/>
-                  </a:schemeClr>
-                </a:solidFill>
-                <a:latin typeface="더잠실 2 Light" panose="00000300000000000000" pitchFamily="2" charset="-127"/>
-                <a:ea typeface="더잠실 2 Light" panose="00000300000000000000" pitchFamily="2" charset="-127"/>
-              </a:rPr>
-              <a:t>. </a:t>
-            </a:r>
-          </a:p>
-          <a:p>
-            <a:r>
-              <a:rPr lang="en-US" altLang="ko-KR" sz="2000" dirty="0">
-                <a:solidFill>
-                  <a:schemeClr val="bg1">
-                    <a:lumMod val="50000"/>
-                  </a:schemeClr>
-                </a:solidFill>
-                <a:latin typeface="더잠실 2 Light" panose="00000300000000000000" pitchFamily="2" charset="-127"/>
-                <a:ea typeface="더잠실 2 Light" panose="00000300000000000000" pitchFamily="2" charset="-127"/>
-              </a:rPr>
-              <a:t>PS</a:t>
-            </a:r>
-            <a:r>
-              <a:rPr lang="ko-KR" altLang="en-US" sz="2000" dirty="0">
-                <a:solidFill>
-                  <a:schemeClr val="bg1">
-                    <a:lumMod val="50000"/>
-                  </a:schemeClr>
-                </a:solidFill>
-                <a:latin typeface="더잠실 2 Light" panose="00000300000000000000" pitchFamily="2" charset="-127"/>
-                <a:ea typeface="더잠실 2 Light" panose="00000300000000000000" pitchFamily="2" charset="-127"/>
-              </a:rPr>
-              <a:t>가 없는 점을 알립니다</a:t>
-            </a:r>
-            <a:r>
-              <a:rPr lang="en-US" altLang="ko-KR" sz="2000" dirty="0">
-                <a:solidFill>
-                  <a:schemeClr val="bg1">
-                    <a:lumMod val="50000"/>
-                  </a:schemeClr>
-                </a:solidFill>
-                <a:latin typeface="더잠실 2 Light" panose="00000300000000000000" pitchFamily="2" charset="-127"/>
-                <a:ea typeface="더잠실 2 Light" panose="00000300000000000000" pitchFamily="2" charset="-127"/>
-              </a:rPr>
-              <a:t>.</a:t>
-            </a:r>
-          </a:p>
-        </p:txBody>
-      </p:sp>
-    </p:spTree>
-    <p:extLst>
-      <p:ext uri="{BB962C8B-B14F-4D97-AF65-F5344CB8AC3E}">
-        <p14:creationId xmlns:p14="http://schemas.microsoft.com/office/powerpoint/2010/main" val="1884482472"/>
-      </p:ext>
-    </p:extLst>
-  </p:cSld>
-  <p:clrMapOvr>
-    <a:masterClrMapping/>
-  </p:clrMapOvr>
-</p:sld>
-</file>
-
-<file path=ppt/slides/slide5.xml><?xml version="1.0" encoding="utf-8"?>
-<p:sld xmlns:a="http://schemas.openxmlformats.org/drawingml/2006/main" xmlns:r="http://schemas.openxmlformats.org/officeDocument/2006/relationships" xmlns:p="http://schemas.openxmlformats.org/presentationml/2006/main">
-  <p:cSld>
-    <p:spTree>
-      <p:nvGrpSpPr>
-        <p:cNvPr id="1" name=""/>
-        <p:cNvGrpSpPr/>
-        <p:nvPr/>
-      </p:nvGrpSpPr>
-      <p:grpSpPr>
-        <a:xfrm>
-          <a:off x="0" y="0"/>
-          <a:ext cx="0" cy="0"/>
-          <a:chOff x="0" y="0"/>
-          <a:chExt cx="0" cy="0"/>
-        </a:xfrm>
-      </p:grpSpPr>
-      <p:sp>
-        <p:nvSpPr>
-          <p:cNvPr id="2" name="제목 1">
-            <a:extLst>
-              <a:ext uri="{FF2B5EF4-FFF2-40B4-BE49-F238E27FC236}">
-                <a16:creationId xmlns:a16="http://schemas.microsoft.com/office/drawing/2014/main" id="{175BD245-D5F1-5F46-F0A4-A360B3B9D327}"/>
-              </a:ext>
-            </a:extLst>
-          </p:cNvPr>
-          <p:cNvSpPr>
-            <a:spLocks noGrp="1"/>
-          </p:cNvSpPr>
-          <p:nvPr>
-            <p:ph type="title"/>
-          </p:nvPr>
-        </p:nvSpPr>
-        <p:spPr/>
-        <p:txBody>
-          <a:bodyPr/>
-          <a:lstStyle/>
-          <a:p>
-            <a:r>
-              <a:rPr lang="ko-KR" altLang="en-US" dirty="0">
-                <a:latin typeface="더잠실 3 Regular" panose="00000500000000000000" pitchFamily="2" charset="-127"/>
-                <a:ea typeface="더잠실 3 Regular" panose="00000500000000000000" pitchFamily="2" charset="-127"/>
-              </a:rPr>
-              <a:t>추첨 이벤트</a:t>
-            </a:r>
-          </a:p>
-        </p:txBody>
-      </p:sp>
-      <p:sp>
-        <p:nvSpPr>
-          <p:cNvPr id="3" name="내용 개체 틀 2">
-            <a:extLst>
-              <a:ext uri="{FF2B5EF4-FFF2-40B4-BE49-F238E27FC236}">
-                <a16:creationId xmlns:a16="http://schemas.microsoft.com/office/drawing/2014/main" id="{7E40DC4F-DBE2-288B-9D7A-01B3807D238F}"/>
-              </a:ext>
-            </a:extLst>
-          </p:cNvPr>
-          <p:cNvSpPr>
-            <a:spLocks noGrp="1"/>
-          </p:cNvSpPr>
-          <p:nvPr>
-            <p:ph idx="1"/>
-          </p:nvPr>
-        </p:nvSpPr>
-        <p:spPr>
-          <a:xfrm>
-            <a:off x="838200" y="1950747"/>
-            <a:ext cx="10515600" cy="4351338"/>
-          </a:xfrm>
-        </p:spPr>
-        <p:txBody>
-          <a:bodyPr/>
-          <a:lstStyle/>
-          <a:p>
-            <a:pPr marL="0" indent="0" algn="ctr">
-              <a:buNone/>
-            </a:pPr>
-            <a:r>
-              <a:rPr lang="ko-KR" altLang="en-US" sz="3200" dirty="0">
-                <a:latin typeface="더잠실 3 Regular" panose="00000500000000000000" pitchFamily="2" charset="-127"/>
-                <a:ea typeface="더잠실 3 Regular" panose="00000500000000000000" pitchFamily="2" charset="-127"/>
-              </a:rPr>
-              <a:t>이벤트 참여 조건 </a:t>
-            </a:r>
-            <a:endParaRPr lang="en-US" altLang="ko-KR" dirty="0">
-              <a:latin typeface="더잠실 3 Regular" panose="00000500000000000000" pitchFamily="2" charset="-127"/>
-              <a:ea typeface="더잠실 3 Regular" panose="00000500000000000000" pitchFamily="2" charset="-127"/>
-            </a:endParaRPr>
-          </a:p>
-          <a:p>
-            <a:pPr marL="0" indent="0" algn="ctr">
-              <a:buNone/>
-            </a:pPr>
-            <a:r>
-              <a:rPr lang="en-US" altLang="ko-KR" dirty="0">
-                <a:latin typeface="더잠실 2 Light" panose="00000300000000000000" pitchFamily="2" charset="-127"/>
-                <a:ea typeface="더잠실 2 Light" panose="00000300000000000000" pitchFamily="2" charset="-127"/>
-              </a:rPr>
-              <a:t>1. </a:t>
-            </a:r>
-            <a:r>
-              <a:rPr lang="ko-KR" altLang="en-US" dirty="0">
-                <a:latin typeface="더잠실 2 Light" panose="00000300000000000000" pitchFamily="2" charset="-127"/>
-                <a:ea typeface="더잠실 2 Light" panose="00000300000000000000" pitchFamily="2" charset="-127"/>
-              </a:rPr>
-              <a:t>해당학기 </a:t>
-            </a:r>
-            <a:r>
-              <a:rPr lang="en-US" altLang="ko-KR" dirty="0">
-                <a:highlight>
-                  <a:srgbClr val="FFFF00"/>
-                </a:highlight>
-                <a:latin typeface="더잠실 2 Light" panose="00000300000000000000" pitchFamily="2" charset="-127"/>
-                <a:ea typeface="더잠실 2 Light" panose="00000300000000000000" pitchFamily="2" charset="-127"/>
-              </a:rPr>
-              <a:t>2</a:t>
-            </a:r>
-            <a:r>
-              <a:rPr lang="ko-KR" altLang="en-US" dirty="0">
-                <a:highlight>
-                  <a:srgbClr val="FFFF00"/>
-                </a:highlight>
-                <a:latin typeface="더잠실 2 Light" panose="00000300000000000000" pitchFamily="2" charset="-127"/>
-                <a:ea typeface="더잠실 2 Light" panose="00000300000000000000" pitchFamily="2" charset="-127"/>
-              </a:rPr>
-              <a:t>회</a:t>
-            </a:r>
-            <a:r>
-              <a:rPr lang="ko-KR" altLang="en-US" dirty="0">
-                <a:latin typeface="더잠실 2 Light" panose="00000300000000000000" pitchFamily="2" charset="-127"/>
-                <a:ea typeface="더잠실 2 Light" panose="00000300000000000000" pitchFamily="2" charset="-127"/>
-              </a:rPr>
-              <a:t> 이상 활동 참여자 </a:t>
-            </a:r>
-            <a:endParaRPr lang="en-US" altLang="ko-KR" dirty="0">
-              <a:latin typeface="더잠실 2 Light" panose="00000300000000000000" pitchFamily="2" charset="-127"/>
-              <a:ea typeface="더잠실 2 Light" panose="00000300000000000000" pitchFamily="2" charset="-127"/>
-            </a:endParaRPr>
-          </a:p>
-          <a:p>
-            <a:pPr marL="0" indent="0" algn="ctr">
-              <a:buNone/>
-            </a:pPr>
-            <a:r>
-              <a:rPr lang="en-US" altLang="ko-KR" dirty="0">
-                <a:latin typeface="더잠실 2 Light" panose="00000300000000000000" pitchFamily="2" charset="-127"/>
-                <a:ea typeface="더잠실 2 Light" panose="00000300000000000000" pitchFamily="2" charset="-127"/>
-              </a:rPr>
-              <a:t>2. </a:t>
-            </a:r>
-            <a:r>
-              <a:rPr lang="ko-KR" altLang="en-US" dirty="0" err="1">
-                <a:latin typeface="더잠실 2 Light" panose="00000300000000000000" pitchFamily="2" charset="-127"/>
-                <a:ea typeface="더잠실 2 Light" panose="00000300000000000000" pitchFamily="2" charset="-127"/>
-              </a:rPr>
-              <a:t>학회비</a:t>
-            </a:r>
-            <a:r>
-              <a:rPr lang="ko-KR" altLang="en-US" dirty="0">
-                <a:latin typeface="더잠실 2 Light" panose="00000300000000000000" pitchFamily="2" charset="-127"/>
-                <a:ea typeface="더잠실 2 Light" panose="00000300000000000000" pitchFamily="2" charset="-127"/>
-              </a:rPr>
-              <a:t> 납부자</a:t>
-            </a:r>
-            <a:endParaRPr lang="en-US" altLang="ko-KR" dirty="0">
-              <a:latin typeface="더잠실 2 Light" panose="00000300000000000000" pitchFamily="2" charset="-127"/>
-              <a:ea typeface="더잠실 2 Light" panose="00000300000000000000" pitchFamily="2" charset="-127"/>
-            </a:endParaRPr>
-          </a:p>
-          <a:p>
-            <a:pPr marL="0" indent="0" algn="ctr">
-              <a:buNone/>
-            </a:pPr>
-            <a:endParaRPr lang="en-US" altLang="ko-KR" dirty="0"/>
-          </a:p>
-          <a:p>
-            <a:pPr marL="0" indent="0" algn="ctr">
-              <a:buNone/>
-            </a:pPr>
-            <a:r>
-              <a:rPr lang="ko-KR" altLang="en-US" dirty="0" err="1">
-                <a:latin typeface="더잠실 2 Light" panose="00000300000000000000" pitchFamily="2" charset="-127"/>
-                <a:ea typeface="더잠실 2 Light" panose="00000300000000000000" pitchFamily="2" charset="-127"/>
-              </a:rPr>
-              <a:t>대즐</a:t>
-            </a:r>
-            <a:r>
-              <a:rPr lang="ko-KR" altLang="en-US" dirty="0">
-                <a:latin typeface="더잠실 2 Light" panose="00000300000000000000" pitchFamily="2" charset="-127"/>
-                <a:ea typeface="더잠실 2 Light" panose="00000300000000000000" pitchFamily="2" charset="-127"/>
-              </a:rPr>
-              <a:t> 쿠폰</a:t>
-            </a:r>
-            <a:r>
-              <a:rPr lang="en-US" altLang="ko-KR" dirty="0">
-                <a:latin typeface="더잠실 2 Light" panose="00000300000000000000" pitchFamily="2" charset="-127"/>
-                <a:ea typeface="더잠실 2 Light" panose="00000300000000000000" pitchFamily="2" charset="-127"/>
-              </a:rPr>
-              <a:t>, </a:t>
-            </a:r>
-            <a:r>
-              <a:rPr lang="ko-KR" altLang="en-US" dirty="0">
-                <a:latin typeface="더잠실 2 Light" panose="00000300000000000000" pitchFamily="2" charset="-127"/>
-                <a:ea typeface="더잠실 2 Light" panose="00000300000000000000" pitchFamily="2" charset="-127"/>
-              </a:rPr>
-              <a:t>학용품 등으로 </a:t>
-            </a:r>
-            <a:r>
-              <a:rPr lang="en-US" altLang="ko-KR" dirty="0">
-                <a:latin typeface="더잠실 2 Light" panose="00000300000000000000" pitchFamily="2" charset="-127"/>
-                <a:ea typeface="더잠실 2 Light" panose="00000300000000000000" pitchFamily="2" charset="-127"/>
-              </a:rPr>
-              <a:t>10</a:t>
-            </a:r>
-            <a:r>
-              <a:rPr lang="ko-KR" altLang="en-US" dirty="0">
-                <a:latin typeface="더잠실 2 Light" panose="00000300000000000000" pitchFamily="2" charset="-127"/>
-                <a:ea typeface="더잠실 2 Light" panose="00000300000000000000" pitchFamily="2" charset="-127"/>
-              </a:rPr>
-              <a:t>명이상은 받을 수 있도록</a:t>
-            </a:r>
-            <a:endParaRPr lang="en-US" altLang="ko-KR" dirty="0">
-              <a:latin typeface="더잠실 2 Light" panose="00000300000000000000" pitchFamily="2" charset="-127"/>
-              <a:ea typeface="더잠실 2 Light" panose="00000300000000000000" pitchFamily="2" charset="-127"/>
-            </a:endParaRPr>
-          </a:p>
-          <a:p>
-            <a:pPr marL="0" indent="0" algn="ctr">
-              <a:buNone/>
-            </a:pPr>
-            <a:r>
-              <a:rPr lang="ko-KR" altLang="en-US" dirty="0">
-                <a:latin typeface="더잠실 2 Light" panose="00000300000000000000" pitchFamily="2" charset="-127"/>
-                <a:ea typeface="더잠실 2 Light" panose="00000300000000000000" pitchFamily="2" charset="-127"/>
-              </a:rPr>
-              <a:t>준비할 예정입니다</a:t>
-            </a:r>
-            <a:r>
-              <a:rPr lang="en-US" altLang="ko-KR" dirty="0"/>
-              <a:t>.</a:t>
-            </a:r>
-            <a:r>
-              <a:rPr lang="ko-KR" altLang="en-US" dirty="0"/>
-              <a:t> </a:t>
-            </a:r>
-          </a:p>
-        </p:txBody>
-      </p:sp>
-    </p:spTree>
-    <p:extLst>
-      <p:ext uri="{BB962C8B-B14F-4D97-AF65-F5344CB8AC3E}">
-        <p14:creationId xmlns:p14="http://schemas.microsoft.com/office/powerpoint/2010/main" val="1916907822"/>
-      </p:ext>
-    </p:extLst>
-  </p:cSld>
-  <p:clrMapOvr>
-    <a:masterClrMapping/>
-  </p:clrMapOvr>
-</p:sld>
-</file>
-
-<file path=ppt/slides/slide6.xml><?xml version="1.0" encoding="utf-8"?>
-<p:sld xmlns:a="http://schemas.openxmlformats.org/drawingml/2006/main" xmlns:r="http://schemas.openxmlformats.org/officeDocument/2006/relationships" xmlns:p="http://schemas.openxmlformats.org/presentationml/2006/main">
-  <p:cSld>
-    <p:spTree>
-      <p:nvGrpSpPr>
-        <p:cNvPr id="1" name=""/>
-        <p:cNvGrpSpPr/>
-        <p:nvPr/>
-      </p:nvGrpSpPr>
-      <p:grpSpPr>
-        <a:xfrm>
-          <a:off x="0" y="0"/>
-          <a:ext cx="0" cy="0"/>
-          <a:chOff x="0" y="0"/>
-          <a:chExt cx="0" cy="0"/>
-        </a:xfrm>
-      </p:grpSpPr>
-      <p:sp>
-        <p:nvSpPr>
-          <p:cNvPr id="2" name="제목 1">
-            <a:extLst>
-              <a:ext uri="{FF2B5EF4-FFF2-40B4-BE49-F238E27FC236}">
-                <a16:creationId xmlns:a16="http://schemas.microsoft.com/office/drawing/2014/main" id="{175BD245-D5F1-5F46-F0A4-A360B3B9D327}"/>
-              </a:ext>
-            </a:extLst>
-          </p:cNvPr>
-          <p:cNvSpPr>
-            <a:spLocks noGrp="1"/>
-          </p:cNvSpPr>
-          <p:nvPr>
-            <p:ph type="title"/>
-          </p:nvPr>
-        </p:nvSpPr>
-        <p:spPr/>
-        <p:txBody>
-          <a:bodyPr/>
-          <a:lstStyle/>
-          <a:p>
-            <a:r>
-              <a:rPr lang="ko-KR" altLang="en-US" dirty="0" err="1">
-                <a:latin typeface="더잠실 3 Regular" panose="00000500000000000000" pitchFamily="2" charset="-127"/>
-                <a:ea typeface="더잠실 3 Regular" panose="00000500000000000000" pitchFamily="2" charset="-127"/>
-              </a:rPr>
-              <a:t>비정기</a:t>
-            </a:r>
-            <a:r>
-              <a:rPr lang="ko-KR" altLang="en-US" dirty="0">
-                <a:latin typeface="더잠실 3 Regular" panose="00000500000000000000" pitchFamily="2" charset="-127"/>
-                <a:ea typeface="더잠실 3 Regular" panose="00000500000000000000" pitchFamily="2" charset="-127"/>
-              </a:rPr>
-              <a:t> 이벤트</a:t>
-            </a:r>
-          </a:p>
-        </p:txBody>
-      </p:sp>
-      <p:sp>
-        <p:nvSpPr>
-          <p:cNvPr id="3" name="내용 개체 틀 2">
-            <a:extLst>
-              <a:ext uri="{FF2B5EF4-FFF2-40B4-BE49-F238E27FC236}">
-                <a16:creationId xmlns:a16="http://schemas.microsoft.com/office/drawing/2014/main" id="{7E40DC4F-DBE2-288B-9D7A-01B3807D238F}"/>
-              </a:ext>
-            </a:extLst>
-          </p:cNvPr>
-          <p:cNvSpPr>
-            <a:spLocks noGrp="1"/>
-          </p:cNvSpPr>
-          <p:nvPr>
-            <p:ph idx="1"/>
-          </p:nvPr>
-        </p:nvSpPr>
-        <p:spPr>
-          <a:xfrm>
-            <a:off x="838200" y="1950747"/>
-            <a:ext cx="10515600" cy="4351338"/>
-          </a:xfrm>
-        </p:spPr>
-        <p:txBody>
-          <a:bodyPr/>
-          <a:lstStyle/>
-          <a:p>
-            <a:pPr marL="0" indent="0" algn="ctr">
-              <a:buNone/>
-            </a:pPr>
-            <a:endParaRPr lang="en-US" altLang="ko-KR" dirty="0">
-              <a:latin typeface="더잠실 2 Light" panose="00000300000000000000" pitchFamily="2" charset="-127"/>
-              <a:ea typeface="더잠실 2 Light" panose="00000300000000000000" pitchFamily="2" charset="-127"/>
-            </a:endParaRPr>
-          </a:p>
-          <a:p>
-            <a:pPr marL="0" indent="0" algn="ctr">
-              <a:buNone/>
-            </a:pPr>
-            <a:r>
-              <a:rPr lang="ko-KR" altLang="en-US" dirty="0">
-                <a:latin typeface="더잠실 2 Light" panose="00000300000000000000" pitchFamily="2" charset="-127"/>
-                <a:ea typeface="더잠실 2 Light" panose="00000300000000000000" pitchFamily="2" charset="-127"/>
-              </a:rPr>
-              <a:t>활동에 꾸준히 참여하시거나</a:t>
-            </a:r>
-            <a:endParaRPr lang="en-US" altLang="ko-KR" dirty="0">
-              <a:latin typeface="더잠실 2 Light" panose="00000300000000000000" pitchFamily="2" charset="-127"/>
-              <a:ea typeface="더잠실 2 Light" panose="00000300000000000000" pitchFamily="2" charset="-127"/>
-            </a:endParaRPr>
-          </a:p>
-          <a:p>
-            <a:pPr marL="0" indent="0" algn="ctr">
-              <a:buNone/>
-            </a:pPr>
-            <a:endParaRPr lang="en-US" altLang="ko-KR" dirty="0">
-              <a:latin typeface="더잠실 2 Light" panose="00000300000000000000" pitchFamily="2" charset="-127"/>
-              <a:ea typeface="더잠실 2 Light" panose="00000300000000000000" pitchFamily="2" charset="-127"/>
-            </a:endParaRPr>
-          </a:p>
-          <a:p>
-            <a:pPr marL="0" indent="0" algn="ctr">
-              <a:buNone/>
-            </a:pPr>
-            <a:r>
-              <a:rPr lang="ko-KR" altLang="en-US" dirty="0">
-                <a:latin typeface="더잠실 2 Light" panose="00000300000000000000" pitchFamily="2" charset="-127"/>
-                <a:ea typeface="더잠실 2 Light" panose="00000300000000000000" pitchFamily="2" charset="-127"/>
-              </a:rPr>
-              <a:t>제가 내는 과제를 해결하시는 분들에게는</a:t>
-            </a:r>
-            <a:endParaRPr lang="en-US" altLang="ko-KR" dirty="0">
-              <a:latin typeface="더잠실 2 Light" panose="00000300000000000000" pitchFamily="2" charset="-127"/>
-              <a:ea typeface="더잠실 2 Light" panose="00000300000000000000" pitchFamily="2" charset="-127"/>
-            </a:endParaRPr>
-          </a:p>
-          <a:p>
-            <a:pPr marL="0" indent="0" algn="ctr">
-              <a:buNone/>
-            </a:pPr>
-            <a:endParaRPr lang="en-US" altLang="ko-KR" dirty="0">
-              <a:latin typeface="더잠실 2 Light" panose="00000300000000000000" pitchFamily="2" charset="-127"/>
-              <a:ea typeface="더잠실 2 Light" panose="00000300000000000000" pitchFamily="2" charset="-127"/>
-            </a:endParaRPr>
-          </a:p>
-          <a:p>
-            <a:pPr marL="0" indent="0" algn="ctr">
-              <a:buNone/>
-            </a:pPr>
-            <a:r>
-              <a:rPr lang="ko-KR" altLang="en-US" dirty="0">
-                <a:latin typeface="더잠실 2 Light" panose="00000300000000000000" pitchFamily="2" charset="-127"/>
-                <a:ea typeface="더잠실 2 Light" panose="00000300000000000000" pitchFamily="2" charset="-127"/>
-              </a:rPr>
-              <a:t>작은 보상이 있을지도</a:t>
-            </a:r>
-            <a:r>
-              <a:rPr lang="en-US" altLang="ko-KR" dirty="0">
-                <a:latin typeface="더잠실 2 Light" panose="00000300000000000000" pitchFamily="2" charset="-127"/>
-                <a:ea typeface="더잠실 2 Light" panose="00000300000000000000" pitchFamily="2" charset="-127"/>
-              </a:rPr>
-              <a:t>?</a:t>
-            </a:r>
-          </a:p>
-          <a:p>
-            <a:pPr marL="0" indent="0" algn="ctr">
-              <a:buNone/>
-            </a:pPr>
-            <a:endParaRPr lang="en-US" altLang="ko-KR" dirty="0">
-              <a:latin typeface="더잠실 2 Light" panose="00000300000000000000" pitchFamily="2" charset="-127"/>
-              <a:ea typeface="더잠실 2 Light" panose="00000300000000000000" pitchFamily="2" charset="-127"/>
-            </a:endParaRPr>
-          </a:p>
-        </p:txBody>
-      </p:sp>
-    </p:spTree>
-    <p:extLst>
-      <p:ext uri="{BB962C8B-B14F-4D97-AF65-F5344CB8AC3E}">
-        <p14:creationId xmlns:p14="http://schemas.microsoft.com/office/powerpoint/2010/main" val="1105974102"/>
-      </p:ext>
-    </p:extLst>
-  </p:cSld>
-  <p:clrMapOvr>
-    <a:masterClrMapping/>
-  </p:clrMapOvr>
-</p:sld>
-</file>
-
-<file path=ppt/slides/slide7.xml><?xml version="1.0" encoding="utf-8"?>
 <p:sld xmlns:a="http://schemas.openxmlformats.org/drawingml/2006/main" xmlns:r="http://schemas.openxmlformats.org/officeDocument/2006/relationships" xmlns:p="http://schemas.openxmlformats.org/presentationml/2006/main">
   <p:cSld>
     <p:spTree>
@@ -6953,6 +4301,2623 @@
 </p:sld>
 </file>
 
+<file path=ppt/slides/slide2.xml><?xml version="1.0" encoding="utf-8"?>
+<p:sld xmlns:a="http://schemas.openxmlformats.org/drawingml/2006/main" xmlns:r="http://schemas.openxmlformats.org/officeDocument/2006/relationships" xmlns:p="http://schemas.openxmlformats.org/presentationml/2006/main">
+  <p:cSld>
+    <p:spTree>
+      <p:nvGrpSpPr>
+        <p:cNvPr id="1" name=""/>
+        <p:cNvGrpSpPr/>
+        <p:nvPr/>
+      </p:nvGrpSpPr>
+      <p:grpSpPr>
+        <a:xfrm>
+          <a:off x="0" y="0"/>
+          <a:ext cx="0" cy="0"/>
+          <a:chOff x="0" y="0"/>
+          <a:chExt cx="0" cy="0"/>
+        </a:xfrm>
+      </p:grpSpPr>
+      <p:sp>
+        <p:nvSpPr>
+          <p:cNvPr id="2" name="제목 1">
+            <a:extLst>
+              <a:ext uri="{FF2B5EF4-FFF2-40B4-BE49-F238E27FC236}">
+                <a16:creationId xmlns:a16="http://schemas.microsoft.com/office/drawing/2014/main" id="{268785C3-1D76-2981-0C7C-9CA3B76A9DA5}"/>
+              </a:ext>
+            </a:extLst>
+          </p:cNvPr>
+          <p:cNvSpPr>
+            <a:spLocks noGrp="1"/>
+          </p:cNvSpPr>
+          <p:nvPr>
+            <p:ph type="title"/>
+          </p:nvPr>
+        </p:nvSpPr>
+        <p:spPr/>
+        <p:txBody>
+          <a:bodyPr/>
+          <a:lstStyle/>
+          <a:p>
+            <a:r>
+              <a:rPr lang="ko-KR" altLang="en-US" dirty="0">
+                <a:latin typeface="더잠실 3 Regular" panose="00000500000000000000" pitchFamily="2" charset="-127"/>
+                <a:ea typeface="더잠실 3 Regular" panose="00000500000000000000" pitchFamily="2" charset="-127"/>
+              </a:rPr>
+              <a:t>활동 계획</a:t>
+            </a:r>
+          </a:p>
+        </p:txBody>
+      </p:sp>
+      <p:sp>
+        <p:nvSpPr>
+          <p:cNvPr id="3" name="내용 개체 틀 2">
+            <a:extLst>
+              <a:ext uri="{FF2B5EF4-FFF2-40B4-BE49-F238E27FC236}">
+                <a16:creationId xmlns:a16="http://schemas.microsoft.com/office/drawing/2014/main" id="{D22611E2-A109-AE2A-85E7-22212DC72A76}"/>
+              </a:ext>
+            </a:extLst>
+          </p:cNvPr>
+          <p:cNvSpPr>
+            <a:spLocks noGrp="1"/>
+          </p:cNvSpPr>
+          <p:nvPr>
+            <p:ph idx="1"/>
+          </p:nvPr>
+        </p:nvSpPr>
+        <p:spPr/>
+        <p:txBody>
+          <a:bodyPr/>
+          <a:lstStyle/>
+          <a:p>
+            <a:pPr marL="0" indent="0">
+              <a:buNone/>
+            </a:pPr>
+            <a:r>
+              <a:rPr lang="ko-KR" altLang="en-US" dirty="0">
+                <a:latin typeface="더잠실 3 Regular" panose="00000500000000000000" pitchFamily="2" charset="-127"/>
+                <a:ea typeface="더잠실 3 Regular" panose="00000500000000000000" pitchFamily="2" charset="-127"/>
+              </a:rPr>
+              <a:t>정기활동 </a:t>
+            </a:r>
+            <a:r>
+              <a:rPr lang="en-US" altLang="ko-KR" dirty="0">
+                <a:latin typeface="더잠실 3 Regular" panose="00000500000000000000" pitchFamily="2" charset="-127"/>
+                <a:ea typeface="더잠실 3 Regular" panose="00000500000000000000" pitchFamily="2" charset="-127"/>
+              </a:rPr>
+              <a:t>: </a:t>
+            </a:r>
+            <a:r>
+              <a:rPr lang="ko-KR" altLang="en-US" dirty="0">
+                <a:latin typeface="더잠실 2 Light" panose="00000300000000000000" pitchFamily="2" charset="-127"/>
+                <a:ea typeface="더잠실 2 Light" panose="00000300000000000000" pitchFamily="2" charset="-127"/>
+              </a:rPr>
+              <a:t>중간고사 기간을 기준으로 </a:t>
+            </a:r>
+            <a:r>
+              <a:rPr lang="ko-KR" altLang="en-US" dirty="0">
+                <a:solidFill>
+                  <a:srgbClr val="00B050"/>
+                </a:solidFill>
+                <a:latin typeface="더잠실 3 Regular" panose="00000500000000000000" pitchFamily="2" charset="-127"/>
+                <a:ea typeface="더잠실 3 Regular" panose="00000500000000000000" pitchFamily="2" charset="-127"/>
+              </a:rPr>
+              <a:t>전반기 </a:t>
+            </a:r>
+            <a:r>
+              <a:rPr lang="en-US" altLang="ko-KR" dirty="0">
+                <a:solidFill>
+                  <a:srgbClr val="00B050"/>
+                </a:solidFill>
+                <a:latin typeface="더잠실 3 Regular" panose="00000500000000000000" pitchFamily="2" charset="-127"/>
+                <a:ea typeface="더잠실 3 Regular" panose="00000500000000000000" pitchFamily="2" charset="-127"/>
+              </a:rPr>
+              <a:t>3</a:t>
+            </a:r>
+            <a:r>
+              <a:rPr lang="ko-KR" altLang="en-US" dirty="0">
+                <a:solidFill>
+                  <a:srgbClr val="00B050"/>
+                </a:solidFill>
+                <a:latin typeface="더잠실 3 Regular" panose="00000500000000000000" pitchFamily="2" charset="-127"/>
+                <a:ea typeface="더잠실 3 Regular" panose="00000500000000000000" pitchFamily="2" charset="-127"/>
+              </a:rPr>
+              <a:t>회</a:t>
+            </a:r>
+            <a:r>
+              <a:rPr lang="en-US" altLang="ko-KR" dirty="0">
+                <a:solidFill>
+                  <a:srgbClr val="00B050"/>
+                </a:solidFill>
+                <a:latin typeface="더잠실 3 Regular" panose="00000500000000000000" pitchFamily="2" charset="-127"/>
+                <a:ea typeface="더잠실 3 Regular" panose="00000500000000000000" pitchFamily="2" charset="-127"/>
+              </a:rPr>
+              <a:t> </a:t>
+            </a:r>
+            <a:r>
+              <a:rPr lang="en-US" altLang="ko-KR" dirty="0">
+                <a:latin typeface="더잠실 3 Regular" panose="00000500000000000000" pitchFamily="2" charset="-127"/>
+                <a:ea typeface="더잠실 3 Regular" panose="00000500000000000000" pitchFamily="2" charset="-127"/>
+              </a:rPr>
+              <a:t>, </a:t>
+            </a:r>
+            <a:r>
+              <a:rPr lang="ko-KR" altLang="en-US" dirty="0">
+                <a:solidFill>
+                  <a:srgbClr val="0070C0"/>
+                </a:solidFill>
+                <a:latin typeface="더잠실 3 Regular" panose="00000500000000000000" pitchFamily="2" charset="-127"/>
+                <a:ea typeface="더잠실 3 Regular" panose="00000500000000000000" pitchFamily="2" charset="-127"/>
+              </a:rPr>
+              <a:t>후반기 </a:t>
+            </a:r>
+            <a:r>
+              <a:rPr lang="en-US" altLang="ko-KR" dirty="0">
+                <a:solidFill>
+                  <a:srgbClr val="0070C0"/>
+                </a:solidFill>
+                <a:latin typeface="더잠실 3 Regular" panose="00000500000000000000" pitchFamily="2" charset="-127"/>
+                <a:ea typeface="더잠실 3 Regular" panose="00000500000000000000" pitchFamily="2" charset="-127"/>
+              </a:rPr>
+              <a:t>3</a:t>
+            </a:r>
+            <a:r>
+              <a:rPr lang="ko-KR" altLang="en-US" dirty="0">
+                <a:solidFill>
+                  <a:srgbClr val="0070C0"/>
+                </a:solidFill>
+                <a:latin typeface="더잠실 3 Regular" panose="00000500000000000000" pitchFamily="2" charset="-127"/>
+                <a:ea typeface="더잠실 3 Regular" panose="00000500000000000000" pitchFamily="2" charset="-127"/>
+              </a:rPr>
+              <a:t>회</a:t>
+            </a:r>
+            <a:endParaRPr lang="en-US" altLang="ko-KR" dirty="0">
+              <a:solidFill>
+                <a:srgbClr val="0070C0"/>
+              </a:solidFill>
+              <a:latin typeface="더잠실 3 Regular" panose="00000500000000000000" pitchFamily="2" charset="-127"/>
+              <a:ea typeface="더잠실 3 Regular" panose="00000500000000000000" pitchFamily="2" charset="-127"/>
+            </a:endParaRPr>
+          </a:p>
+          <a:p>
+            <a:pPr marL="0" indent="0">
+              <a:buNone/>
+            </a:pPr>
+            <a:r>
+              <a:rPr lang="en-US" altLang="ko-KR" dirty="0">
+                <a:solidFill>
+                  <a:schemeClr val="accent2"/>
+                </a:solidFill>
+                <a:latin typeface="더잠실 2 Light" panose="00000300000000000000" pitchFamily="2" charset="-127"/>
+                <a:ea typeface="더잠실 2 Light" panose="00000300000000000000" pitchFamily="2" charset="-127"/>
+              </a:rPr>
+              <a:t>+</a:t>
+            </a:r>
+            <a:r>
+              <a:rPr lang="ko-KR" altLang="en-US" dirty="0">
+                <a:solidFill>
+                  <a:schemeClr val="accent2"/>
+                </a:solidFill>
+                <a:latin typeface="더잠실 2 Light" panose="00000300000000000000" pitchFamily="2" charset="-127"/>
+                <a:ea typeface="더잠실 2 Light" panose="00000300000000000000" pitchFamily="2" charset="-127"/>
+              </a:rPr>
+              <a:t> </a:t>
+            </a:r>
+            <a:r>
+              <a:rPr lang="ko-KR" altLang="en-US" dirty="0">
+                <a:latin typeface="더잠실 2 Light" panose="00000300000000000000" pitchFamily="2" charset="-127"/>
+                <a:ea typeface="더잠실 2 Light" panose="00000300000000000000" pitchFamily="2" charset="-127"/>
+              </a:rPr>
+              <a:t>교내 프로그래밍 대회 리뷰</a:t>
+            </a:r>
+            <a:r>
+              <a:rPr lang="en-US" altLang="ko-KR" dirty="0">
+                <a:latin typeface="더잠실 2 Light" panose="00000300000000000000" pitchFamily="2" charset="-127"/>
+                <a:ea typeface="더잠실 2 Light" panose="00000300000000000000" pitchFamily="2" charset="-127"/>
+              </a:rPr>
+              <a:t>, </a:t>
+            </a:r>
+            <a:r>
+              <a:rPr lang="ko-KR" altLang="en-US" dirty="0">
+                <a:latin typeface="더잠실 2 Light" panose="00000300000000000000" pitchFamily="2" charset="-127"/>
+                <a:ea typeface="더잠실 2 Light" panose="00000300000000000000" pitchFamily="2" charset="-127"/>
+              </a:rPr>
+              <a:t>자료구조 강의</a:t>
+            </a:r>
+            <a:endParaRPr lang="en-US" altLang="ko-KR" dirty="0">
+              <a:latin typeface="더잠실 2 Light" panose="00000300000000000000" pitchFamily="2" charset="-127"/>
+              <a:ea typeface="더잠실 2 Light" panose="00000300000000000000" pitchFamily="2" charset="-127"/>
+            </a:endParaRPr>
+          </a:p>
+          <a:p>
+            <a:pPr marL="0" indent="0">
+              <a:buNone/>
+            </a:pPr>
+            <a:endParaRPr lang="en-US" altLang="ko-KR" dirty="0">
+              <a:latin typeface="더잠실 2 Light" panose="00000300000000000000" pitchFamily="2" charset="-127"/>
+              <a:ea typeface="더잠실 2 Light" panose="00000300000000000000" pitchFamily="2" charset="-127"/>
+            </a:endParaRPr>
+          </a:p>
+          <a:p>
+            <a:pPr marL="0" indent="0">
+              <a:buNone/>
+            </a:pPr>
+            <a:r>
+              <a:rPr lang="ko-KR" altLang="en-US" dirty="0">
+                <a:latin typeface="더잠실 3 Regular" panose="00000500000000000000" pitchFamily="2" charset="-127"/>
+                <a:ea typeface="더잠실 3 Regular" panose="00000500000000000000" pitchFamily="2" charset="-127"/>
+              </a:rPr>
+              <a:t>추첨 이벤트 </a:t>
+            </a:r>
+            <a:r>
+              <a:rPr lang="en-US" altLang="ko-KR" dirty="0">
+                <a:latin typeface="더잠실 3 Regular" panose="00000500000000000000" pitchFamily="2" charset="-127"/>
+                <a:ea typeface="더잠실 3 Regular" panose="00000500000000000000" pitchFamily="2" charset="-127"/>
+              </a:rPr>
+              <a:t>:</a:t>
+            </a:r>
+            <a:r>
+              <a:rPr lang="en-US" altLang="ko-KR" dirty="0">
+                <a:latin typeface="더잠실 2 Light" panose="00000300000000000000" pitchFamily="2" charset="-127"/>
+                <a:ea typeface="더잠실 2 Light" panose="00000300000000000000" pitchFamily="2" charset="-127"/>
+              </a:rPr>
+              <a:t> </a:t>
+            </a:r>
+            <a:r>
+              <a:rPr lang="ko-KR" altLang="en-US" dirty="0">
+                <a:latin typeface="더잠실 2 Light" panose="00000300000000000000" pitchFamily="2" charset="-127"/>
+                <a:ea typeface="더잠실 2 Light" panose="00000300000000000000" pitchFamily="2" charset="-127"/>
+              </a:rPr>
+              <a:t>해당 학기 </a:t>
+            </a:r>
+            <a:r>
+              <a:rPr lang="en-US" altLang="ko-KR" dirty="0">
+                <a:latin typeface="더잠실 2 Light" panose="00000300000000000000" pitchFamily="2" charset="-127"/>
+                <a:ea typeface="더잠실 2 Light" panose="00000300000000000000" pitchFamily="2" charset="-127"/>
+              </a:rPr>
+              <a:t>2</a:t>
+            </a:r>
+            <a:r>
+              <a:rPr lang="ko-KR" altLang="en-US" dirty="0">
+                <a:latin typeface="더잠실 2 Light" panose="00000300000000000000" pitchFamily="2" charset="-127"/>
+                <a:ea typeface="더잠실 2 Light" panose="00000300000000000000" pitchFamily="2" charset="-127"/>
+              </a:rPr>
+              <a:t>회 이상 활동참여</a:t>
+            </a:r>
+            <a:r>
+              <a:rPr lang="en-US" altLang="ko-KR" dirty="0">
+                <a:latin typeface="더잠실 2 Light" panose="00000300000000000000" pitchFamily="2" charset="-127"/>
+                <a:ea typeface="더잠실 2 Light" panose="00000300000000000000" pitchFamily="2" charset="-127"/>
+              </a:rPr>
+              <a:t>, </a:t>
+            </a:r>
+            <a:r>
+              <a:rPr lang="ko-KR" altLang="en-US" dirty="0" err="1">
+                <a:latin typeface="더잠실 2 Light" panose="00000300000000000000" pitchFamily="2" charset="-127"/>
+                <a:ea typeface="더잠실 2 Light" panose="00000300000000000000" pitchFamily="2" charset="-127"/>
+              </a:rPr>
+              <a:t>학회비</a:t>
+            </a:r>
+            <a:r>
+              <a:rPr lang="ko-KR" altLang="en-US" dirty="0">
+                <a:latin typeface="더잠실 2 Light" panose="00000300000000000000" pitchFamily="2" charset="-127"/>
+                <a:ea typeface="더잠실 2 Light" panose="00000300000000000000" pitchFamily="2" charset="-127"/>
+              </a:rPr>
+              <a:t> 납부자 대상</a:t>
+            </a:r>
+            <a:endParaRPr lang="en-US" altLang="ko-KR" dirty="0">
+              <a:latin typeface="더잠실 2 Light" panose="00000300000000000000" pitchFamily="2" charset="-127"/>
+              <a:ea typeface="더잠실 2 Light" panose="00000300000000000000" pitchFamily="2" charset="-127"/>
+            </a:endParaRPr>
+          </a:p>
+          <a:p>
+            <a:pPr marL="0" indent="0">
+              <a:buNone/>
+            </a:pPr>
+            <a:endParaRPr lang="en-US" altLang="ko-KR" dirty="0">
+              <a:latin typeface="더잠실 2 Light" panose="00000300000000000000" pitchFamily="2" charset="-127"/>
+              <a:ea typeface="더잠실 2 Light" panose="00000300000000000000" pitchFamily="2" charset="-127"/>
+            </a:endParaRPr>
+          </a:p>
+          <a:p>
+            <a:pPr marL="0" indent="0">
+              <a:buNone/>
+            </a:pPr>
+            <a:r>
+              <a:rPr lang="ko-KR" altLang="en-US" dirty="0" err="1">
+                <a:latin typeface="더잠실 3 Regular" panose="00000500000000000000" pitchFamily="2" charset="-127"/>
+                <a:ea typeface="더잠실 3 Regular" panose="00000500000000000000" pitchFamily="2" charset="-127"/>
+              </a:rPr>
+              <a:t>비정기</a:t>
+            </a:r>
+            <a:r>
+              <a:rPr lang="ko-KR" altLang="en-US" dirty="0">
+                <a:latin typeface="더잠실 3 Regular" panose="00000500000000000000" pitchFamily="2" charset="-127"/>
+                <a:ea typeface="더잠실 3 Regular" panose="00000500000000000000" pitchFamily="2" charset="-127"/>
+              </a:rPr>
+              <a:t> 이벤트</a:t>
+            </a:r>
+            <a:r>
+              <a:rPr lang="ko-KR" altLang="en-US" dirty="0">
+                <a:latin typeface="더잠실 2 Light" panose="00000300000000000000" pitchFamily="2" charset="-127"/>
+                <a:ea typeface="더잠실 2 Light" panose="00000300000000000000" pitchFamily="2" charset="-127"/>
+              </a:rPr>
+              <a:t> </a:t>
+            </a:r>
+            <a:r>
+              <a:rPr lang="en-US" altLang="ko-KR" dirty="0">
+                <a:latin typeface="더잠실 2 Light" panose="00000300000000000000" pitchFamily="2" charset="-127"/>
+                <a:ea typeface="더잠실 2 Light" panose="00000300000000000000" pitchFamily="2" charset="-127"/>
+              </a:rPr>
+              <a:t>: ???</a:t>
+            </a:r>
+          </a:p>
+        </p:txBody>
+      </p:sp>
+    </p:spTree>
+    <p:extLst>
+      <p:ext uri="{BB962C8B-B14F-4D97-AF65-F5344CB8AC3E}">
+        <p14:creationId xmlns:p14="http://schemas.microsoft.com/office/powerpoint/2010/main" val="2508438891"/>
+      </p:ext>
+    </p:extLst>
+  </p:cSld>
+  <p:clrMapOvr>
+    <a:masterClrMapping/>
+  </p:clrMapOvr>
+</p:sld>
+</file>
+
+<file path=ppt/slides/slide3.xml><?xml version="1.0" encoding="utf-8"?>
+<p:sld xmlns:a="http://schemas.openxmlformats.org/drawingml/2006/main" xmlns:r="http://schemas.openxmlformats.org/officeDocument/2006/relationships" xmlns:p="http://schemas.openxmlformats.org/presentationml/2006/main">
+  <p:cSld>
+    <p:spTree>
+      <p:nvGrpSpPr>
+        <p:cNvPr id="1" name=""/>
+        <p:cNvGrpSpPr/>
+        <p:nvPr/>
+      </p:nvGrpSpPr>
+      <p:grpSpPr>
+        <a:xfrm>
+          <a:off x="0" y="0"/>
+          <a:ext cx="0" cy="0"/>
+          <a:chOff x="0" y="0"/>
+          <a:chExt cx="0" cy="0"/>
+        </a:xfrm>
+      </p:grpSpPr>
+      <p:sp>
+        <p:nvSpPr>
+          <p:cNvPr id="2" name="제목 1">
+            <a:extLst>
+              <a:ext uri="{FF2B5EF4-FFF2-40B4-BE49-F238E27FC236}">
+                <a16:creationId xmlns:a16="http://schemas.microsoft.com/office/drawing/2014/main" id="{C16C8C7E-3D44-8AD2-3FDB-EDF11E6AC1B7}"/>
+              </a:ext>
+            </a:extLst>
+          </p:cNvPr>
+          <p:cNvSpPr>
+            <a:spLocks noGrp="1"/>
+          </p:cNvSpPr>
+          <p:nvPr>
+            <p:ph type="title"/>
+          </p:nvPr>
+        </p:nvSpPr>
+        <p:spPr/>
+        <p:txBody>
+          <a:bodyPr/>
+          <a:lstStyle/>
+          <a:p>
+            <a:r>
+              <a:rPr lang="ko-KR" altLang="en-US" dirty="0">
+                <a:latin typeface="더잠실 3 Regular" panose="00000500000000000000" pitchFamily="2" charset="-127"/>
+                <a:ea typeface="더잠실 3 Regular" panose="00000500000000000000" pitchFamily="2" charset="-127"/>
+              </a:rPr>
+              <a:t>정기 활동</a:t>
+            </a:r>
+          </a:p>
+        </p:txBody>
+      </p:sp>
+      <p:sp>
+        <p:nvSpPr>
+          <p:cNvPr id="3" name="내용 개체 틀 2">
+            <a:extLst>
+              <a:ext uri="{FF2B5EF4-FFF2-40B4-BE49-F238E27FC236}">
+                <a16:creationId xmlns:a16="http://schemas.microsoft.com/office/drawing/2014/main" id="{E93D785B-B54F-6884-8E11-7A4ED77833CD}"/>
+              </a:ext>
+            </a:extLst>
+          </p:cNvPr>
+          <p:cNvSpPr>
+            <a:spLocks noGrp="1"/>
+          </p:cNvSpPr>
+          <p:nvPr>
+            <p:ph idx="1"/>
+          </p:nvPr>
+        </p:nvSpPr>
+        <p:spPr>
+          <a:xfrm>
+            <a:off x="838200" y="1558924"/>
+            <a:ext cx="9715500" cy="5051601"/>
+          </a:xfrm>
+        </p:spPr>
+        <p:txBody>
+          <a:bodyPr>
+            <a:normAutofit lnSpcReduction="10000"/>
+          </a:bodyPr>
+          <a:lstStyle/>
+          <a:p>
+            <a:pPr marL="0" indent="0">
+              <a:buNone/>
+            </a:pPr>
+            <a:r>
+              <a:rPr lang="ko-KR" altLang="en-US" dirty="0">
+                <a:latin typeface="더잠실 3 Regular" panose="00000500000000000000" pitchFamily="2" charset="-127"/>
+                <a:ea typeface="더잠실 3 Regular" panose="00000500000000000000" pitchFamily="2" charset="-127"/>
+              </a:rPr>
+              <a:t>알고리즘 그 자체</a:t>
+            </a:r>
+            <a:r>
+              <a:rPr lang="en-US" altLang="ko-KR" dirty="0">
+                <a:latin typeface="더잠실 3 Regular" panose="00000500000000000000" pitchFamily="2" charset="-127"/>
+                <a:ea typeface="더잠실 3 Regular" panose="00000500000000000000" pitchFamily="2" charset="-127"/>
+              </a:rPr>
+              <a:t>,</a:t>
+            </a:r>
+            <a:r>
+              <a:rPr lang="ko-KR" altLang="en-US" dirty="0">
+                <a:latin typeface="더잠실 3 Regular" panose="00000500000000000000" pitchFamily="2" charset="-127"/>
+                <a:ea typeface="더잠실 3 Regular" panose="00000500000000000000" pitchFamily="2" charset="-127"/>
+              </a:rPr>
+              <a:t> 혹은 문제풀이에 관련해서</a:t>
+            </a:r>
+            <a:endParaRPr lang="en-US" altLang="ko-KR" dirty="0">
+              <a:latin typeface="더잠실 3 Regular" panose="00000500000000000000" pitchFamily="2" charset="-127"/>
+              <a:ea typeface="더잠실 3 Regular" panose="00000500000000000000" pitchFamily="2" charset="-127"/>
+            </a:endParaRPr>
+          </a:p>
+          <a:p>
+            <a:pPr marL="0" indent="0">
+              <a:buNone/>
+            </a:pPr>
+            <a:r>
+              <a:rPr lang="ko-KR" altLang="en-US" dirty="0">
+                <a:highlight>
+                  <a:srgbClr val="FFFF00"/>
+                </a:highlight>
+                <a:latin typeface="더잠실 3 Regular" panose="00000500000000000000" pitchFamily="2" charset="-127"/>
+                <a:ea typeface="더잠실 3 Regular" panose="00000500000000000000" pitchFamily="2" charset="-127"/>
+              </a:rPr>
+              <a:t>매주 다른 주제에 대해서 강의 및 예제 실습</a:t>
+            </a:r>
+            <a:r>
+              <a:rPr lang="en-US" altLang="ko-KR" dirty="0">
+                <a:highlight>
+                  <a:srgbClr val="FFFF00"/>
+                </a:highlight>
+                <a:latin typeface="더잠실 3 Regular" panose="00000500000000000000" pitchFamily="2" charset="-127"/>
+                <a:ea typeface="더잠실 3 Regular" panose="00000500000000000000" pitchFamily="2" charset="-127"/>
+              </a:rPr>
+              <a:t>.</a:t>
+            </a:r>
+          </a:p>
+          <a:p>
+            <a:pPr marL="0" indent="0">
+              <a:buNone/>
+            </a:pPr>
+            <a:endParaRPr lang="en-US" altLang="ko-KR" dirty="0">
+              <a:latin typeface="더잠실 2 Light" panose="00000300000000000000" pitchFamily="2" charset="-127"/>
+              <a:ea typeface="더잠실 2 Light" panose="00000300000000000000" pitchFamily="2" charset="-127"/>
+            </a:endParaRPr>
+          </a:p>
+          <a:p>
+            <a:pPr marL="0" indent="0">
+              <a:buNone/>
+            </a:pPr>
+            <a:r>
+              <a:rPr lang="ko-KR" altLang="en-US" sz="2400" dirty="0">
+                <a:latin typeface="더잠실 2 Light" panose="00000300000000000000" pitchFamily="2" charset="-127"/>
+                <a:ea typeface="더잠실 2 Light" panose="00000300000000000000" pitchFamily="2" charset="-127"/>
+              </a:rPr>
+              <a:t>대부분의 학우들은</a:t>
+            </a:r>
+            <a:r>
+              <a:rPr lang="en-US" altLang="ko-KR" sz="2400" dirty="0">
+                <a:latin typeface="더잠실 2 Light" panose="00000300000000000000" pitchFamily="2" charset="-127"/>
+                <a:ea typeface="더잠실 2 Light" panose="00000300000000000000" pitchFamily="2" charset="-127"/>
+              </a:rPr>
+              <a:t> </a:t>
+            </a:r>
+            <a:r>
+              <a:rPr lang="ko-KR" altLang="en-US" sz="2400" dirty="0">
+                <a:latin typeface="더잠실 2 Light" panose="00000300000000000000" pitchFamily="2" charset="-127"/>
+                <a:ea typeface="더잠실 2 Light" panose="00000300000000000000" pitchFamily="2" charset="-127"/>
+              </a:rPr>
+              <a:t>씨앗에서</a:t>
+            </a:r>
+            <a:endParaRPr lang="en-US" altLang="ko-KR" sz="2400" dirty="0">
+              <a:latin typeface="더잠실 2 Light" panose="00000300000000000000" pitchFamily="2" charset="-127"/>
+              <a:ea typeface="더잠실 2 Light" panose="00000300000000000000" pitchFamily="2" charset="-127"/>
+            </a:endParaRPr>
+          </a:p>
+          <a:p>
+            <a:pPr marL="0" indent="0">
+              <a:buNone/>
+            </a:pPr>
+            <a:r>
+              <a:rPr lang="en-US" altLang="ko-KR" sz="2400" dirty="0">
+                <a:latin typeface="더잠실 2 Light" panose="00000300000000000000" pitchFamily="2" charset="-127"/>
+                <a:ea typeface="더잠실 2 Light" panose="00000300000000000000" pitchFamily="2" charset="-127"/>
+              </a:rPr>
+              <a:t>CT</a:t>
+            </a:r>
+            <a:r>
+              <a:rPr lang="ko-KR" altLang="en-US" sz="2400" dirty="0">
+                <a:latin typeface="더잠실 2 Light" panose="00000300000000000000" pitchFamily="2" charset="-127"/>
+                <a:ea typeface="더잠실 2 Light" panose="00000300000000000000" pitchFamily="2" charset="-127"/>
+              </a:rPr>
+              <a:t>에 대해 익히거나</a:t>
+            </a:r>
+            <a:r>
+              <a:rPr lang="en-US" altLang="ko-KR" sz="2400" dirty="0">
+                <a:latin typeface="더잠실 2 Light" panose="00000300000000000000" pitchFamily="2" charset="-127"/>
+                <a:ea typeface="더잠실 2 Light" panose="00000300000000000000" pitchFamily="2" charset="-127"/>
+              </a:rPr>
+              <a:t>,  </a:t>
+            </a:r>
+            <a:r>
+              <a:rPr lang="ko-KR" altLang="en-US" sz="2400" dirty="0">
+                <a:latin typeface="더잠실 2 Light" panose="00000300000000000000" pitchFamily="2" charset="-127"/>
+                <a:ea typeface="더잠실 2 Light" panose="00000300000000000000" pitchFamily="2" charset="-127"/>
+              </a:rPr>
+              <a:t>전공과목 학습에 도움을 받기를 원합니다</a:t>
+            </a:r>
+            <a:r>
+              <a:rPr lang="en-US" altLang="ko-KR" sz="2400" dirty="0">
+                <a:latin typeface="더잠실 2 Light" panose="00000300000000000000" pitchFamily="2" charset="-127"/>
+                <a:ea typeface="더잠실 2 Light" panose="00000300000000000000" pitchFamily="2" charset="-127"/>
+              </a:rPr>
+              <a:t>.</a:t>
+            </a:r>
+          </a:p>
+          <a:p>
+            <a:pPr marL="0" indent="0">
+              <a:buNone/>
+            </a:pPr>
+            <a:endParaRPr lang="en-US" altLang="ko-KR" sz="2400" dirty="0">
+              <a:latin typeface="더잠실 2 Light" panose="00000300000000000000" pitchFamily="2" charset="-127"/>
+              <a:ea typeface="더잠실 2 Light" panose="00000300000000000000" pitchFamily="2" charset="-127"/>
+            </a:endParaRPr>
+          </a:p>
+          <a:p>
+            <a:pPr marL="0" indent="0">
+              <a:buNone/>
+            </a:pPr>
+            <a:r>
+              <a:rPr lang="ko-KR" altLang="en-US" sz="2400" dirty="0">
+                <a:latin typeface="더잠실 2 Light" panose="00000300000000000000" pitchFamily="2" charset="-127"/>
+                <a:ea typeface="더잠실 2 Light" panose="00000300000000000000" pitchFamily="2" charset="-127"/>
+              </a:rPr>
+              <a:t>대기업 </a:t>
+            </a:r>
+            <a:r>
+              <a:rPr lang="en-US" altLang="ko-KR" sz="2400" dirty="0">
+                <a:latin typeface="더잠실 2 Light" panose="00000300000000000000" pitchFamily="2" charset="-127"/>
+                <a:ea typeface="더잠실 2 Light" panose="00000300000000000000" pitchFamily="2" charset="-127"/>
+              </a:rPr>
+              <a:t>CT </a:t>
+            </a:r>
+            <a:r>
+              <a:rPr lang="ko-KR" altLang="en-US" sz="2400" dirty="0">
+                <a:latin typeface="더잠실 2 Light" panose="00000300000000000000" pitchFamily="2" charset="-127"/>
+                <a:ea typeface="더잠실 2 Light" panose="00000300000000000000" pitchFamily="2" charset="-127"/>
+              </a:rPr>
+              <a:t>나 대회에서 기출 빈도가 높은</a:t>
+            </a:r>
+            <a:endParaRPr lang="en-US" altLang="ko-KR" sz="2400" dirty="0">
+              <a:latin typeface="더잠실 2 Light" panose="00000300000000000000" pitchFamily="2" charset="-127"/>
+              <a:ea typeface="더잠실 2 Light" panose="00000300000000000000" pitchFamily="2" charset="-127"/>
+            </a:endParaRPr>
+          </a:p>
+          <a:p>
+            <a:pPr marL="0" indent="0">
+              <a:buNone/>
+            </a:pPr>
+            <a:r>
+              <a:rPr lang="ko-KR" altLang="en-US" sz="2400" dirty="0">
+                <a:latin typeface="더잠실 2 Light" panose="00000300000000000000" pitchFamily="2" charset="-127"/>
+                <a:ea typeface="더잠실 2 Light" panose="00000300000000000000" pitchFamily="2" charset="-127"/>
+              </a:rPr>
+              <a:t>필수적인 내용들만</a:t>
+            </a:r>
+            <a:r>
+              <a:rPr lang="en-US" altLang="ko-KR" sz="2400" dirty="0">
+                <a:latin typeface="더잠실 2 Light" panose="00000300000000000000" pitchFamily="2" charset="-127"/>
+                <a:ea typeface="더잠실 2 Light" panose="00000300000000000000" pitchFamily="2" charset="-127"/>
+              </a:rPr>
+              <a:t> </a:t>
+            </a:r>
+            <a:r>
+              <a:rPr lang="ko-KR" altLang="en-US" sz="2400" dirty="0">
+                <a:latin typeface="더잠실 2 Light" panose="00000300000000000000" pitchFamily="2" charset="-127"/>
+                <a:ea typeface="더잠실 2 Light" panose="00000300000000000000" pitchFamily="2" charset="-127"/>
+              </a:rPr>
+              <a:t>선별했습니다</a:t>
+            </a:r>
+            <a:r>
+              <a:rPr lang="en-US" altLang="ko-KR" sz="2400" dirty="0">
+                <a:latin typeface="더잠실 2 Light" panose="00000300000000000000" pitchFamily="2" charset="-127"/>
+                <a:ea typeface="더잠실 2 Light" panose="00000300000000000000" pitchFamily="2" charset="-127"/>
+              </a:rPr>
+              <a:t>.</a:t>
+            </a:r>
+          </a:p>
+          <a:p>
+            <a:pPr marL="0" indent="0">
+              <a:buNone/>
+            </a:pPr>
+            <a:endParaRPr lang="en-US" altLang="ko-KR" sz="2400" dirty="0">
+              <a:latin typeface="더잠실 2 Light" panose="00000300000000000000" pitchFamily="2" charset="-127"/>
+              <a:ea typeface="더잠실 2 Light" panose="00000300000000000000" pitchFamily="2" charset="-127"/>
+            </a:endParaRPr>
+          </a:p>
+          <a:p>
+            <a:pPr marL="0" indent="0">
+              <a:buNone/>
+            </a:pPr>
+            <a:r>
+              <a:rPr lang="ko-KR" altLang="en-US" sz="2400" dirty="0">
+                <a:latin typeface="더잠실 2 Light" panose="00000300000000000000" pitchFamily="2" charset="-127"/>
+                <a:ea typeface="더잠실 2 Light" panose="00000300000000000000" pitchFamily="2" charset="-127"/>
+              </a:rPr>
+              <a:t>마이너한 내용을 선호하시는 고수분들이 계신 것을 알고 있지만</a:t>
+            </a:r>
+            <a:endParaRPr lang="en-US" altLang="ko-KR" sz="2400" dirty="0">
+              <a:latin typeface="더잠실 2 Light" panose="00000300000000000000" pitchFamily="2" charset="-127"/>
+              <a:ea typeface="더잠실 2 Light" panose="00000300000000000000" pitchFamily="2" charset="-127"/>
+            </a:endParaRPr>
+          </a:p>
+          <a:p>
+            <a:pPr marL="0" indent="0">
+              <a:buNone/>
+            </a:pPr>
+            <a:r>
+              <a:rPr lang="ko-KR" altLang="en-US" sz="2400" dirty="0">
+                <a:latin typeface="더잠실 2 Light" panose="00000300000000000000" pitchFamily="2" charset="-127"/>
+                <a:ea typeface="더잠실 2 Light" panose="00000300000000000000" pitchFamily="2" charset="-127"/>
+              </a:rPr>
+              <a:t>양해 부탁드립니다</a:t>
+            </a:r>
+            <a:r>
+              <a:rPr lang="en-US" altLang="ko-KR" sz="2400" dirty="0">
+                <a:latin typeface="더잠실 2 Light" panose="00000300000000000000" pitchFamily="2" charset="-127"/>
+                <a:ea typeface="더잠실 2 Light" panose="00000300000000000000" pitchFamily="2" charset="-127"/>
+              </a:rPr>
+              <a:t>.</a:t>
+            </a:r>
+          </a:p>
+        </p:txBody>
+      </p:sp>
+    </p:spTree>
+    <p:extLst>
+      <p:ext uri="{BB962C8B-B14F-4D97-AF65-F5344CB8AC3E}">
+        <p14:creationId xmlns:p14="http://schemas.microsoft.com/office/powerpoint/2010/main" val="944162768"/>
+      </p:ext>
+    </p:extLst>
+  </p:cSld>
+  <p:clrMapOvr>
+    <a:masterClrMapping/>
+  </p:clrMapOvr>
+</p:sld>
+</file>
+
+<file path=ppt/slides/slide4.xml><?xml version="1.0" encoding="utf-8"?>
+<p:sld xmlns:a="http://schemas.openxmlformats.org/drawingml/2006/main" xmlns:r="http://schemas.openxmlformats.org/officeDocument/2006/relationships" xmlns:p="http://schemas.openxmlformats.org/presentationml/2006/main">
+  <p:cSld>
+    <p:spTree>
+      <p:nvGrpSpPr>
+        <p:cNvPr id="1" name=""/>
+        <p:cNvGrpSpPr/>
+        <p:nvPr/>
+      </p:nvGrpSpPr>
+      <p:grpSpPr>
+        <a:xfrm>
+          <a:off x="0" y="0"/>
+          <a:ext cx="0" cy="0"/>
+          <a:chOff x="0" y="0"/>
+          <a:chExt cx="0" cy="0"/>
+        </a:xfrm>
+      </p:grpSpPr>
+      <p:sp>
+        <p:nvSpPr>
+          <p:cNvPr id="2" name="제목 1">
+            <a:extLst>
+              <a:ext uri="{FF2B5EF4-FFF2-40B4-BE49-F238E27FC236}">
+                <a16:creationId xmlns:a16="http://schemas.microsoft.com/office/drawing/2014/main" id="{C16C8C7E-3D44-8AD2-3FDB-EDF11E6AC1B7}"/>
+              </a:ext>
+            </a:extLst>
+          </p:cNvPr>
+          <p:cNvSpPr>
+            <a:spLocks noGrp="1"/>
+          </p:cNvSpPr>
+          <p:nvPr>
+            <p:ph type="title"/>
+          </p:nvPr>
+        </p:nvSpPr>
+        <p:spPr/>
+        <p:txBody>
+          <a:bodyPr/>
+          <a:lstStyle/>
+          <a:p>
+            <a:r>
+              <a:rPr lang="ko-KR" altLang="en-US" dirty="0">
+                <a:latin typeface="더잠실 3 Regular" panose="00000500000000000000" pitchFamily="2" charset="-127"/>
+                <a:ea typeface="더잠실 3 Regular" panose="00000500000000000000" pitchFamily="2" charset="-127"/>
+              </a:rPr>
+              <a:t>정기 활동 계획</a:t>
+            </a:r>
+          </a:p>
+        </p:txBody>
+      </p:sp>
+      <p:sp>
+        <p:nvSpPr>
+          <p:cNvPr id="3" name="내용 개체 틀 2">
+            <a:extLst>
+              <a:ext uri="{FF2B5EF4-FFF2-40B4-BE49-F238E27FC236}">
+                <a16:creationId xmlns:a16="http://schemas.microsoft.com/office/drawing/2014/main" id="{E93D785B-B54F-6884-8E11-7A4ED77833CD}"/>
+              </a:ext>
+            </a:extLst>
+          </p:cNvPr>
+          <p:cNvSpPr>
+            <a:spLocks noGrp="1"/>
+          </p:cNvSpPr>
+          <p:nvPr>
+            <p:ph idx="1"/>
+          </p:nvPr>
+        </p:nvSpPr>
+        <p:spPr>
+          <a:xfrm>
+            <a:off x="838200" y="1627188"/>
+            <a:ext cx="10515600" cy="4917617"/>
+          </a:xfrm>
+        </p:spPr>
+        <p:txBody>
+          <a:bodyPr>
+            <a:normAutofit/>
+          </a:bodyPr>
+          <a:lstStyle/>
+          <a:p>
+            <a:pPr marL="0" indent="0">
+              <a:buNone/>
+            </a:pPr>
+            <a:r>
+              <a:rPr lang="en-US" altLang="ko-KR" dirty="0">
+                <a:latin typeface="더잠실 3 Regular" panose="00000500000000000000" pitchFamily="2" charset="-127"/>
+                <a:ea typeface="더잠실 3 Regular" panose="00000500000000000000" pitchFamily="2" charset="-127"/>
+              </a:rPr>
+              <a:t>1</a:t>
+            </a:r>
+            <a:r>
+              <a:rPr lang="ko-KR" altLang="en-US" dirty="0" err="1">
+                <a:latin typeface="더잠실 3 Regular" panose="00000500000000000000" pitchFamily="2" charset="-127"/>
+                <a:ea typeface="더잠실 3 Regular" panose="00000500000000000000" pitchFamily="2" charset="-127"/>
+              </a:rPr>
+              <a:t>회차</a:t>
+            </a:r>
+            <a:r>
+              <a:rPr lang="ko-KR" altLang="en-US" dirty="0">
+                <a:latin typeface="더잠실 2 Light" panose="00000300000000000000" pitchFamily="2" charset="-127"/>
+                <a:ea typeface="더잠실 2 Light" panose="00000300000000000000" pitchFamily="2" charset="-127"/>
+              </a:rPr>
+              <a:t>  알고리즘 이해 </a:t>
+            </a:r>
+            <a:r>
+              <a:rPr lang="en-US" altLang="ko-KR" dirty="0">
+                <a:latin typeface="더잠실 2 Light" panose="00000300000000000000" pitchFamily="2" charset="-127"/>
+                <a:ea typeface="더잠실 2 Light" panose="00000300000000000000" pitchFamily="2" charset="-127"/>
+              </a:rPr>
+              <a:t>+ </a:t>
+            </a:r>
+            <a:r>
+              <a:rPr lang="ko-KR" altLang="en-US" dirty="0">
+                <a:latin typeface="더잠실 2 Light" panose="00000300000000000000" pitchFamily="2" charset="-127"/>
+                <a:ea typeface="더잠실 2 Light" panose="00000300000000000000" pitchFamily="2" charset="-127"/>
+              </a:rPr>
+              <a:t>자료구조 </a:t>
+            </a:r>
+            <a:r>
+              <a:rPr lang="en-US" altLang="ko-KR" dirty="0">
+                <a:latin typeface="더잠실 2 Light" panose="00000300000000000000" pitchFamily="2" charset="-127"/>
+                <a:ea typeface="더잠실 2 Light" panose="00000300000000000000" pitchFamily="2" charset="-127"/>
+              </a:rPr>
+              <a:t>(</a:t>
+            </a:r>
+            <a:r>
+              <a:rPr lang="ko-KR" altLang="en-US" dirty="0">
+                <a:latin typeface="더잠실 2 Light" panose="00000300000000000000" pitchFamily="2" charset="-127"/>
+                <a:ea typeface="더잠실 2 Light" panose="00000300000000000000" pitchFamily="2" charset="-127"/>
+              </a:rPr>
+              <a:t>선형</a:t>
+            </a:r>
+            <a:r>
+              <a:rPr lang="en-US" altLang="ko-KR" dirty="0">
+                <a:latin typeface="더잠실 2 Light" panose="00000300000000000000" pitchFamily="2" charset="-127"/>
+                <a:ea typeface="더잠실 2 Light" panose="00000300000000000000" pitchFamily="2" charset="-127"/>
+              </a:rPr>
+              <a:t>)</a:t>
+            </a:r>
+          </a:p>
+          <a:p>
+            <a:pPr marL="0" indent="0">
+              <a:buNone/>
+            </a:pPr>
+            <a:r>
+              <a:rPr lang="en-US" altLang="ko-KR" dirty="0">
+                <a:latin typeface="더잠실 3 Regular" panose="00000500000000000000" pitchFamily="2" charset="-127"/>
+                <a:ea typeface="더잠실 3 Regular" panose="00000500000000000000" pitchFamily="2" charset="-127"/>
+              </a:rPr>
+              <a:t>2</a:t>
+            </a:r>
+            <a:r>
+              <a:rPr lang="ko-KR" altLang="en-US" dirty="0" err="1">
+                <a:latin typeface="더잠실 3 Regular" panose="00000500000000000000" pitchFamily="2" charset="-127"/>
+                <a:ea typeface="더잠실 3 Regular" panose="00000500000000000000" pitchFamily="2" charset="-127"/>
+              </a:rPr>
+              <a:t>회차</a:t>
+            </a:r>
+            <a:r>
+              <a:rPr lang="ko-KR" altLang="en-US" dirty="0">
+                <a:latin typeface="더잠실 3 Regular" panose="00000500000000000000" pitchFamily="2" charset="-127"/>
+                <a:ea typeface="더잠실 3 Regular" panose="00000500000000000000" pitchFamily="2" charset="-127"/>
+              </a:rPr>
+              <a:t>  </a:t>
+            </a:r>
+            <a:r>
+              <a:rPr lang="ko-KR" altLang="en-US" dirty="0">
+                <a:latin typeface="더잠실 2 Light" panose="00000300000000000000" pitchFamily="2" charset="-127"/>
+                <a:ea typeface="더잠실 2 Light" panose="00000300000000000000" pitchFamily="2" charset="-127"/>
+              </a:rPr>
+              <a:t>자료구조</a:t>
+            </a:r>
+            <a:r>
+              <a:rPr lang="en-US" altLang="ko-KR" dirty="0">
+                <a:latin typeface="더잠실 2 Light" panose="00000300000000000000" pitchFamily="2" charset="-127"/>
+                <a:ea typeface="더잠실 2 Light" panose="00000300000000000000" pitchFamily="2" charset="-127"/>
+              </a:rPr>
+              <a:t>(</a:t>
+            </a:r>
+            <a:r>
+              <a:rPr lang="ko-KR" altLang="en-US" dirty="0">
+                <a:latin typeface="더잠실 2 Light" panose="00000300000000000000" pitchFamily="2" charset="-127"/>
+                <a:ea typeface="더잠실 2 Light" panose="00000300000000000000" pitchFamily="2" charset="-127"/>
+              </a:rPr>
+              <a:t>비선형</a:t>
+            </a:r>
+            <a:r>
+              <a:rPr lang="en-US" altLang="ko-KR" dirty="0">
+                <a:latin typeface="더잠실 2 Light" panose="00000300000000000000" pitchFamily="2" charset="-127"/>
+                <a:ea typeface="더잠실 2 Light" panose="00000300000000000000" pitchFamily="2" charset="-127"/>
+              </a:rPr>
+              <a:t>)</a:t>
+            </a:r>
+            <a:r>
+              <a:rPr lang="ko-KR" altLang="en-US" dirty="0">
+                <a:latin typeface="더잠실 2 Light" panose="00000300000000000000" pitchFamily="2" charset="-127"/>
+                <a:ea typeface="더잠실 2 Light" panose="00000300000000000000" pitchFamily="2" charset="-127"/>
+              </a:rPr>
+              <a:t> </a:t>
+            </a:r>
+            <a:r>
+              <a:rPr lang="en-US" altLang="ko-KR" dirty="0">
+                <a:latin typeface="더잠실 2 Light" panose="00000300000000000000" pitchFamily="2" charset="-127"/>
+                <a:ea typeface="더잠실 2 Light" panose="00000300000000000000" pitchFamily="2" charset="-127"/>
+              </a:rPr>
+              <a:t>+</a:t>
+            </a:r>
+            <a:r>
+              <a:rPr lang="ko-KR" altLang="en-US" dirty="0">
+                <a:latin typeface="더잠실 2 Light" panose="00000300000000000000" pitchFamily="2" charset="-127"/>
+                <a:ea typeface="더잠실 2 Light" panose="00000300000000000000" pitchFamily="2" charset="-127"/>
+              </a:rPr>
+              <a:t> </a:t>
+            </a:r>
+            <a:r>
+              <a:rPr lang="en-US" altLang="ko-KR" dirty="0">
+                <a:latin typeface="더잠실 2 Light" panose="00000300000000000000" pitchFamily="2" charset="-127"/>
+                <a:ea typeface="더잠실 2 Light" panose="00000300000000000000" pitchFamily="2" charset="-127"/>
+              </a:rPr>
+              <a:t>BFS / DFS</a:t>
+            </a:r>
+          </a:p>
+          <a:p>
+            <a:pPr marL="0" indent="0">
+              <a:buNone/>
+            </a:pPr>
+            <a:r>
+              <a:rPr lang="en-US" altLang="ko-KR" dirty="0">
+                <a:latin typeface="더잠실 3 Regular" panose="00000500000000000000" pitchFamily="2" charset="-127"/>
+                <a:ea typeface="더잠실 3 Regular" panose="00000500000000000000" pitchFamily="2" charset="-127"/>
+              </a:rPr>
+              <a:t>3</a:t>
+            </a:r>
+            <a:r>
+              <a:rPr lang="ko-KR" altLang="en-US" dirty="0" err="1">
+                <a:latin typeface="더잠실 3 Regular" panose="00000500000000000000" pitchFamily="2" charset="-127"/>
+                <a:ea typeface="더잠실 3 Regular" panose="00000500000000000000" pitchFamily="2" charset="-127"/>
+              </a:rPr>
+              <a:t>회차</a:t>
+            </a:r>
+            <a:r>
+              <a:rPr lang="ko-KR" altLang="en-US" dirty="0">
+                <a:latin typeface="더잠실 3 Regular" panose="00000500000000000000" pitchFamily="2" charset="-127"/>
+                <a:ea typeface="더잠실 3 Regular" panose="00000500000000000000" pitchFamily="2" charset="-127"/>
+              </a:rPr>
+              <a:t>  </a:t>
+            </a:r>
+            <a:r>
+              <a:rPr lang="ko-KR" altLang="en-US" dirty="0">
+                <a:latin typeface="더잠실 2 Light" panose="00000300000000000000" pitchFamily="2" charset="-127"/>
+                <a:ea typeface="더잠실 2 Light" panose="00000300000000000000" pitchFamily="2" charset="-127"/>
+              </a:rPr>
+              <a:t>정렬과 탐색 알고리즘</a:t>
+            </a:r>
+            <a:endParaRPr lang="en-US" altLang="ko-KR" dirty="0">
+              <a:latin typeface="더잠실 2 Light" panose="00000300000000000000" pitchFamily="2" charset="-127"/>
+              <a:ea typeface="더잠실 2 Light" panose="00000300000000000000" pitchFamily="2" charset="-127"/>
+            </a:endParaRPr>
+          </a:p>
+          <a:p>
+            <a:pPr marL="0" indent="0">
+              <a:buNone/>
+            </a:pPr>
+            <a:r>
+              <a:rPr lang="en-US" altLang="ko-KR" dirty="0">
+                <a:solidFill>
+                  <a:schemeClr val="accent2">
+                    <a:lumMod val="50000"/>
+                  </a:schemeClr>
+                </a:solidFill>
+                <a:latin typeface="더잠실 2 Light" panose="00000300000000000000" pitchFamily="2" charset="-127"/>
+                <a:ea typeface="더잠실 2 Light" panose="00000300000000000000" pitchFamily="2" charset="-127"/>
+              </a:rPr>
+              <a:t>(</a:t>
+            </a:r>
+            <a:r>
+              <a:rPr lang="ko-KR" altLang="en-US" dirty="0">
+                <a:solidFill>
+                  <a:schemeClr val="accent2">
+                    <a:lumMod val="50000"/>
+                  </a:schemeClr>
+                </a:solidFill>
+                <a:latin typeface="더잠실 2 Light" panose="00000300000000000000" pitchFamily="2" charset="-127"/>
+                <a:ea typeface="더잠실 2 Light" panose="00000300000000000000" pitchFamily="2" charset="-127"/>
+              </a:rPr>
+              <a:t>중간고사</a:t>
+            </a:r>
+            <a:r>
+              <a:rPr lang="en-US" altLang="ko-KR" dirty="0">
+                <a:solidFill>
+                  <a:schemeClr val="accent2">
+                    <a:lumMod val="50000"/>
+                  </a:schemeClr>
+                </a:solidFill>
+                <a:latin typeface="더잠실 2 Light" panose="00000300000000000000" pitchFamily="2" charset="-127"/>
+                <a:ea typeface="더잠실 2 Light" panose="00000300000000000000" pitchFamily="2" charset="-127"/>
+              </a:rPr>
+              <a:t>)</a:t>
+            </a:r>
+            <a:endParaRPr lang="en-US" altLang="ko-KR" dirty="0">
+              <a:solidFill>
+                <a:schemeClr val="accent2">
+                  <a:lumMod val="50000"/>
+                </a:schemeClr>
+              </a:solidFill>
+              <a:latin typeface="더잠실 3 Regular" panose="00000500000000000000" pitchFamily="2" charset="-127"/>
+              <a:ea typeface="더잠실 3 Regular" panose="00000500000000000000" pitchFamily="2" charset="-127"/>
+            </a:endParaRPr>
+          </a:p>
+          <a:p>
+            <a:pPr marL="0" indent="0">
+              <a:buNone/>
+            </a:pPr>
+            <a:r>
+              <a:rPr lang="en-US" altLang="ko-KR" dirty="0">
+                <a:latin typeface="더잠실 3 Regular" panose="00000500000000000000" pitchFamily="2" charset="-127"/>
+                <a:ea typeface="더잠실 3 Regular" panose="00000500000000000000" pitchFamily="2" charset="-127"/>
+              </a:rPr>
+              <a:t>4</a:t>
+            </a:r>
+            <a:r>
+              <a:rPr lang="ko-KR" altLang="en-US" dirty="0" err="1">
+                <a:latin typeface="더잠실 3 Regular" panose="00000500000000000000" pitchFamily="2" charset="-127"/>
+                <a:ea typeface="더잠실 3 Regular" panose="00000500000000000000" pitchFamily="2" charset="-127"/>
+              </a:rPr>
+              <a:t>회차</a:t>
+            </a:r>
+            <a:r>
+              <a:rPr lang="ko-KR" altLang="en-US" dirty="0">
+                <a:latin typeface="더잠실 3 Regular" panose="00000500000000000000" pitchFamily="2" charset="-127"/>
+                <a:ea typeface="더잠실 3 Regular" panose="00000500000000000000" pitchFamily="2" charset="-127"/>
+              </a:rPr>
+              <a:t>  </a:t>
+            </a:r>
+            <a:r>
+              <a:rPr lang="ko-KR" altLang="en-US" dirty="0">
+                <a:latin typeface="더잠실 2 Light" panose="00000300000000000000" pitchFamily="2" charset="-127"/>
+                <a:ea typeface="더잠실 2 Light" panose="00000300000000000000" pitchFamily="2" charset="-127"/>
+              </a:rPr>
+              <a:t>프로그래밍 대회 리뷰</a:t>
+            </a:r>
+            <a:r>
+              <a:rPr lang="en-US" altLang="ko-KR" dirty="0">
+                <a:latin typeface="더잠실 2 Light" panose="00000300000000000000" pitchFamily="2" charset="-127"/>
+                <a:ea typeface="더잠실 2 Light" panose="00000300000000000000" pitchFamily="2" charset="-127"/>
+              </a:rPr>
+              <a:t>(</a:t>
+            </a:r>
+            <a:r>
+              <a:rPr lang="ko-KR" altLang="en-US" dirty="0">
+                <a:latin typeface="더잠실 2 Light" panose="00000300000000000000" pitchFamily="2" charset="-127"/>
+                <a:ea typeface="더잠실 2 Light" panose="00000300000000000000" pitchFamily="2" charset="-127"/>
+              </a:rPr>
+              <a:t>변동가능</a:t>
+            </a:r>
+            <a:r>
+              <a:rPr lang="en-US" altLang="ko-KR" dirty="0">
+                <a:latin typeface="더잠실 2 Light" panose="00000300000000000000" pitchFamily="2" charset="-127"/>
+                <a:ea typeface="더잠실 2 Light" panose="00000300000000000000" pitchFamily="2" charset="-127"/>
+              </a:rPr>
+              <a:t>)</a:t>
+            </a:r>
+          </a:p>
+          <a:p>
+            <a:pPr marL="0" indent="0">
+              <a:buNone/>
+            </a:pPr>
+            <a:r>
+              <a:rPr lang="en-US" altLang="ko-KR" dirty="0">
+                <a:latin typeface="더잠실 3 Regular" panose="00000500000000000000" pitchFamily="2" charset="-127"/>
+                <a:ea typeface="더잠실 3 Regular" panose="00000500000000000000" pitchFamily="2" charset="-127"/>
+              </a:rPr>
+              <a:t>5</a:t>
+            </a:r>
+            <a:r>
+              <a:rPr lang="ko-KR" altLang="en-US" dirty="0" err="1">
+                <a:latin typeface="더잠실 3 Regular" panose="00000500000000000000" pitchFamily="2" charset="-127"/>
+                <a:ea typeface="더잠실 3 Regular" panose="00000500000000000000" pitchFamily="2" charset="-127"/>
+              </a:rPr>
+              <a:t>회차</a:t>
+            </a:r>
+            <a:r>
+              <a:rPr lang="ko-KR" altLang="en-US" dirty="0">
+                <a:latin typeface="더잠실 2 Light" panose="00000300000000000000" pitchFamily="2" charset="-127"/>
+                <a:ea typeface="더잠실 2 Light" panose="00000300000000000000" pitchFamily="2" charset="-127"/>
+              </a:rPr>
+              <a:t>  다이나믹 프로그래밍</a:t>
+            </a:r>
+            <a:r>
+              <a:rPr lang="en-US" altLang="ko-KR" dirty="0">
+                <a:latin typeface="더잠실 2 Light" panose="00000300000000000000" pitchFamily="2" charset="-127"/>
+                <a:ea typeface="더잠실 2 Light" panose="00000300000000000000" pitchFamily="2" charset="-127"/>
+              </a:rPr>
+              <a:t>(</a:t>
+            </a:r>
+            <a:r>
+              <a:rPr lang="ko-KR" altLang="en-US" dirty="0">
+                <a:latin typeface="더잠실 2 Light" panose="00000300000000000000" pitchFamily="2" charset="-127"/>
+                <a:ea typeface="더잠실 2 Light" panose="00000300000000000000" pitchFamily="2" charset="-127"/>
+              </a:rPr>
+              <a:t>재탕</a:t>
+            </a:r>
+            <a:r>
+              <a:rPr lang="en-US" altLang="ko-KR" dirty="0">
+                <a:latin typeface="더잠실 2 Light" panose="00000300000000000000" pitchFamily="2" charset="-127"/>
+                <a:ea typeface="더잠실 2 Light" panose="00000300000000000000" pitchFamily="2" charset="-127"/>
+              </a:rPr>
+              <a:t>)</a:t>
+            </a:r>
+            <a:r>
+              <a:rPr lang="ko-KR" altLang="en-US" dirty="0">
+                <a:latin typeface="더잠실 2 Light" panose="00000300000000000000" pitchFamily="2" charset="-127"/>
+                <a:ea typeface="더잠실 2 Light" panose="00000300000000000000" pitchFamily="2" charset="-127"/>
+              </a:rPr>
+              <a:t> </a:t>
+            </a:r>
+            <a:endParaRPr lang="en-US" altLang="ko-KR" dirty="0">
+              <a:latin typeface="더잠실 2 Light" panose="00000300000000000000" pitchFamily="2" charset="-127"/>
+              <a:ea typeface="더잠실 2 Light" panose="00000300000000000000" pitchFamily="2" charset="-127"/>
+            </a:endParaRPr>
+          </a:p>
+          <a:p>
+            <a:pPr marL="0" indent="0">
+              <a:buNone/>
+            </a:pPr>
+            <a:r>
+              <a:rPr lang="en-US" altLang="ko-KR" dirty="0">
+                <a:latin typeface="더잠실 3 Regular" panose="00000500000000000000" pitchFamily="2" charset="-127"/>
+                <a:ea typeface="더잠실 3 Regular" panose="00000500000000000000" pitchFamily="2" charset="-127"/>
+              </a:rPr>
+              <a:t>6</a:t>
+            </a:r>
+            <a:r>
+              <a:rPr lang="ko-KR" altLang="en-US" dirty="0" err="1">
+                <a:latin typeface="더잠실 3 Regular" panose="00000500000000000000" pitchFamily="2" charset="-127"/>
+                <a:ea typeface="더잠실 3 Regular" panose="00000500000000000000" pitchFamily="2" charset="-127"/>
+              </a:rPr>
+              <a:t>회차</a:t>
+            </a:r>
+            <a:r>
+              <a:rPr lang="ko-KR" altLang="en-US" dirty="0">
+                <a:latin typeface="더잠실 3 Regular" panose="00000500000000000000" pitchFamily="2" charset="-127"/>
+                <a:ea typeface="더잠실 3 Regular" panose="00000500000000000000" pitchFamily="2" charset="-127"/>
+              </a:rPr>
+              <a:t>  </a:t>
+            </a:r>
+            <a:r>
+              <a:rPr lang="ko-KR" altLang="en-US" dirty="0">
+                <a:latin typeface="더잠실 2 Light" panose="00000300000000000000" pitchFamily="2" charset="-127"/>
+                <a:ea typeface="더잠실 2 Light" panose="00000300000000000000" pitchFamily="2" charset="-127"/>
+              </a:rPr>
+              <a:t>최단경로 알고리즘 </a:t>
+            </a:r>
+            <a:r>
+              <a:rPr lang="en-US" altLang="ko-KR" dirty="0">
+                <a:latin typeface="더잠실 2 Light" panose="00000300000000000000" pitchFamily="2" charset="-127"/>
+                <a:ea typeface="더잠실 2 Light" panose="00000300000000000000" pitchFamily="2" charset="-127"/>
+              </a:rPr>
+              <a:t>: Dijkstra, Floyd, </a:t>
+            </a:r>
+            <a:r>
+              <a:rPr lang="en-US" altLang="ko-KR" dirty="0">
+                <a:solidFill>
+                  <a:schemeClr val="bg1">
+                    <a:lumMod val="65000"/>
+                  </a:schemeClr>
+                </a:solidFill>
+                <a:latin typeface="더잠실 2 Light" panose="00000300000000000000" pitchFamily="2" charset="-127"/>
+                <a:ea typeface="더잠실 2 Light" panose="00000300000000000000" pitchFamily="2" charset="-127"/>
+              </a:rPr>
+              <a:t>Bellman-Ford</a:t>
+            </a:r>
+            <a:r>
+              <a:rPr lang="en-US" altLang="ko-KR" dirty="0">
+                <a:latin typeface="더잠실 3 Regular" panose="00000500000000000000" pitchFamily="2" charset="-127"/>
+                <a:ea typeface="더잠실 3 Regular" panose="00000500000000000000" pitchFamily="2" charset="-127"/>
+              </a:rPr>
+              <a:t> </a:t>
+            </a:r>
+          </a:p>
+          <a:p>
+            <a:pPr marL="0" indent="0">
+              <a:buNone/>
+            </a:pPr>
+            <a:r>
+              <a:rPr lang="en-US" altLang="ko-KR" dirty="0">
+                <a:latin typeface="더잠실 3 Regular" panose="00000500000000000000" pitchFamily="2" charset="-127"/>
+                <a:ea typeface="더잠실 3 Regular" panose="00000500000000000000" pitchFamily="2" charset="-127"/>
+              </a:rPr>
+              <a:t>7</a:t>
+            </a:r>
+            <a:r>
+              <a:rPr lang="ko-KR" altLang="en-US" dirty="0" err="1">
+                <a:latin typeface="더잠실 3 Regular" panose="00000500000000000000" pitchFamily="2" charset="-127"/>
+                <a:ea typeface="더잠실 3 Regular" panose="00000500000000000000" pitchFamily="2" charset="-127"/>
+              </a:rPr>
+              <a:t>회차</a:t>
+            </a:r>
+            <a:r>
+              <a:rPr lang="ko-KR" altLang="en-US" dirty="0">
+                <a:latin typeface="더잠실 2 Light" panose="00000300000000000000" pitchFamily="2" charset="-127"/>
+                <a:ea typeface="더잠실 2 Light" panose="00000300000000000000" pitchFamily="2" charset="-127"/>
+              </a:rPr>
+              <a:t>  </a:t>
+            </a:r>
+            <a:r>
+              <a:rPr lang="ko-KR" altLang="en-US" dirty="0">
+                <a:solidFill>
+                  <a:schemeClr val="bg1">
+                    <a:lumMod val="65000"/>
+                  </a:schemeClr>
+                </a:solidFill>
+                <a:latin typeface="더잠실 2 Light" panose="00000300000000000000" pitchFamily="2" charset="-127"/>
+                <a:ea typeface="더잠실 2 Light" panose="00000300000000000000" pitchFamily="2" charset="-127"/>
+              </a:rPr>
+              <a:t>구현</a:t>
+            </a:r>
+            <a:r>
+              <a:rPr lang="en-US" altLang="ko-KR" dirty="0">
+                <a:solidFill>
+                  <a:schemeClr val="bg1">
+                    <a:lumMod val="65000"/>
+                  </a:schemeClr>
+                </a:solidFill>
+                <a:latin typeface="더잠실 2 Light" panose="00000300000000000000" pitchFamily="2" charset="-127"/>
+                <a:ea typeface="더잠실 2 Light" panose="00000300000000000000" pitchFamily="2" charset="-127"/>
+              </a:rPr>
+              <a:t>, </a:t>
+            </a:r>
+            <a:r>
+              <a:rPr lang="ko-KR" altLang="en-US" dirty="0">
+                <a:solidFill>
+                  <a:schemeClr val="bg1">
+                    <a:lumMod val="65000"/>
+                  </a:schemeClr>
+                </a:solidFill>
+                <a:latin typeface="더잠실 2 Light" panose="00000300000000000000" pitchFamily="2" charset="-127"/>
+                <a:ea typeface="더잠실 2 Light" panose="00000300000000000000" pitchFamily="2" charset="-127"/>
+              </a:rPr>
+              <a:t>그래프 이론 중급</a:t>
+            </a:r>
+            <a:r>
+              <a:rPr lang="en-US" altLang="ko-KR" dirty="0">
+                <a:solidFill>
+                  <a:schemeClr val="bg1">
+                    <a:lumMod val="65000"/>
+                  </a:schemeClr>
+                </a:solidFill>
+                <a:latin typeface="더잠실 2 Light" panose="00000300000000000000" pitchFamily="2" charset="-127"/>
+                <a:ea typeface="더잠실 2 Light" panose="00000300000000000000" pitchFamily="2" charset="-127"/>
+              </a:rPr>
+              <a:t>(</a:t>
+            </a:r>
+            <a:r>
+              <a:rPr lang="ko-KR" altLang="en-US" dirty="0">
+                <a:solidFill>
+                  <a:schemeClr val="bg1">
+                    <a:lumMod val="65000"/>
+                  </a:schemeClr>
+                </a:solidFill>
+                <a:latin typeface="더잠실 2 Light" panose="00000300000000000000" pitchFamily="2" charset="-127"/>
+                <a:ea typeface="더잠실 2 Light" panose="00000300000000000000" pitchFamily="2" charset="-127"/>
+              </a:rPr>
+              <a:t>미정</a:t>
+            </a:r>
+            <a:r>
+              <a:rPr lang="en-US" altLang="ko-KR" dirty="0">
+                <a:solidFill>
+                  <a:schemeClr val="bg1">
+                    <a:lumMod val="65000"/>
+                  </a:schemeClr>
+                </a:solidFill>
+                <a:latin typeface="더잠실 2 Light" panose="00000300000000000000" pitchFamily="2" charset="-127"/>
+                <a:ea typeface="더잠실 2 Light" panose="00000300000000000000" pitchFamily="2" charset="-127"/>
+              </a:rPr>
+              <a:t>)</a:t>
+            </a:r>
+          </a:p>
+          <a:p>
+            <a:pPr marL="0" indent="0">
+              <a:buNone/>
+            </a:pPr>
+            <a:r>
+              <a:rPr lang="en-US" altLang="ko-KR" dirty="0">
+                <a:solidFill>
+                  <a:schemeClr val="accent2">
+                    <a:lumMod val="50000"/>
+                  </a:schemeClr>
+                </a:solidFill>
+                <a:latin typeface="더잠실 2 Light" panose="00000300000000000000" pitchFamily="2" charset="-127"/>
+                <a:ea typeface="더잠실 2 Light" panose="00000300000000000000" pitchFamily="2" charset="-127"/>
+              </a:rPr>
+              <a:t>(</a:t>
+            </a:r>
+            <a:r>
+              <a:rPr lang="ko-KR" altLang="en-US" dirty="0">
+                <a:solidFill>
+                  <a:schemeClr val="accent2">
+                    <a:lumMod val="50000"/>
+                  </a:schemeClr>
+                </a:solidFill>
+                <a:latin typeface="더잠실 2 Light" panose="00000300000000000000" pitchFamily="2" charset="-127"/>
+                <a:ea typeface="더잠실 2 Light" panose="00000300000000000000" pitchFamily="2" charset="-127"/>
+              </a:rPr>
+              <a:t>종강</a:t>
+            </a:r>
+            <a:r>
+              <a:rPr lang="en-US" altLang="ko-KR" dirty="0">
+                <a:solidFill>
+                  <a:schemeClr val="accent2">
+                    <a:lumMod val="50000"/>
+                  </a:schemeClr>
+                </a:solidFill>
+                <a:latin typeface="더잠실 2 Light" panose="00000300000000000000" pitchFamily="2" charset="-127"/>
+                <a:ea typeface="더잠실 2 Light" panose="00000300000000000000" pitchFamily="2" charset="-127"/>
+              </a:rPr>
+              <a:t>)</a:t>
+            </a:r>
+            <a:endParaRPr lang="en-US" altLang="ko-KR" dirty="0">
+              <a:solidFill>
+                <a:schemeClr val="bg1">
+                  <a:lumMod val="65000"/>
+                </a:schemeClr>
+              </a:solidFill>
+              <a:latin typeface="더잠실 2 Light" panose="00000300000000000000" pitchFamily="2" charset="-127"/>
+              <a:ea typeface="더잠실 2 Light" panose="00000300000000000000" pitchFamily="2" charset="-127"/>
+            </a:endParaRPr>
+          </a:p>
+          <a:p>
+            <a:pPr marL="0" indent="0">
+              <a:buNone/>
+            </a:pPr>
+            <a:endParaRPr lang="en-US" altLang="ko-KR" dirty="0">
+              <a:latin typeface="더잠실 2 Light" panose="00000300000000000000" pitchFamily="2" charset="-127"/>
+              <a:ea typeface="더잠실 2 Light" panose="00000300000000000000" pitchFamily="2" charset="-127"/>
+            </a:endParaRPr>
+          </a:p>
+          <a:p>
+            <a:pPr marL="0" indent="0">
+              <a:buNone/>
+            </a:pPr>
+            <a:endParaRPr lang="en-US" altLang="ko-KR" dirty="0">
+              <a:latin typeface="더잠실 2 Light" panose="00000300000000000000" pitchFamily="2" charset="-127"/>
+              <a:ea typeface="더잠실 2 Light" panose="00000300000000000000" pitchFamily="2" charset="-127"/>
+            </a:endParaRPr>
+          </a:p>
+        </p:txBody>
+      </p:sp>
+      <p:sp>
+        <p:nvSpPr>
+          <p:cNvPr id="4" name="TextBox 3">
+            <a:extLst>
+              <a:ext uri="{FF2B5EF4-FFF2-40B4-BE49-F238E27FC236}">
+                <a16:creationId xmlns:a16="http://schemas.microsoft.com/office/drawing/2014/main" id="{4F1C3A85-FC4F-AA33-06C2-27FA3EEC4B6B}"/>
+              </a:ext>
+            </a:extLst>
+          </p:cNvPr>
+          <p:cNvSpPr txBox="1"/>
+          <p:nvPr/>
+        </p:nvSpPr>
+        <p:spPr>
+          <a:xfrm>
+            <a:off x="6997700" y="1300164"/>
+            <a:ext cx="4838699" cy="2308324"/>
+          </a:xfrm>
+          <a:prstGeom prst="rect">
+            <a:avLst/>
+          </a:prstGeom>
+          <a:noFill/>
+          <a:ln w="28575">
+            <a:solidFill>
+              <a:srgbClr val="00B050"/>
+            </a:solidFill>
+          </a:ln>
+        </p:spPr>
+        <p:txBody>
+          <a:bodyPr wrap="square" rtlCol="0">
+            <a:spAutoFit/>
+          </a:bodyPr>
+          <a:lstStyle/>
+          <a:p>
+            <a:r>
+              <a:rPr lang="ko-KR" altLang="en-US" sz="2400" dirty="0">
+                <a:latin typeface="더잠실 2 Light" panose="00000300000000000000" pitchFamily="2" charset="-127"/>
+                <a:ea typeface="더잠실 2 Light" panose="00000300000000000000" pitchFamily="2" charset="-127"/>
+              </a:rPr>
+              <a:t>주말에</a:t>
+            </a:r>
+            <a:r>
+              <a:rPr lang="en-US" altLang="ko-KR" sz="2400" dirty="0">
+                <a:latin typeface="더잠실 2 Light" panose="00000300000000000000" pitchFamily="2" charset="-127"/>
+                <a:ea typeface="더잠실 2 Light" panose="00000300000000000000" pitchFamily="2" charset="-127"/>
+              </a:rPr>
+              <a:t> </a:t>
+            </a:r>
+            <a:r>
+              <a:rPr lang="ko-KR" altLang="en-US" sz="2400" dirty="0">
+                <a:latin typeface="더잠실 2 Light" panose="00000300000000000000" pitchFamily="2" charset="-127"/>
+                <a:ea typeface="더잠실 2 Light" panose="00000300000000000000" pitchFamily="2" charset="-127"/>
+              </a:rPr>
+              <a:t>활동 여부 공지</a:t>
+            </a:r>
+            <a:r>
+              <a:rPr lang="en-US" altLang="ko-KR" sz="2400" dirty="0">
+                <a:latin typeface="더잠실 2 Light" panose="00000300000000000000" pitchFamily="2" charset="-127"/>
+                <a:ea typeface="더잠실 2 Light" panose="00000300000000000000" pitchFamily="2" charset="-127"/>
+              </a:rPr>
+              <a:t>,</a:t>
+            </a:r>
+            <a:r>
+              <a:rPr lang="ko-KR" altLang="en-US" sz="2400" dirty="0">
+                <a:latin typeface="더잠실 2 Light" panose="00000300000000000000" pitchFamily="2" charset="-127"/>
+                <a:ea typeface="더잠실 2 Light" panose="00000300000000000000" pitchFamily="2" charset="-127"/>
+              </a:rPr>
+              <a:t> 참여 투표 게시</a:t>
+            </a:r>
+            <a:endParaRPr lang="en-US" altLang="ko-KR" sz="2400" dirty="0">
+              <a:latin typeface="더잠실 2 Light" panose="00000300000000000000" pitchFamily="2" charset="-127"/>
+              <a:ea typeface="더잠실 2 Light" panose="00000300000000000000" pitchFamily="2" charset="-127"/>
+            </a:endParaRPr>
+          </a:p>
+          <a:p>
+            <a:r>
+              <a:rPr lang="en-US" altLang="ko-KR" sz="2400" dirty="0">
+                <a:latin typeface="더잠실 2 Light" panose="00000300000000000000" pitchFamily="2" charset="-127"/>
+                <a:ea typeface="더잠실 2 Light" panose="00000300000000000000" pitchFamily="2" charset="-127"/>
+              </a:rPr>
+              <a:t>(</a:t>
+            </a:r>
+            <a:r>
+              <a:rPr lang="ko-KR" altLang="en-US" sz="2400" dirty="0">
+                <a:latin typeface="더잠실 2 Light" panose="00000300000000000000" pitchFamily="2" charset="-127"/>
+                <a:ea typeface="더잠실 2 Light" panose="00000300000000000000" pitchFamily="2" charset="-127"/>
+              </a:rPr>
+              <a:t>참여시 투표 필수</a:t>
+            </a:r>
+            <a:r>
+              <a:rPr lang="en-US" altLang="ko-KR" sz="2400" dirty="0">
+                <a:latin typeface="더잠실 2 Light" panose="00000300000000000000" pitchFamily="2" charset="-127"/>
+                <a:ea typeface="더잠실 2 Light" panose="00000300000000000000" pitchFamily="2" charset="-127"/>
+              </a:rPr>
+              <a:t>!)</a:t>
+            </a:r>
+          </a:p>
+          <a:p>
+            <a:endParaRPr lang="en-US" altLang="ko-KR" sz="2400" dirty="0">
+              <a:latin typeface="더잠실 2 Light" panose="00000300000000000000" pitchFamily="2" charset="-127"/>
+              <a:ea typeface="더잠실 2 Light" panose="00000300000000000000" pitchFamily="2" charset="-127"/>
+            </a:endParaRPr>
+          </a:p>
+          <a:p>
+            <a:r>
+              <a:rPr lang="ko-KR" altLang="en-US" sz="2400" dirty="0">
+                <a:latin typeface="더잠실 3 Regular" panose="00000500000000000000" pitchFamily="2" charset="-127"/>
+                <a:ea typeface="더잠실 3 Regular" panose="00000500000000000000" pitchFamily="2" charset="-127"/>
+              </a:rPr>
+              <a:t>시간</a:t>
+            </a:r>
+            <a:r>
+              <a:rPr lang="ko-KR" altLang="en-US" sz="2400" dirty="0">
+                <a:latin typeface="더잠실 2 Light" panose="00000300000000000000" pitchFamily="2" charset="-127"/>
+                <a:ea typeface="더잠실 2 Light" panose="00000300000000000000" pitchFamily="2" charset="-127"/>
+              </a:rPr>
+              <a:t> </a:t>
+            </a:r>
+            <a:r>
+              <a:rPr lang="en-US" altLang="ko-KR" sz="2400" dirty="0">
+                <a:latin typeface="더잠실 2 Light" panose="00000300000000000000" pitchFamily="2" charset="-127"/>
+                <a:ea typeface="더잠실 2 Light" panose="00000300000000000000" pitchFamily="2" charset="-127"/>
+              </a:rPr>
+              <a:t>: </a:t>
+            </a:r>
+            <a:r>
+              <a:rPr lang="ko-KR" altLang="en-US" sz="2400" dirty="0">
+                <a:latin typeface="더잠실 2 Light" panose="00000300000000000000" pitchFamily="2" charset="-127"/>
+                <a:ea typeface="더잠실 2 Light" panose="00000300000000000000" pitchFamily="2" charset="-127"/>
+              </a:rPr>
+              <a:t>목요일 </a:t>
+            </a:r>
+            <a:r>
+              <a:rPr lang="en-US" altLang="ko-KR" sz="2400" dirty="0">
+                <a:latin typeface="더잠실 2 Light" panose="00000300000000000000" pitchFamily="2" charset="-127"/>
+                <a:ea typeface="더잠실 2 Light" panose="00000300000000000000" pitchFamily="2" charset="-127"/>
+              </a:rPr>
+              <a:t>19:00 (</a:t>
+            </a:r>
+            <a:r>
+              <a:rPr lang="ko-KR" altLang="en-US" sz="2400" dirty="0">
+                <a:latin typeface="더잠실 2 Light" panose="00000300000000000000" pitchFamily="2" charset="-127"/>
+                <a:ea typeface="더잠실 2 Light" panose="00000300000000000000" pitchFamily="2" charset="-127"/>
+              </a:rPr>
+              <a:t>투표예정</a:t>
+            </a:r>
+            <a:r>
+              <a:rPr lang="en-US" altLang="ko-KR" sz="2400" dirty="0">
+                <a:latin typeface="더잠실 2 Light" panose="00000300000000000000" pitchFamily="2" charset="-127"/>
+                <a:ea typeface="더잠실 2 Light" panose="00000300000000000000" pitchFamily="2" charset="-127"/>
+              </a:rPr>
+              <a:t>) </a:t>
+            </a:r>
+          </a:p>
+          <a:p>
+            <a:r>
+              <a:rPr lang="ko-KR" altLang="en-US" sz="2400" dirty="0">
+                <a:latin typeface="더잠실 3 Regular" panose="00000500000000000000" pitchFamily="2" charset="-127"/>
+                <a:ea typeface="더잠실 3 Regular" panose="00000500000000000000" pitchFamily="2" charset="-127"/>
+              </a:rPr>
+              <a:t>장소</a:t>
+            </a:r>
+            <a:r>
+              <a:rPr lang="ko-KR" altLang="en-US" sz="2400" dirty="0">
+                <a:latin typeface="더잠실 2 Light" panose="00000300000000000000" pitchFamily="2" charset="-127"/>
+                <a:ea typeface="더잠실 2 Light" panose="00000300000000000000" pitchFamily="2" charset="-127"/>
+              </a:rPr>
+              <a:t> </a:t>
+            </a:r>
+            <a:r>
+              <a:rPr lang="en-US" altLang="ko-KR" sz="2400" dirty="0">
+                <a:latin typeface="더잠실 2 Light" panose="00000300000000000000" pitchFamily="2" charset="-127"/>
+                <a:ea typeface="더잠실 2 Light" panose="00000300000000000000" pitchFamily="2" charset="-127"/>
+              </a:rPr>
+              <a:t>: 2</a:t>
+            </a:r>
+            <a:r>
+              <a:rPr lang="ko-KR" altLang="en-US" sz="2400" dirty="0">
+                <a:latin typeface="더잠실 2 Light" panose="00000300000000000000" pitchFamily="2" charset="-127"/>
+                <a:ea typeface="더잠실 2 Light" panose="00000300000000000000" pitchFamily="2" charset="-127"/>
+              </a:rPr>
+              <a:t>공학관</a:t>
+            </a:r>
+            <a:endParaRPr lang="en-US" altLang="ko-KR" sz="2400" dirty="0">
+              <a:latin typeface="더잠실 2 Light" panose="00000300000000000000" pitchFamily="2" charset="-127"/>
+              <a:ea typeface="더잠실 2 Light" panose="00000300000000000000" pitchFamily="2" charset="-127"/>
+            </a:endParaRPr>
+          </a:p>
+          <a:p>
+            <a:r>
+              <a:rPr lang="ko-KR" altLang="en-US" sz="2400" dirty="0">
+                <a:latin typeface="더잠실 3 Regular" panose="00000500000000000000" pitchFamily="2" charset="-127"/>
+                <a:ea typeface="더잠실 3 Regular" panose="00000500000000000000" pitchFamily="2" charset="-127"/>
+              </a:rPr>
+              <a:t>준비물</a:t>
+            </a:r>
+            <a:r>
+              <a:rPr lang="ko-KR" altLang="en-US" sz="2400" dirty="0">
+                <a:latin typeface="더잠실 2 Light" panose="00000300000000000000" pitchFamily="2" charset="-127"/>
+                <a:ea typeface="더잠실 2 Light" panose="00000300000000000000" pitchFamily="2" charset="-127"/>
+              </a:rPr>
+              <a:t> </a:t>
+            </a:r>
+            <a:r>
+              <a:rPr lang="en-US" altLang="ko-KR" sz="2400" dirty="0">
+                <a:latin typeface="더잠실 2 Light" panose="00000300000000000000" pitchFamily="2" charset="-127"/>
+                <a:ea typeface="더잠실 2 Light" panose="00000300000000000000" pitchFamily="2" charset="-127"/>
+              </a:rPr>
+              <a:t>: </a:t>
+            </a:r>
+            <a:r>
+              <a:rPr lang="ko-KR" altLang="en-US" sz="2400" dirty="0">
+                <a:latin typeface="더잠실 2 Light" panose="00000300000000000000" pitchFamily="2" charset="-127"/>
+                <a:ea typeface="더잠실 2 Light" panose="00000300000000000000" pitchFamily="2" charset="-127"/>
+              </a:rPr>
+              <a:t>노트북</a:t>
+            </a:r>
+            <a:r>
+              <a:rPr lang="en-US" altLang="ko-KR" sz="2400" dirty="0">
+                <a:latin typeface="더잠실 2 Light" panose="00000300000000000000" pitchFamily="2" charset="-127"/>
+                <a:ea typeface="더잠실 2 Light" panose="00000300000000000000" pitchFamily="2" charset="-127"/>
+              </a:rPr>
+              <a:t>, </a:t>
+            </a:r>
+            <a:r>
+              <a:rPr lang="ko-KR" altLang="en-US" sz="2400" dirty="0">
+                <a:latin typeface="더잠실 2 Light" panose="00000300000000000000" pitchFamily="2" charset="-127"/>
+                <a:ea typeface="더잠실 2 Light" panose="00000300000000000000" pitchFamily="2" charset="-127"/>
+              </a:rPr>
+              <a:t>개발환경</a:t>
+            </a:r>
+            <a:r>
+              <a:rPr lang="en-US" altLang="ko-KR" sz="2400" dirty="0">
+                <a:latin typeface="더잠실 2 Light" panose="00000300000000000000" pitchFamily="2" charset="-127"/>
+                <a:ea typeface="더잠실 2 Light" panose="00000300000000000000" pitchFamily="2" charset="-127"/>
+              </a:rPr>
+              <a:t>, git</a:t>
+            </a:r>
+            <a:r>
+              <a:rPr lang="ko-KR" altLang="en-US" sz="2400" dirty="0">
+                <a:latin typeface="더잠실 2 Light" panose="00000300000000000000" pitchFamily="2" charset="-127"/>
+                <a:ea typeface="더잠실 2 Light" panose="00000300000000000000" pitchFamily="2" charset="-127"/>
+              </a:rPr>
+              <a:t>계정</a:t>
+            </a:r>
+            <a:endParaRPr lang="en-US" altLang="ko-KR" sz="2400" dirty="0">
+              <a:latin typeface="더잠실 2 Light" panose="00000300000000000000" pitchFamily="2" charset="-127"/>
+              <a:ea typeface="더잠실 2 Light" panose="00000300000000000000" pitchFamily="2" charset="-127"/>
+            </a:endParaRPr>
+          </a:p>
+        </p:txBody>
+      </p:sp>
+      <p:sp>
+        <p:nvSpPr>
+          <p:cNvPr id="5" name="직사각형 4">
+            <a:extLst>
+              <a:ext uri="{FF2B5EF4-FFF2-40B4-BE49-F238E27FC236}">
+                <a16:creationId xmlns:a16="http://schemas.microsoft.com/office/drawing/2014/main" id="{1F0FBD39-67E9-46DC-846E-E33750A4B4D1}"/>
+              </a:ext>
+            </a:extLst>
+          </p:cNvPr>
+          <p:cNvSpPr/>
+          <p:nvPr/>
+        </p:nvSpPr>
+        <p:spPr>
+          <a:xfrm>
+            <a:off x="787400" y="1741538"/>
+            <a:ext cx="63500" cy="1211213"/>
+          </a:xfrm>
+          <a:prstGeom prst="rect">
+            <a:avLst/>
+          </a:prstGeom>
+          <a:solidFill>
+            <a:srgbClr val="92D050"/>
+          </a:solidFill>
+          <a:ln>
+            <a:noFill/>
+          </a:ln>
+        </p:spPr>
+        <p:style>
+          <a:lnRef idx="2">
+            <a:schemeClr val="dk1">
+              <a:shade val="15000"/>
+            </a:schemeClr>
+          </a:lnRef>
+          <a:fillRef idx="1">
+            <a:schemeClr val="dk1"/>
+          </a:fillRef>
+          <a:effectRef idx="0">
+            <a:schemeClr val="dk1"/>
+          </a:effectRef>
+          <a:fontRef idx="minor">
+            <a:schemeClr val="lt1"/>
+          </a:fontRef>
+        </p:style>
+        <p:txBody>
+          <a:bodyPr rtlCol="0" anchor="ctr"/>
+          <a:lstStyle/>
+          <a:p>
+            <a:pPr algn="ctr"/>
+            <a:endParaRPr lang="ko-KR" altLang="en-US"/>
+          </a:p>
+        </p:txBody>
+      </p:sp>
+      <p:sp>
+        <p:nvSpPr>
+          <p:cNvPr id="6" name="직사각형 5">
+            <a:extLst>
+              <a:ext uri="{FF2B5EF4-FFF2-40B4-BE49-F238E27FC236}">
+                <a16:creationId xmlns:a16="http://schemas.microsoft.com/office/drawing/2014/main" id="{E8B18C12-5D39-6544-C20D-AFBD720DE82E}"/>
+              </a:ext>
+            </a:extLst>
+          </p:cNvPr>
+          <p:cNvSpPr/>
+          <p:nvPr/>
+        </p:nvSpPr>
+        <p:spPr>
+          <a:xfrm>
+            <a:off x="787400" y="3774307"/>
+            <a:ext cx="45719" cy="1737493"/>
+          </a:xfrm>
+          <a:prstGeom prst="rect">
+            <a:avLst/>
+          </a:prstGeom>
+          <a:solidFill>
+            <a:srgbClr val="0070C0"/>
+          </a:solidFill>
+          <a:ln>
+            <a:noFill/>
+          </a:ln>
+        </p:spPr>
+        <p:style>
+          <a:lnRef idx="2">
+            <a:schemeClr val="dk1">
+              <a:shade val="15000"/>
+            </a:schemeClr>
+          </a:lnRef>
+          <a:fillRef idx="1">
+            <a:schemeClr val="dk1"/>
+          </a:fillRef>
+          <a:effectRef idx="0">
+            <a:schemeClr val="dk1"/>
+          </a:effectRef>
+          <a:fontRef idx="minor">
+            <a:schemeClr val="lt1"/>
+          </a:fontRef>
+        </p:style>
+        <p:txBody>
+          <a:bodyPr rtlCol="0" anchor="ctr"/>
+          <a:lstStyle/>
+          <a:p>
+            <a:pPr algn="ctr"/>
+            <a:endParaRPr lang="ko-KR" altLang="en-US"/>
+          </a:p>
+        </p:txBody>
+      </p:sp>
+      <p:sp>
+        <p:nvSpPr>
+          <p:cNvPr id="7" name="별: 꼭짓점 5개 6">
+            <a:extLst>
+              <a:ext uri="{FF2B5EF4-FFF2-40B4-BE49-F238E27FC236}">
+                <a16:creationId xmlns:a16="http://schemas.microsoft.com/office/drawing/2014/main" id="{226E39B3-DF9E-C285-A946-FB8D52675402}"/>
+              </a:ext>
+            </a:extLst>
+          </p:cNvPr>
+          <p:cNvSpPr/>
+          <p:nvPr/>
+        </p:nvSpPr>
+        <p:spPr>
+          <a:xfrm>
+            <a:off x="1689102" y="1524050"/>
+            <a:ext cx="266700" cy="242888"/>
+          </a:xfrm>
+          <a:prstGeom prst="star5">
+            <a:avLst/>
+          </a:prstGeom>
+          <a:solidFill>
+            <a:srgbClr val="FFC000"/>
+          </a:solidFill>
+          <a:ln>
+            <a:noFill/>
+          </a:ln>
+        </p:spPr>
+        <p:style>
+          <a:lnRef idx="2">
+            <a:schemeClr val="accent1">
+              <a:shade val="15000"/>
+            </a:schemeClr>
+          </a:lnRef>
+          <a:fillRef idx="1">
+            <a:schemeClr val="accent1"/>
+          </a:fillRef>
+          <a:effectRef idx="0">
+            <a:schemeClr val="accent1"/>
+          </a:effectRef>
+          <a:fontRef idx="minor">
+            <a:schemeClr val="lt1"/>
+          </a:fontRef>
+        </p:style>
+        <p:txBody>
+          <a:bodyPr rtlCol="0" anchor="ctr"/>
+          <a:lstStyle/>
+          <a:p>
+            <a:pPr algn="ctr"/>
+            <a:endParaRPr lang="ko-KR" altLang="en-US" dirty="0"/>
+          </a:p>
+        </p:txBody>
+      </p:sp>
+      <p:sp>
+        <p:nvSpPr>
+          <p:cNvPr id="8" name="별: 꼭짓점 5개 7">
+            <a:extLst>
+              <a:ext uri="{FF2B5EF4-FFF2-40B4-BE49-F238E27FC236}">
+                <a16:creationId xmlns:a16="http://schemas.microsoft.com/office/drawing/2014/main" id="{0E00F03C-BDD2-7058-B1A4-67E1FD2A2DF6}"/>
+              </a:ext>
+            </a:extLst>
+          </p:cNvPr>
+          <p:cNvSpPr/>
+          <p:nvPr/>
+        </p:nvSpPr>
+        <p:spPr>
+          <a:xfrm>
+            <a:off x="1689102" y="2567832"/>
+            <a:ext cx="266700" cy="242888"/>
+          </a:xfrm>
+          <a:prstGeom prst="star5">
+            <a:avLst/>
+          </a:prstGeom>
+          <a:solidFill>
+            <a:srgbClr val="FFC000"/>
+          </a:solidFill>
+          <a:ln>
+            <a:noFill/>
+          </a:ln>
+        </p:spPr>
+        <p:style>
+          <a:lnRef idx="2">
+            <a:schemeClr val="accent1">
+              <a:shade val="15000"/>
+            </a:schemeClr>
+          </a:lnRef>
+          <a:fillRef idx="1">
+            <a:schemeClr val="accent1"/>
+          </a:fillRef>
+          <a:effectRef idx="0">
+            <a:schemeClr val="accent1"/>
+          </a:effectRef>
+          <a:fontRef idx="minor">
+            <a:schemeClr val="lt1"/>
+          </a:fontRef>
+        </p:style>
+        <p:txBody>
+          <a:bodyPr rtlCol="0" anchor="ctr"/>
+          <a:lstStyle/>
+          <a:p>
+            <a:pPr algn="ctr"/>
+            <a:endParaRPr lang="ko-KR" altLang="en-US" dirty="0"/>
+          </a:p>
+        </p:txBody>
+      </p:sp>
+      <p:sp>
+        <p:nvSpPr>
+          <p:cNvPr id="9" name="TextBox 8">
+            <a:extLst>
+              <a:ext uri="{FF2B5EF4-FFF2-40B4-BE49-F238E27FC236}">
+                <a16:creationId xmlns:a16="http://schemas.microsoft.com/office/drawing/2014/main" id="{47EA7189-CB39-2D9E-6F12-A810F343384F}"/>
+              </a:ext>
+            </a:extLst>
+          </p:cNvPr>
+          <p:cNvSpPr txBox="1"/>
+          <p:nvPr/>
+        </p:nvSpPr>
+        <p:spPr>
+          <a:xfrm>
+            <a:off x="7486649" y="5216157"/>
+            <a:ext cx="4349750" cy="707886"/>
+          </a:xfrm>
+          <a:prstGeom prst="rect">
+            <a:avLst/>
+          </a:prstGeom>
+          <a:noFill/>
+          <a:ln w="19050">
+            <a:solidFill>
+              <a:schemeClr val="tx1">
+                <a:lumMod val="50000"/>
+                <a:lumOff val="50000"/>
+              </a:schemeClr>
+            </a:solidFill>
+          </a:ln>
+        </p:spPr>
+        <p:txBody>
+          <a:bodyPr wrap="square" rtlCol="0">
+            <a:spAutoFit/>
+          </a:bodyPr>
+          <a:lstStyle/>
+          <a:p>
+            <a:r>
+              <a:rPr lang="ko-KR" altLang="en-US" sz="2000" dirty="0">
+                <a:solidFill>
+                  <a:schemeClr val="bg1">
+                    <a:lumMod val="50000"/>
+                  </a:schemeClr>
+                </a:solidFill>
+                <a:latin typeface="더잠실 2 Light" panose="00000300000000000000" pitchFamily="2" charset="-127"/>
+                <a:ea typeface="더잠실 2 Light" panose="00000300000000000000" pitchFamily="2" charset="-127"/>
+              </a:rPr>
+              <a:t>별표시가 된 </a:t>
+            </a:r>
+            <a:r>
+              <a:rPr lang="ko-KR" altLang="en-US" sz="2000" dirty="0" err="1">
+                <a:solidFill>
+                  <a:schemeClr val="bg1">
+                    <a:lumMod val="50000"/>
+                  </a:schemeClr>
+                </a:solidFill>
+                <a:latin typeface="더잠실 2 Light" panose="00000300000000000000" pitchFamily="2" charset="-127"/>
+                <a:ea typeface="더잠실 2 Light" panose="00000300000000000000" pitchFamily="2" charset="-127"/>
+              </a:rPr>
+              <a:t>회차는</a:t>
+            </a:r>
+            <a:r>
+              <a:rPr lang="ko-KR" altLang="en-US" sz="2000" dirty="0">
+                <a:solidFill>
+                  <a:schemeClr val="bg1">
+                    <a:lumMod val="50000"/>
+                  </a:schemeClr>
+                </a:solidFill>
+                <a:latin typeface="더잠실 2 Light" panose="00000300000000000000" pitchFamily="2" charset="-127"/>
+                <a:ea typeface="더잠실 2 Light" panose="00000300000000000000" pitchFamily="2" charset="-127"/>
+              </a:rPr>
+              <a:t> 이론 강의입니다</a:t>
+            </a:r>
+            <a:r>
+              <a:rPr lang="en-US" altLang="ko-KR" sz="2000" dirty="0">
+                <a:solidFill>
+                  <a:schemeClr val="bg1">
+                    <a:lumMod val="50000"/>
+                  </a:schemeClr>
+                </a:solidFill>
+                <a:latin typeface="더잠실 2 Light" panose="00000300000000000000" pitchFamily="2" charset="-127"/>
+                <a:ea typeface="더잠실 2 Light" panose="00000300000000000000" pitchFamily="2" charset="-127"/>
+              </a:rPr>
+              <a:t>. </a:t>
+            </a:r>
+          </a:p>
+          <a:p>
+            <a:r>
+              <a:rPr lang="en-US" altLang="ko-KR" sz="2000" dirty="0">
+                <a:solidFill>
+                  <a:schemeClr val="bg1">
+                    <a:lumMod val="50000"/>
+                  </a:schemeClr>
+                </a:solidFill>
+                <a:latin typeface="더잠실 2 Light" panose="00000300000000000000" pitchFamily="2" charset="-127"/>
+                <a:ea typeface="더잠실 2 Light" panose="00000300000000000000" pitchFamily="2" charset="-127"/>
+              </a:rPr>
+              <a:t>PS</a:t>
+            </a:r>
+            <a:r>
+              <a:rPr lang="ko-KR" altLang="en-US" sz="2000" dirty="0">
+                <a:solidFill>
+                  <a:schemeClr val="bg1">
+                    <a:lumMod val="50000"/>
+                  </a:schemeClr>
+                </a:solidFill>
+                <a:latin typeface="더잠실 2 Light" panose="00000300000000000000" pitchFamily="2" charset="-127"/>
+                <a:ea typeface="더잠실 2 Light" panose="00000300000000000000" pitchFamily="2" charset="-127"/>
+              </a:rPr>
+              <a:t>가 없는 점을 알립니다</a:t>
+            </a:r>
+            <a:r>
+              <a:rPr lang="en-US" altLang="ko-KR" sz="2000" dirty="0">
+                <a:solidFill>
+                  <a:schemeClr val="bg1">
+                    <a:lumMod val="50000"/>
+                  </a:schemeClr>
+                </a:solidFill>
+                <a:latin typeface="더잠실 2 Light" panose="00000300000000000000" pitchFamily="2" charset="-127"/>
+                <a:ea typeface="더잠실 2 Light" panose="00000300000000000000" pitchFamily="2" charset="-127"/>
+              </a:rPr>
+              <a:t>.</a:t>
+            </a:r>
+          </a:p>
+        </p:txBody>
+      </p:sp>
+    </p:spTree>
+    <p:extLst>
+      <p:ext uri="{BB962C8B-B14F-4D97-AF65-F5344CB8AC3E}">
+        <p14:creationId xmlns:p14="http://schemas.microsoft.com/office/powerpoint/2010/main" val="1884482472"/>
+      </p:ext>
+    </p:extLst>
+  </p:cSld>
+  <p:clrMapOvr>
+    <a:masterClrMapping/>
+  </p:clrMapOvr>
+</p:sld>
+</file>
+
+<file path=ppt/slides/slide5.xml><?xml version="1.0" encoding="utf-8"?>
+<p:sld xmlns:a="http://schemas.openxmlformats.org/drawingml/2006/main" xmlns:r="http://schemas.openxmlformats.org/officeDocument/2006/relationships" xmlns:p="http://schemas.openxmlformats.org/presentationml/2006/main">
+  <p:cSld>
+    <p:spTree>
+      <p:nvGrpSpPr>
+        <p:cNvPr id="1" name=""/>
+        <p:cNvGrpSpPr/>
+        <p:nvPr/>
+      </p:nvGrpSpPr>
+      <p:grpSpPr>
+        <a:xfrm>
+          <a:off x="0" y="0"/>
+          <a:ext cx="0" cy="0"/>
+          <a:chOff x="0" y="0"/>
+          <a:chExt cx="0" cy="0"/>
+        </a:xfrm>
+      </p:grpSpPr>
+      <p:sp>
+        <p:nvSpPr>
+          <p:cNvPr id="2" name="제목 1">
+            <a:extLst>
+              <a:ext uri="{FF2B5EF4-FFF2-40B4-BE49-F238E27FC236}">
+                <a16:creationId xmlns:a16="http://schemas.microsoft.com/office/drawing/2014/main" id="{175BD245-D5F1-5F46-F0A4-A360B3B9D327}"/>
+              </a:ext>
+            </a:extLst>
+          </p:cNvPr>
+          <p:cNvSpPr>
+            <a:spLocks noGrp="1"/>
+          </p:cNvSpPr>
+          <p:nvPr>
+            <p:ph type="title"/>
+          </p:nvPr>
+        </p:nvSpPr>
+        <p:spPr/>
+        <p:txBody>
+          <a:bodyPr/>
+          <a:lstStyle/>
+          <a:p>
+            <a:r>
+              <a:rPr lang="ko-KR" altLang="en-US" dirty="0">
+                <a:latin typeface="더잠실 3 Regular" panose="00000500000000000000" pitchFamily="2" charset="-127"/>
+                <a:ea typeface="더잠실 3 Regular" panose="00000500000000000000" pitchFamily="2" charset="-127"/>
+              </a:rPr>
+              <a:t>추첨 이벤트</a:t>
+            </a:r>
+          </a:p>
+        </p:txBody>
+      </p:sp>
+      <p:sp>
+        <p:nvSpPr>
+          <p:cNvPr id="3" name="내용 개체 틀 2">
+            <a:extLst>
+              <a:ext uri="{FF2B5EF4-FFF2-40B4-BE49-F238E27FC236}">
+                <a16:creationId xmlns:a16="http://schemas.microsoft.com/office/drawing/2014/main" id="{7E40DC4F-DBE2-288B-9D7A-01B3807D238F}"/>
+              </a:ext>
+            </a:extLst>
+          </p:cNvPr>
+          <p:cNvSpPr>
+            <a:spLocks noGrp="1"/>
+          </p:cNvSpPr>
+          <p:nvPr>
+            <p:ph idx="1"/>
+          </p:nvPr>
+        </p:nvSpPr>
+        <p:spPr>
+          <a:xfrm>
+            <a:off x="838200" y="1950747"/>
+            <a:ext cx="10515600" cy="4351338"/>
+          </a:xfrm>
+        </p:spPr>
+        <p:txBody>
+          <a:bodyPr/>
+          <a:lstStyle/>
+          <a:p>
+            <a:pPr marL="0" indent="0" algn="ctr">
+              <a:buNone/>
+            </a:pPr>
+            <a:r>
+              <a:rPr lang="ko-KR" altLang="en-US" sz="3200" dirty="0">
+                <a:latin typeface="더잠실 3 Regular" panose="00000500000000000000" pitchFamily="2" charset="-127"/>
+                <a:ea typeface="더잠실 3 Regular" panose="00000500000000000000" pitchFamily="2" charset="-127"/>
+              </a:rPr>
+              <a:t>이벤트 참여 조건 </a:t>
+            </a:r>
+            <a:endParaRPr lang="en-US" altLang="ko-KR" dirty="0">
+              <a:latin typeface="더잠실 3 Regular" panose="00000500000000000000" pitchFamily="2" charset="-127"/>
+              <a:ea typeface="더잠실 3 Regular" panose="00000500000000000000" pitchFamily="2" charset="-127"/>
+            </a:endParaRPr>
+          </a:p>
+          <a:p>
+            <a:pPr marL="0" indent="0" algn="ctr">
+              <a:buNone/>
+            </a:pPr>
+            <a:r>
+              <a:rPr lang="en-US" altLang="ko-KR" dirty="0">
+                <a:latin typeface="더잠실 2 Light" panose="00000300000000000000" pitchFamily="2" charset="-127"/>
+                <a:ea typeface="더잠실 2 Light" panose="00000300000000000000" pitchFamily="2" charset="-127"/>
+              </a:rPr>
+              <a:t>1. </a:t>
+            </a:r>
+            <a:r>
+              <a:rPr lang="ko-KR" altLang="en-US" dirty="0">
+                <a:latin typeface="더잠실 2 Light" panose="00000300000000000000" pitchFamily="2" charset="-127"/>
+                <a:ea typeface="더잠실 2 Light" panose="00000300000000000000" pitchFamily="2" charset="-127"/>
+              </a:rPr>
+              <a:t>해당학기 </a:t>
+            </a:r>
+            <a:r>
+              <a:rPr lang="en-US" altLang="ko-KR" dirty="0">
+                <a:highlight>
+                  <a:srgbClr val="FFFF00"/>
+                </a:highlight>
+                <a:latin typeface="더잠실 2 Light" panose="00000300000000000000" pitchFamily="2" charset="-127"/>
+                <a:ea typeface="더잠실 2 Light" panose="00000300000000000000" pitchFamily="2" charset="-127"/>
+              </a:rPr>
+              <a:t>2</a:t>
+            </a:r>
+            <a:r>
+              <a:rPr lang="ko-KR" altLang="en-US" dirty="0">
+                <a:highlight>
+                  <a:srgbClr val="FFFF00"/>
+                </a:highlight>
+                <a:latin typeface="더잠실 2 Light" panose="00000300000000000000" pitchFamily="2" charset="-127"/>
+                <a:ea typeface="더잠실 2 Light" panose="00000300000000000000" pitchFamily="2" charset="-127"/>
+              </a:rPr>
+              <a:t>회</a:t>
+            </a:r>
+            <a:r>
+              <a:rPr lang="ko-KR" altLang="en-US" dirty="0">
+                <a:latin typeface="더잠실 2 Light" panose="00000300000000000000" pitchFamily="2" charset="-127"/>
+                <a:ea typeface="더잠실 2 Light" panose="00000300000000000000" pitchFamily="2" charset="-127"/>
+              </a:rPr>
+              <a:t> 이상 활동 참여자 </a:t>
+            </a:r>
+            <a:endParaRPr lang="en-US" altLang="ko-KR" dirty="0">
+              <a:latin typeface="더잠실 2 Light" panose="00000300000000000000" pitchFamily="2" charset="-127"/>
+              <a:ea typeface="더잠실 2 Light" panose="00000300000000000000" pitchFamily="2" charset="-127"/>
+            </a:endParaRPr>
+          </a:p>
+          <a:p>
+            <a:pPr marL="0" indent="0" algn="ctr">
+              <a:buNone/>
+            </a:pPr>
+            <a:r>
+              <a:rPr lang="en-US" altLang="ko-KR" dirty="0">
+                <a:latin typeface="더잠실 2 Light" panose="00000300000000000000" pitchFamily="2" charset="-127"/>
+                <a:ea typeface="더잠실 2 Light" panose="00000300000000000000" pitchFamily="2" charset="-127"/>
+              </a:rPr>
+              <a:t>2. </a:t>
+            </a:r>
+            <a:r>
+              <a:rPr lang="ko-KR" altLang="en-US" dirty="0" err="1">
+                <a:latin typeface="더잠실 2 Light" panose="00000300000000000000" pitchFamily="2" charset="-127"/>
+                <a:ea typeface="더잠실 2 Light" panose="00000300000000000000" pitchFamily="2" charset="-127"/>
+              </a:rPr>
+              <a:t>학회비</a:t>
+            </a:r>
+            <a:r>
+              <a:rPr lang="ko-KR" altLang="en-US" dirty="0">
+                <a:latin typeface="더잠실 2 Light" panose="00000300000000000000" pitchFamily="2" charset="-127"/>
+                <a:ea typeface="더잠실 2 Light" panose="00000300000000000000" pitchFamily="2" charset="-127"/>
+              </a:rPr>
+              <a:t> 납부자</a:t>
+            </a:r>
+            <a:endParaRPr lang="en-US" altLang="ko-KR" dirty="0">
+              <a:latin typeface="더잠실 2 Light" panose="00000300000000000000" pitchFamily="2" charset="-127"/>
+              <a:ea typeface="더잠실 2 Light" panose="00000300000000000000" pitchFamily="2" charset="-127"/>
+            </a:endParaRPr>
+          </a:p>
+          <a:p>
+            <a:pPr marL="0" indent="0" algn="ctr">
+              <a:buNone/>
+            </a:pPr>
+            <a:endParaRPr lang="en-US" altLang="ko-KR" dirty="0"/>
+          </a:p>
+          <a:p>
+            <a:pPr marL="0" indent="0" algn="ctr">
+              <a:buNone/>
+            </a:pPr>
+            <a:r>
+              <a:rPr lang="ko-KR" altLang="en-US" dirty="0" err="1">
+                <a:latin typeface="더잠실 2 Light" panose="00000300000000000000" pitchFamily="2" charset="-127"/>
+                <a:ea typeface="더잠실 2 Light" panose="00000300000000000000" pitchFamily="2" charset="-127"/>
+              </a:rPr>
+              <a:t>대즐</a:t>
+            </a:r>
+            <a:r>
+              <a:rPr lang="ko-KR" altLang="en-US" dirty="0">
+                <a:latin typeface="더잠실 2 Light" panose="00000300000000000000" pitchFamily="2" charset="-127"/>
+                <a:ea typeface="더잠실 2 Light" panose="00000300000000000000" pitchFamily="2" charset="-127"/>
+              </a:rPr>
+              <a:t> 쿠폰</a:t>
+            </a:r>
+            <a:r>
+              <a:rPr lang="en-US" altLang="ko-KR" dirty="0">
+                <a:latin typeface="더잠실 2 Light" panose="00000300000000000000" pitchFamily="2" charset="-127"/>
+                <a:ea typeface="더잠실 2 Light" panose="00000300000000000000" pitchFamily="2" charset="-127"/>
+              </a:rPr>
+              <a:t>, </a:t>
+            </a:r>
+            <a:r>
+              <a:rPr lang="ko-KR" altLang="en-US" dirty="0">
+                <a:latin typeface="더잠실 2 Light" panose="00000300000000000000" pitchFamily="2" charset="-127"/>
+                <a:ea typeface="더잠실 2 Light" panose="00000300000000000000" pitchFamily="2" charset="-127"/>
+              </a:rPr>
+              <a:t>학용품 등으로 </a:t>
+            </a:r>
+            <a:r>
+              <a:rPr lang="en-US" altLang="ko-KR" dirty="0">
+                <a:latin typeface="더잠실 2 Light" panose="00000300000000000000" pitchFamily="2" charset="-127"/>
+                <a:ea typeface="더잠실 2 Light" panose="00000300000000000000" pitchFamily="2" charset="-127"/>
+              </a:rPr>
+              <a:t>10</a:t>
+            </a:r>
+            <a:r>
+              <a:rPr lang="ko-KR" altLang="en-US" dirty="0">
+                <a:latin typeface="더잠실 2 Light" panose="00000300000000000000" pitchFamily="2" charset="-127"/>
+                <a:ea typeface="더잠실 2 Light" panose="00000300000000000000" pitchFamily="2" charset="-127"/>
+              </a:rPr>
+              <a:t>명이상은 받을 수 있도록</a:t>
+            </a:r>
+            <a:endParaRPr lang="en-US" altLang="ko-KR" dirty="0">
+              <a:latin typeface="더잠실 2 Light" panose="00000300000000000000" pitchFamily="2" charset="-127"/>
+              <a:ea typeface="더잠실 2 Light" panose="00000300000000000000" pitchFamily="2" charset="-127"/>
+            </a:endParaRPr>
+          </a:p>
+          <a:p>
+            <a:pPr marL="0" indent="0" algn="ctr">
+              <a:buNone/>
+            </a:pPr>
+            <a:r>
+              <a:rPr lang="ko-KR" altLang="en-US" dirty="0">
+                <a:latin typeface="더잠실 2 Light" panose="00000300000000000000" pitchFamily="2" charset="-127"/>
+                <a:ea typeface="더잠실 2 Light" panose="00000300000000000000" pitchFamily="2" charset="-127"/>
+              </a:rPr>
+              <a:t>준비할 예정입니다</a:t>
+            </a:r>
+            <a:r>
+              <a:rPr lang="en-US" altLang="ko-KR" dirty="0"/>
+              <a:t>.</a:t>
+            </a:r>
+            <a:r>
+              <a:rPr lang="ko-KR" altLang="en-US" dirty="0"/>
+              <a:t> </a:t>
+            </a:r>
+          </a:p>
+        </p:txBody>
+      </p:sp>
+    </p:spTree>
+    <p:extLst>
+      <p:ext uri="{BB962C8B-B14F-4D97-AF65-F5344CB8AC3E}">
+        <p14:creationId xmlns:p14="http://schemas.microsoft.com/office/powerpoint/2010/main" val="1916907822"/>
+      </p:ext>
+    </p:extLst>
+  </p:cSld>
+  <p:clrMapOvr>
+    <a:masterClrMapping/>
+  </p:clrMapOvr>
+</p:sld>
+</file>
+
+<file path=ppt/slides/slide6.xml><?xml version="1.0" encoding="utf-8"?>
+<p:sld xmlns:a="http://schemas.openxmlformats.org/drawingml/2006/main" xmlns:r="http://schemas.openxmlformats.org/officeDocument/2006/relationships" xmlns:p="http://schemas.openxmlformats.org/presentationml/2006/main">
+  <p:cSld>
+    <p:spTree>
+      <p:nvGrpSpPr>
+        <p:cNvPr id="1" name=""/>
+        <p:cNvGrpSpPr/>
+        <p:nvPr/>
+      </p:nvGrpSpPr>
+      <p:grpSpPr>
+        <a:xfrm>
+          <a:off x="0" y="0"/>
+          <a:ext cx="0" cy="0"/>
+          <a:chOff x="0" y="0"/>
+          <a:chExt cx="0" cy="0"/>
+        </a:xfrm>
+      </p:grpSpPr>
+      <p:sp>
+        <p:nvSpPr>
+          <p:cNvPr id="2" name="제목 1">
+            <a:extLst>
+              <a:ext uri="{FF2B5EF4-FFF2-40B4-BE49-F238E27FC236}">
+                <a16:creationId xmlns:a16="http://schemas.microsoft.com/office/drawing/2014/main" id="{175BD245-D5F1-5F46-F0A4-A360B3B9D327}"/>
+              </a:ext>
+            </a:extLst>
+          </p:cNvPr>
+          <p:cNvSpPr>
+            <a:spLocks noGrp="1"/>
+          </p:cNvSpPr>
+          <p:nvPr>
+            <p:ph type="title"/>
+          </p:nvPr>
+        </p:nvSpPr>
+        <p:spPr/>
+        <p:txBody>
+          <a:bodyPr/>
+          <a:lstStyle/>
+          <a:p>
+            <a:r>
+              <a:rPr lang="ko-KR" altLang="en-US" dirty="0" err="1">
+                <a:latin typeface="더잠실 3 Regular" panose="00000500000000000000" pitchFamily="2" charset="-127"/>
+                <a:ea typeface="더잠실 3 Regular" panose="00000500000000000000" pitchFamily="2" charset="-127"/>
+              </a:rPr>
+              <a:t>비정기</a:t>
+            </a:r>
+            <a:r>
+              <a:rPr lang="ko-KR" altLang="en-US" dirty="0">
+                <a:latin typeface="더잠실 3 Regular" panose="00000500000000000000" pitchFamily="2" charset="-127"/>
+                <a:ea typeface="더잠실 3 Regular" panose="00000500000000000000" pitchFamily="2" charset="-127"/>
+              </a:rPr>
+              <a:t> 이벤트</a:t>
+            </a:r>
+          </a:p>
+        </p:txBody>
+      </p:sp>
+      <p:sp>
+        <p:nvSpPr>
+          <p:cNvPr id="3" name="내용 개체 틀 2">
+            <a:extLst>
+              <a:ext uri="{FF2B5EF4-FFF2-40B4-BE49-F238E27FC236}">
+                <a16:creationId xmlns:a16="http://schemas.microsoft.com/office/drawing/2014/main" id="{7E40DC4F-DBE2-288B-9D7A-01B3807D238F}"/>
+              </a:ext>
+            </a:extLst>
+          </p:cNvPr>
+          <p:cNvSpPr>
+            <a:spLocks noGrp="1"/>
+          </p:cNvSpPr>
+          <p:nvPr>
+            <p:ph idx="1"/>
+          </p:nvPr>
+        </p:nvSpPr>
+        <p:spPr>
+          <a:xfrm>
+            <a:off x="838200" y="1950747"/>
+            <a:ext cx="10515600" cy="4351338"/>
+          </a:xfrm>
+        </p:spPr>
+        <p:txBody>
+          <a:bodyPr/>
+          <a:lstStyle/>
+          <a:p>
+            <a:pPr marL="0" indent="0" algn="ctr">
+              <a:buNone/>
+            </a:pPr>
+            <a:endParaRPr lang="en-US" altLang="ko-KR" dirty="0">
+              <a:latin typeface="더잠실 2 Light" panose="00000300000000000000" pitchFamily="2" charset="-127"/>
+              <a:ea typeface="더잠실 2 Light" panose="00000300000000000000" pitchFamily="2" charset="-127"/>
+            </a:endParaRPr>
+          </a:p>
+          <a:p>
+            <a:pPr marL="0" indent="0" algn="ctr">
+              <a:buNone/>
+            </a:pPr>
+            <a:r>
+              <a:rPr lang="ko-KR" altLang="en-US" dirty="0">
+                <a:latin typeface="더잠실 2 Light" panose="00000300000000000000" pitchFamily="2" charset="-127"/>
+                <a:ea typeface="더잠실 2 Light" panose="00000300000000000000" pitchFamily="2" charset="-127"/>
+              </a:rPr>
+              <a:t>활동에 꾸준히 참여하시거나</a:t>
+            </a:r>
+            <a:endParaRPr lang="en-US" altLang="ko-KR" dirty="0">
+              <a:latin typeface="더잠실 2 Light" panose="00000300000000000000" pitchFamily="2" charset="-127"/>
+              <a:ea typeface="더잠실 2 Light" panose="00000300000000000000" pitchFamily="2" charset="-127"/>
+            </a:endParaRPr>
+          </a:p>
+          <a:p>
+            <a:pPr marL="0" indent="0" algn="ctr">
+              <a:buNone/>
+            </a:pPr>
+            <a:endParaRPr lang="en-US" altLang="ko-KR" dirty="0">
+              <a:latin typeface="더잠실 2 Light" panose="00000300000000000000" pitchFamily="2" charset="-127"/>
+              <a:ea typeface="더잠실 2 Light" panose="00000300000000000000" pitchFamily="2" charset="-127"/>
+            </a:endParaRPr>
+          </a:p>
+          <a:p>
+            <a:pPr marL="0" indent="0" algn="ctr">
+              <a:buNone/>
+            </a:pPr>
+            <a:r>
+              <a:rPr lang="ko-KR" altLang="en-US" dirty="0">
+                <a:latin typeface="더잠실 2 Light" panose="00000300000000000000" pitchFamily="2" charset="-127"/>
+                <a:ea typeface="더잠실 2 Light" panose="00000300000000000000" pitchFamily="2" charset="-127"/>
+              </a:rPr>
+              <a:t>제가 내는 과제를 해결하시는 분들에게는</a:t>
+            </a:r>
+            <a:endParaRPr lang="en-US" altLang="ko-KR" dirty="0">
+              <a:latin typeface="더잠실 2 Light" panose="00000300000000000000" pitchFamily="2" charset="-127"/>
+              <a:ea typeface="더잠실 2 Light" panose="00000300000000000000" pitchFamily="2" charset="-127"/>
+            </a:endParaRPr>
+          </a:p>
+          <a:p>
+            <a:pPr marL="0" indent="0" algn="ctr">
+              <a:buNone/>
+            </a:pPr>
+            <a:endParaRPr lang="en-US" altLang="ko-KR" dirty="0">
+              <a:latin typeface="더잠실 2 Light" panose="00000300000000000000" pitchFamily="2" charset="-127"/>
+              <a:ea typeface="더잠실 2 Light" panose="00000300000000000000" pitchFamily="2" charset="-127"/>
+            </a:endParaRPr>
+          </a:p>
+          <a:p>
+            <a:pPr marL="0" indent="0" algn="ctr">
+              <a:buNone/>
+            </a:pPr>
+            <a:r>
+              <a:rPr lang="ko-KR" altLang="en-US" dirty="0">
+                <a:latin typeface="더잠실 2 Light" panose="00000300000000000000" pitchFamily="2" charset="-127"/>
+                <a:ea typeface="더잠실 2 Light" panose="00000300000000000000" pitchFamily="2" charset="-127"/>
+              </a:rPr>
+              <a:t>작은 보상이 있을지도</a:t>
+            </a:r>
+            <a:r>
+              <a:rPr lang="en-US" altLang="ko-KR" dirty="0">
+                <a:latin typeface="더잠실 2 Light" panose="00000300000000000000" pitchFamily="2" charset="-127"/>
+                <a:ea typeface="더잠실 2 Light" panose="00000300000000000000" pitchFamily="2" charset="-127"/>
+              </a:rPr>
+              <a:t>?</a:t>
+            </a:r>
+          </a:p>
+          <a:p>
+            <a:pPr marL="0" indent="0" algn="ctr">
+              <a:buNone/>
+            </a:pPr>
+            <a:endParaRPr lang="en-US" altLang="ko-KR" dirty="0">
+              <a:latin typeface="더잠실 2 Light" panose="00000300000000000000" pitchFamily="2" charset="-127"/>
+              <a:ea typeface="더잠실 2 Light" panose="00000300000000000000" pitchFamily="2" charset="-127"/>
+            </a:endParaRPr>
+          </a:p>
+        </p:txBody>
+      </p:sp>
+    </p:spTree>
+    <p:extLst>
+      <p:ext uri="{BB962C8B-B14F-4D97-AF65-F5344CB8AC3E}">
+        <p14:creationId xmlns:p14="http://schemas.microsoft.com/office/powerpoint/2010/main" val="1105974102"/>
+      </p:ext>
+    </p:extLst>
+  </p:cSld>
+  <p:clrMapOvr>
+    <a:masterClrMapping/>
+  </p:clrMapOvr>
+</p:sld>
+</file>
+
+<file path=ppt/slides/slide7.xml><?xml version="1.0" encoding="utf-8"?>
+<p:sld xmlns:a="http://schemas.openxmlformats.org/drawingml/2006/main" xmlns:r="http://schemas.openxmlformats.org/officeDocument/2006/relationships" xmlns:p="http://schemas.openxmlformats.org/presentationml/2006/main">
+  <p:cSld>
+    <p:spTree>
+      <p:nvGrpSpPr>
+        <p:cNvPr id="1" name=""/>
+        <p:cNvGrpSpPr/>
+        <p:nvPr/>
+      </p:nvGrpSpPr>
+      <p:grpSpPr>
+        <a:xfrm>
+          <a:off x="0" y="0"/>
+          <a:ext cx="0" cy="0"/>
+          <a:chOff x="0" y="0"/>
+          <a:chExt cx="0" cy="0"/>
+        </a:xfrm>
+      </p:grpSpPr>
+      <p:sp>
+        <p:nvSpPr>
+          <p:cNvPr id="2" name="제목 1">
+            <a:extLst>
+              <a:ext uri="{FF2B5EF4-FFF2-40B4-BE49-F238E27FC236}">
+                <a16:creationId xmlns:a16="http://schemas.microsoft.com/office/drawing/2014/main" id="{8841F2F6-5B87-F025-B3BE-DAA5B02CE68D}"/>
+              </a:ext>
+            </a:extLst>
+          </p:cNvPr>
+          <p:cNvSpPr>
+            <a:spLocks noGrp="1"/>
+          </p:cNvSpPr>
+          <p:nvPr>
+            <p:ph type="title"/>
+          </p:nvPr>
+        </p:nvSpPr>
+        <p:spPr/>
+        <p:txBody>
+          <a:bodyPr/>
+          <a:lstStyle/>
+          <a:p>
+            <a:r>
+              <a:rPr lang="ko-KR" altLang="en-US" dirty="0">
+                <a:latin typeface="더잠실 3 Regular" panose="00000500000000000000" pitchFamily="2" charset="-127"/>
+                <a:ea typeface="더잠실 3 Regular" panose="00000500000000000000" pitchFamily="2" charset="-127"/>
+              </a:rPr>
+              <a:t>씨앗 운영방침</a:t>
+            </a:r>
+          </a:p>
+        </p:txBody>
+      </p:sp>
+      <p:sp>
+        <p:nvSpPr>
+          <p:cNvPr id="3" name="내용 개체 틀 2">
+            <a:extLst>
+              <a:ext uri="{FF2B5EF4-FFF2-40B4-BE49-F238E27FC236}">
+                <a16:creationId xmlns:a16="http://schemas.microsoft.com/office/drawing/2014/main" id="{321307AA-8F39-6DBD-0BB1-200511A1EE40}"/>
+              </a:ext>
+            </a:extLst>
+          </p:cNvPr>
+          <p:cNvSpPr>
+            <a:spLocks noGrp="1"/>
+          </p:cNvSpPr>
+          <p:nvPr>
+            <p:ph idx="1"/>
+          </p:nvPr>
+        </p:nvSpPr>
+        <p:spPr/>
+        <p:txBody>
+          <a:bodyPr>
+            <a:normAutofit/>
+          </a:bodyPr>
+          <a:lstStyle/>
+          <a:p>
+            <a:pPr marL="0" indent="0">
+              <a:buNone/>
+            </a:pPr>
+            <a:r>
+              <a:rPr lang="ko-KR" altLang="en-US" dirty="0">
+                <a:latin typeface="더잠실 2 Light" panose="00000300000000000000" pitchFamily="2" charset="-127"/>
+                <a:ea typeface="더잠실 2 Light" panose="00000300000000000000" pitchFamily="2" charset="-127"/>
+              </a:rPr>
+              <a:t>개인적인 질문이나</a:t>
+            </a:r>
+            <a:r>
+              <a:rPr lang="en-US" altLang="ko-KR" dirty="0">
+                <a:latin typeface="더잠실 2 Light" panose="00000300000000000000" pitchFamily="2" charset="-127"/>
+                <a:ea typeface="더잠실 2 Light" panose="00000300000000000000" pitchFamily="2" charset="-127"/>
+              </a:rPr>
+              <a:t>, </a:t>
+            </a:r>
+            <a:r>
+              <a:rPr lang="ko-KR" altLang="en-US" dirty="0">
+                <a:latin typeface="더잠실 2 Light" panose="00000300000000000000" pitchFamily="2" charset="-127"/>
+                <a:ea typeface="더잠실 2 Light" panose="00000300000000000000" pitchFamily="2" charset="-127"/>
+              </a:rPr>
+              <a:t>과제가 어렵다</a:t>
+            </a:r>
+            <a:r>
+              <a:rPr lang="en-US" altLang="ko-KR" dirty="0">
+                <a:latin typeface="더잠실 2 Light" panose="00000300000000000000" pitchFamily="2" charset="-127"/>
+                <a:ea typeface="더잠실 2 Light" panose="00000300000000000000" pitchFamily="2" charset="-127"/>
+              </a:rPr>
+              <a:t>, </a:t>
+            </a:r>
+            <a:r>
+              <a:rPr lang="ko-KR" altLang="en-US" dirty="0">
+                <a:latin typeface="더잠실 2 Light" panose="00000300000000000000" pitchFamily="2" charset="-127"/>
+                <a:ea typeface="더잠실 2 Light" panose="00000300000000000000" pitchFamily="2" charset="-127"/>
+              </a:rPr>
+              <a:t>고민이 있다 등등</a:t>
+            </a:r>
+            <a:endParaRPr lang="en-US" altLang="ko-KR" dirty="0">
+              <a:latin typeface="더잠실 2 Light" panose="00000300000000000000" pitchFamily="2" charset="-127"/>
+              <a:ea typeface="더잠실 2 Light" panose="00000300000000000000" pitchFamily="2" charset="-127"/>
+            </a:endParaRPr>
+          </a:p>
+          <a:p>
+            <a:pPr marL="0" indent="0">
+              <a:buNone/>
+            </a:pPr>
+            <a:r>
+              <a:rPr lang="ko-KR" altLang="en-US" dirty="0">
+                <a:latin typeface="더잠실 2 Light" panose="00000300000000000000" pitchFamily="2" charset="-127"/>
+                <a:ea typeface="더잠실 2 Light" panose="00000300000000000000" pitchFamily="2" charset="-127"/>
+              </a:rPr>
+              <a:t>도움이 필요하다면 언제든 연락을 주셔도 괜찮습니다</a:t>
+            </a:r>
+            <a:r>
+              <a:rPr lang="en-US" altLang="ko-KR" dirty="0">
+                <a:latin typeface="더잠실 2 Light" panose="00000300000000000000" pitchFamily="2" charset="-127"/>
+                <a:ea typeface="더잠실 2 Light" panose="00000300000000000000" pitchFamily="2" charset="-127"/>
+              </a:rPr>
+              <a:t>.</a:t>
+            </a:r>
+          </a:p>
+          <a:p>
+            <a:pPr marL="0" indent="0">
+              <a:buNone/>
+            </a:pPr>
+            <a:r>
+              <a:rPr lang="ko-KR" altLang="en-US" dirty="0">
+                <a:latin typeface="더잠실 2 Light" panose="00000300000000000000" pitchFamily="2" charset="-127"/>
+                <a:ea typeface="더잠실 2 Light" panose="00000300000000000000" pitchFamily="2" charset="-127"/>
+              </a:rPr>
+              <a:t>제가 모르는 것이라도 함께 찾아보기라도 하겠습니다</a:t>
+            </a:r>
+            <a:r>
+              <a:rPr lang="en-US" altLang="ko-KR" dirty="0">
+                <a:latin typeface="더잠실 2 Light" panose="00000300000000000000" pitchFamily="2" charset="-127"/>
+                <a:ea typeface="더잠실 2 Light" panose="00000300000000000000" pitchFamily="2" charset="-127"/>
+              </a:rPr>
+              <a:t>.</a:t>
+            </a:r>
+          </a:p>
+          <a:p>
+            <a:pPr marL="0" indent="0">
+              <a:buNone/>
+            </a:pPr>
+            <a:endParaRPr lang="en-US" altLang="ko-KR" dirty="0">
+              <a:latin typeface="더잠실 2 Light" panose="00000300000000000000" pitchFamily="2" charset="-127"/>
+              <a:ea typeface="더잠실 2 Light" panose="00000300000000000000" pitchFamily="2" charset="-127"/>
+            </a:endParaRPr>
+          </a:p>
+          <a:p>
+            <a:pPr marL="0" indent="0">
+              <a:buNone/>
+            </a:pPr>
+            <a:r>
+              <a:rPr lang="ko-KR" altLang="en-US" dirty="0">
+                <a:latin typeface="더잠실 2 Light" panose="00000300000000000000" pitchFamily="2" charset="-127"/>
+                <a:ea typeface="더잠실 2 Light" panose="00000300000000000000" pitchFamily="2" charset="-127"/>
+              </a:rPr>
+              <a:t>하지만 해결해보려는 노력도 없이 개인 과제를 통째로 </a:t>
+            </a:r>
+            <a:r>
+              <a:rPr lang="ko-KR" altLang="en-US" dirty="0" err="1">
+                <a:latin typeface="더잠실 2 Light" panose="00000300000000000000" pitchFamily="2" charset="-127"/>
+                <a:ea typeface="더잠실 2 Light" panose="00000300000000000000" pitchFamily="2" charset="-127"/>
+              </a:rPr>
+              <a:t>가져온신다거나</a:t>
+            </a:r>
+            <a:endParaRPr lang="en-US" altLang="ko-KR" dirty="0">
+              <a:latin typeface="더잠실 2 Light" panose="00000300000000000000" pitchFamily="2" charset="-127"/>
+              <a:ea typeface="더잠실 2 Light" panose="00000300000000000000" pitchFamily="2" charset="-127"/>
+            </a:endParaRPr>
+          </a:p>
+          <a:p>
+            <a:pPr marL="0" indent="0">
+              <a:buNone/>
+            </a:pPr>
+            <a:r>
+              <a:rPr lang="ko-KR" altLang="en-US" dirty="0">
+                <a:latin typeface="더잠실 2 Light" panose="00000300000000000000" pitchFamily="2" charset="-127"/>
+                <a:ea typeface="더잠실 2 Light" panose="00000300000000000000" pitchFamily="2" charset="-127"/>
+              </a:rPr>
+              <a:t>기본적인 매너를 지키지 않는 분들은 분명히 거절합니다</a:t>
+            </a:r>
+            <a:r>
+              <a:rPr lang="en-US" altLang="ko-KR" dirty="0">
+                <a:latin typeface="더잠실 2 Light" panose="00000300000000000000" pitchFamily="2" charset="-127"/>
+                <a:ea typeface="더잠실 2 Light" panose="00000300000000000000" pitchFamily="2" charset="-127"/>
+              </a:rPr>
+              <a:t>.</a:t>
+            </a:r>
+          </a:p>
+          <a:p>
+            <a:pPr marL="0" indent="0">
+              <a:buNone/>
+            </a:pPr>
+            <a:endParaRPr lang="en-US" altLang="ko-KR" dirty="0">
+              <a:latin typeface="더잠실 2 Light" panose="00000300000000000000" pitchFamily="2" charset="-127"/>
+              <a:ea typeface="더잠실 2 Light" panose="00000300000000000000" pitchFamily="2" charset="-127"/>
+            </a:endParaRPr>
+          </a:p>
+        </p:txBody>
+      </p:sp>
+    </p:spTree>
+    <p:extLst>
+      <p:ext uri="{BB962C8B-B14F-4D97-AF65-F5344CB8AC3E}">
+        <p14:creationId xmlns:p14="http://schemas.microsoft.com/office/powerpoint/2010/main" val="230618513"/>
+      </p:ext>
+    </p:extLst>
+  </p:cSld>
+  <p:clrMapOvr>
+    <a:masterClrMapping/>
+  </p:clrMapOvr>
+</p:sld>
+</file>
+
 <file path=ppt/slides/slide8.xml><?xml version="1.0" encoding="utf-8"?>
 <p:sld xmlns:a="http://schemas.openxmlformats.org/drawingml/2006/main" xmlns:r="http://schemas.openxmlformats.org/officeDocument/2006/relationships" xmlns:p="http://schemas.openxmlformats.org/presentationml/2006/main">
   <p:cSld>
@@ -6975,7 +6940,7 @@
           <p:cNvPr id="2" name="제목 1">
             <a:extLst>
               <a:ext uri="{FF2B5EF4-FFF2-40B4-BE49-F238E27FC236}">
-                <a16:creationId xmlns:a16="http://schemas.microsoft.com/office/drawing/2014/main" id="{8841F2F6-5B87-F025-B3BE-DAA5B02CE68D}"/>
+                <a16:creationId xmlns:a16="http://schemas.microsoft.com/office/drawing/2014/main" id="{C2A2AD5A-4065-EE82-3A7A-ABD565FEDCDF}"/>
               </a:ext>
             </a:extLst>
           </p:cNvPr>
@@ -6992,12 +6957,16 @@
           <a:lstStyle/>
           <a:p>
             <a:r>
-              <a:rPr lang="ko-KR" altLang="en-US" dirty="0">
+              <a:rPr lang="en-US" altLang="ko-KR" dirty="0">
                 <a:latin typeface="더잠실 3 Regular" panose="00000500000000000000" pitchFamily="2" charset="-127"/>
                 <a:ea typeface="더잠실 3 Regular" panose="00000500000000000000" pitchFamily="2" charset="-127"/>
               </a:rPr>
-              <a:t>씨앗 운영방침</a:t>
-            </a:r>
+              <a:t>Notice</a:t>
+            </a:r>
+            <a:endParaRPr lang="ko-KR" altLang="en-US" dirty="0">
+              <a:latin typeface="더잠실 3 Regular" panose="00000500000000000000" pitchFamily="2" charset="-127"/>
+              <a:ea typeface="더잠실 3 Regular" panose="00000500000000000000" pitchFamily="2" charset="-127"/>
+            </a:endParaRPr>
           </a:p>
         </p:txBody>
       </p:sp>
@@ -7006,7 +6975,7 @@
           <p:cNvPr id="3" name="내용 개체 틀 2">
             <a:extLst>
               <a:ext uri="{FF2B5EF4-FFF2-40B4-BE49-F238E27FC236}">
-                <a16:creationId xmlns:a16="http://schemas.microsoft.com/office/drawing/2014/main" id="{321307AA-8F39-6DBD-0BB1-200511A1EE40}"/>
+                <a16:creationId xmlns:a16="http://schemas.microsoft.com/office/drawing/2014/main" id="{5DA8A80C-C112-79FB-DA31-210FC24CF998}"/>
               </a:ext>
             </a:extLst>
           </p:cNvPr>
@@ -7017,64 +6986,105 @@
             <p:ph idx="1"/>
           </p:nvPr>
         </p:nvSpPr>
-        <p:spPr/>
+        <p:spPr>
+          <a:xfrm>
+            <a:off x="838200" y="1825625"/>
+            <a:ext cx="9924875" cy="4351338"/>
+          </a:xfrm>
+        </p:spPr>
         <p:txBody>
           <a:bodyPr>
             <a:normAutofit lnSpcReduction="10000"/>
           </a:bodyPr>
           <a:lstStyle/>
           <a:p>
-            <a:pPr marL="0" indent="0">
-              <a:buNone/>
+            <a:pPr marL="514350" indent="-514350">
+              <a:buAutoNum type="arabicPeriod"/>
             </a:pPr>
             <a:r>
               <a:rPr lang="ko-KR" altLang="en-US" dirty="0">
                 <a:latin typeface="더잠실 2 Light" panose="00000300000000000000" pitchFamily="2" charset="-127"/>
                 <a:ea typeface="더잠실 2 Light" panose="00000300000000000000" pitchFamily="2" charset="-127"/>
               </a:rPr>
-              <a:t>제가 </a:t>
+              <a:t>소모임 활동</a:t>
             </a:r>
             <a:r>
               <a:rPr lang="en-US" altLang="ko-KR" dirty="0">
                 <a:latin typeface="더잠실 2 Light" panose="00000300000000000000" pitchFamily="2" charset="-127"/>
                 <a:ea typeface="더잠실 2 Light" panose="00000300000000000000" pitchFamily="2" charset="-127"/>
               </a:rPr>
-              <a:t>1,2</a:t>
-            </a:r>
-            <a:r>
-              <a:rPr lang="ko-KR" altLang="en-US" dirty="0">
-                <a:latin typeface="더잠실 2 Light" panose="00000300000000000000" pitchFamily="2" charset="-127"/>
-                <a:ea typeface="더잠실 2 Light" panose="00000300000000000000" pitchFamily="2" charset="-127"/>
-              </a:rPr>
-              <a:t>학년 때 느꼈던 어려움을 똑같이 느끼실 학우분들에게</a:t>
-            </a:r>
-            <a:endParaRPr lang="en-US" altLang="ko-KR" dirty="0">
-              <a:latin typeface="더잠실 2 Light" panose="00000300000000000000" pitchFamily="2" charset="-127"/>
-              <a:ea typeface="더잠실 2 Light" panose="00000300000000000000" pitchFamily="2" charset="-127"/>
-            </a:endParaRPr>
-          </a:p>
-          <a:p>
-            <a:pPr marL="0" indent="0">
-              <a:buNone/>
-            </a:pPr>
-            <a:r>
-              <a:rPr lang="ko-KR" altLang="en-US" dirty="0">
-                <a:latin typeface="더잠실 2 Light" panose="00000300000000000000" pitchFamily="2" charset="-127"/>
-                <a:ea typeface="더잠실 2 Light" panose="00000300000000000000" pitchFamily="2" charset="-127"/>
-              </a:rPr>
-              <a:t>도움을 드리기 위해 열심히 준비하고 활동하고 있습니다</a:t>
+              <a:t>, </a:t>
+            </a:r>
+            <a:r>
+              <a:rPr lang="ko-KR" altLang="en-US" dirty="0">
+                <a:latin typeface="더잠실 2 Light" panose="00000300000000000000" pitchFamily="2" charset="-127"/>
+                <a:ea typeface="더잠실 2 Light" panose="00000300000000000000" pitchFamily="2" charset="-127"/>
+              </a:rPr>
+              <a:t>운영에 대한 모든 공지와 대회 정보 공유 등은          </a:t>
+            </a:r>
+            <a:r>
+              <a:rPr lang="ko-KR" altLang="en-US" dirty="0" err="1">
+                <a:highlight>
+                  <a:srgbClr val="FFFF00"/>
+                </a:highlight>
+                <a:latin typeface="더잠실 2 Light" panose="00000300000000000000" pitchFamily="2" charset="-127"/>
+                <a:ea typeface="더잠실 2 Light" panose="00000300000000000000" pitchFamily="2" charset="-127"/>
+              </a:rPr>
+              <a:t>단톡방</a:t>
+            </a:r>
+            <a:r>
+              <a:rPr lang="ko-KR" altLang="en-US" dirty="0" err="1">
+                <a:latin typeface="더잠실 2 Light" panose="00000300000000000000" pitchFamily="2" charset="-127"/>
+                <a:ea typeface="더잠실 2 Light" panose="00000300000000000000" pitchFamily="2" charset="-127"/>
+              </a:rPr>
+              <a:t>을</a:t>
+            </a:r>
+            <a:r>
+              <a:rPr lang="ko-KR" altLang="en-US" dirty="0">
+                <a:latin typeface="더잠실 2 Light" panose="00000300000000000000" pitchFamily="2" charset="-127"/>
+                <a:ea typeface="더잠실 2 Light" panose="00000300000000000000" pitchFamily="2" charset="-127"/>
+              </a:rPr>
+              <a:t> 통해서 이뤄집니다</a:t>
             </a:r>
             <a:r>
               <a:rPr lang="en-US" altLang="ko-KR" dirty="0">
                 <a:latin typeface="더잠실 2 Light" panose="00000300000000000000" pitchFamily="2" charset="-127"/>
                 <a:ea typeface="더잠실 2 Light" panose="00000300000000000000" pitchFamily="2" charset="-127"/>
               </a:rPr>
+              <a:t>. </a:t>
+            </a:r>
+            <a:r>
+              <a:rPr lang="ko-KR" altLang="en-US" dirty="0">
+                <a:latin typeface="더잠실 2 Light" panose="00000300000000000000" pitchFamily="2" charset="-127"/>
+                <a:ea typeface="더잠실 2 Light" panose="00000300000000000000" pitchFamily="2" charset="-127"/>
+              </a:rPr>
+              <a:t>알림을 </a:t>
+            </a:r>
+            <a:r>
+              <a:rPr lang="ko-KR" altLang="en-US" dirty="0" err="1">
+                <a:latin typeface="더잠실 2 Light" panose="00000300000000000000" pitchFamily="2" charset="-127"/>
+                <a:ea typeface="더잠실 2 Light" panose="00000300000000000000" pitchFamily="2" charset="-127"/>
+              </a:rPr>
+              <a:t>켜두시기</a:t>
+            </a:r>
+            <a:r>
+              <a:rPr lang="ko-KR" altLang="en-US" dirty="0">
+                <a:latin typeface="더잠실 2 Light" panose="00000300000000000000" pitchFamily="2" charset="-127"/>
+                <a:ea typeface="더잠실 2 Light" panose="00000300000000000000" pitchFamily="2" charset="-127"/>
+              </a:rPr>
+              <a:t> 바랍니다</a:t>
+            </a:r>
+            <a:r>
+              <a:rPr lang="en-US" altLang="ko-KR" dirty="0">
+                <a:latin typeface="더잠실 2 Light" panose="00000300000000000000" pitchFamily="2" charset="-127"/>
+                <a:ea typeface="더잠실 2 Light" panose="00000300000000000000" pitchFamily="2" charset="-127"/>
+              </a:rPr>
               <a:t>.</a:t>
             </a:r>
           </a:p>
           <a:p>
-            <a:pPr marL="0" indent="0">
-              <a:buNone/>
+            <a:pPr marL="514350" indent="-514350">
+              <a:buAutoNum type="arabicPeriod"/>
             </a:pPr>
             <a:endParaRPr lang="en-US" altLang="ko-KR" dirty="0">
               <a:latin typeface="더잠실 2 Light" panose="00000300000000000000" pitchFamily="2" charset="-127"/>
@@ -7082,6 +7092,46 @@
             </a:endParaRPr>
           </a:p>
           <a:p>
+            <a:pPr marL="514350" indent="-514350">
+              <a:buAutoNum type="arabicPeriod"/>
+            </a:pPr>
+            <a:r>
+              <a:rPr lang="ko-KR" altLang="en-US" dirty="0">
+                <a:latin typeface="더잠실 2 Light" panose="00000300000000000000" pitchFamily="2" charset="-127"/>
+                <a:ea typeface="더잠실 2 Light" panose="00000300000000000000" pitchFamily="2" charset="-127"/>
+              </a:rPr>
+              <a:t>강의자료는 </a:t>
+            </a:r>
+            <a:r>
+              <a:rPr lang="ko-KR" altLang="en-US" dirty="0" err="1">
+                <a:latin typeface="더잠실 2 Light" panose="00000300000000000000" pitchFamily="2" charset="-127"/>
+                <a:ea typeface="더잠실 2 Light" panose="00000300000000000000" pitchFamily="2" charset="-127"/>
+              </a:rPr>
+              <a:t>깃허브</a:t>
+            </a:r>
+            <a:r>
+              <a:rPr lang="en-US" altLang="ko-KR" dirty="0">
+                <a:latin typeface="더잠실 2 Light" panose="00000300000000000000" pitchFamily="2" charset="-127"/>
+                <a:ea typeface="더잠실 2 Light" panose="00000300000000000000" pitchFamily="2" charset="-127"/>
+              </a:rPr>
+              <a:t>, </a:t>
+            </a:r>
+            <a:r>
+              <a:rPr lang="ko-KR" altLang="en-US" dirty="0">
+                <a:latin typeface="더잠실 2 Light" panose="00000300000000000000" pitchFamily="2" charset="-127"/>
+                <a:ea typeface="더잠실 2 Light" panose="00000300000000000000" pitchFamily="2" charset="-127"/>
+              </a:rPr>
+              <a:t>해설 및 강의내용은 블로그</a:t>
+            </a:r>
+            <a:r>
+              <a:rPr lang="en-US" altLang="ko-KR" dirty="0">
+                <a:latin typeface="더잠실 2 Light" panose="00000300000000000000" pitchFamily="2" charset="-127"/>
+                <a:ea typeface="더잠실 2 Light" panose="00000300000000000000" pitchFamily="2" charset="-127"/>
+              </a:rPr>
+              <a:t>,</a:t>
+            </a:r>
+          </a:p>
+          <a:p>
             <a:pPr marL="0" indent="0">
               <a:buNone/>
             </a:pPr>
@@ -7090,78 +7140,206 @@
                 <a:latin typeface="더잠실 2 Light" panose="00000300000000000000" pitchFamily="2" charset="-127"/>
                 <a:ea typeface="더잠실 2 Light" panose="00000300000000000000" pitchFamily="2" charset="-127"/>
               </a:rPr>
-              <a:t>개인적인 질문이나</a:t>
+              <a:t>예제는 백준링크에서 확인하실 수 있습니다</a:t>
             </a:r>
             <a:r>
               <a:rPr lang="en-US" altLang="ko-KR" dirty="0">
                 <a:latin typeface="더잠실 2 Light" panose="00000300000000000000" pitchFamily="2" charset="-127"/>
                 <a:ea typeface="더잠실 2 Light" panose="00000300000000000000" pitchFamily="2" charset="-127"/>
               </a:rPr>
+              <a:t>.</a:t>
+            </a:r>
+          </a:p>
+          <a:p>
+            <a:pPr marL="0" indent="0">
+              <a:buNone/>
+            </a:pPr>
+            <a:r>
+              <a:rPr lang="ko-KR" altLang="en-US" sz="2400" dirty="0">
+                <a:latin typeface="더잠실 2 Light" panose="00000300000000000000" pitchFamily="2" charset="-127"/>
+                <a:ea typeface="더잠실 2 Light" panose="00000300000000000000" pitchFamily="2" charset="-127"/>
+              </a:rPr>
+              <a:t>블로그 </a:t>
+            </a:r>
+            <a:r>
+              <a:rPr lang="en-US" altLang="ko-KR" sz="2400" dirty="0">
+                <a:latin typeface="더잠실 2 Light" panose="00000300000000000000" pitchFamily="2" charset="-127"/>
+                <a:ea typeface="더잠실 2 Light" panose="00000300000000000000" pitchFamily="2" charset="-127"/>
+              </a:rPr>
+              <a:t>: </a:t>
+            </a:r>
+            <a:r>
+              <a:rPr lang="en-US" altLang="ko-KR" sz="2000" dirty="0">
+                <a:latin typeface="Consolas" panose="020B0609020204030204" pitchFamily="49" charset="0"/>
+                <a:ea typeface="더잠실 2 Light" panose="00000300000000000000" pitchFamily="2" charset="-127"/>
+                <a:hlinkClick r:id="rId2"/>
+              </a:rPr>
+              <a:t>https://velog.io/@jm-kor-00</a:t>
+            </a:r>
+            <a:endParaRPr lang="en-US" altLang="ko-KR" sz="2400" dirty="0">
+              <a:latin typeface="Consolas" panose="020B0609020204030204" pitchFamily="49" charset="0"/>
+              <a:ea typeface="더잠실 2 Light" panose="00000300000000000000" pitchFamily="2" charset="-127"/>
+            </a:endParaRPr>
+          </a:p>
+          <a:p>
+            <a:pPr marL="0" indent="0">
+              <a:buNone/>
+            </a:pPr>
+            <a:r>
+              <a:rPr lang="ko-KR" altLang="en-US" sz="2400" dirty="0" err="1">
+                <a:latin typeface="더잠실 2 Light" panose="00000300000000000000" pitchFamily="2" charset="-127"/>
+                <a:ea typeface="더잠실 2 Light" panose="00000300000000000000" pitchFamily="2" charset="-127"/>
+              </a:rPr>
+              <a:t>깃허브</a:t>
+            </a:r>
+            <a:r>
+              <a:rPr lang="ko-KR" altLang="en-US" sz="2400" dirty="0">
+                <a:latin typeface="더잠실 2 Light" panose="00000300000000000000" pitchFamily="2" charset="-127"/>
+                <a:ea typeface="더잠실 2 Light" panose="00000300000000000000" pitchFamily="2" charset="-127"/>
+              </a:rPr>
+              <a:t> </a:t>
+            </a:r>
+            <a:r>
+              <a:rPr lang="en-US" altLang="ko-KR" sz="2400" dirty="0">
+                <a:latin typeface="더잠실 2 Light" panose="00000300000000000000" pitchFamily="2" charset="-127"/>
+                <a:ea typeface="더잠실 2 Light" panose="00000300000000000000" pitchFamily="2" charset="-127"/>
+              </a:rPr>
+              <a:t>: </a:t>
+            </a:r>
+            <a:r>
+              <a:rPr lang="en-US" altLang="ko-KR" sz="2000" dirty="0">
+                <a:latin typeface="Consolas" panose="020B0609020204030204" pitchFamily="49" charset="0"/>
+                <a:ea typeface="더잠실 2 Light" panose="00000300000000000000" pitchFamily="2" charset="-127"/>
+                <a:hlinkClick r:id="rId3"/>
+              </a:rPr>
+              <a:t>https://github.com/jm-kor-00/Seed_23-2nd</a:t>
+            </a:r>
+            <a:endParaRPr lang="en-US" altLang="ko-KR" sz="2400" dirty="0">
+              <a:latin typeface="Consolas" panose="020B0609020204030204" pitchFamily="49" charset="0"/>
+              <a:ea typeface="더잠실 2 Light" panose="00000300000000000000" pitchFamily="2" charset="-127"/>
+            </a:endParaRPr>
+          </a:p>
+          <a:p>
+            <a:pPr marL="0" indent="0">
+              <a:buNone/>
+            </a:pPr>
+            <a:r>
+              <a:rPr lang="ko-KR" altLang="en-US" sz="2400" dirty="0">
+                <a:latin typeface="더잠실 2 Light" panose="00000300000000000000" pitchFamily="2" charset="-127"/>
+                <a:ea typeface="더잠실 2 Light" panose="00000300000000000000" pitchFamily="2" charset="-127"/>
+              </a:rPr>
+              <a:t>백준 씨앗 그룹 </a:t>
+            </a:r>
+            <a:r>
+              <a:rPr lang="en-US" altLang="ko-KR" sz="2400" dirty="0">
+                <a:latin typeface="더잠실 2 Light" panose="00000300000000000000" pitchFamily="2" charset="-127"/>
+                <a:ea typeface="더잠실 2 Light" panose="00000300000000000000" pitchFamily="2" charset="-127"/>
+              </a:rPr>
+              <a:t>: </a:t>
+            </a:r>
+            <a:r>
+              <a:rPr lang="en-US" altLang="ko-KR" sz="2000" dirty="0">
+                <a:latin typeface="Consolas" panose="020B0609020204030204" pitchFamily="49" charset="0"/>
+                <a:ea typeface="더잠실 2 Light" panose="00000300000000000000" pitchFamily="2" charset="-127"/>
+                <a:hlinkClick r:id="rId4"/>
+              </a:rPr>
+              <a:t>https://www.acmicpc.net/group/5170</a:t>
+            </a:r>
+            <a:endParaRPr lang="en-US" altLang="ko-KR" sz="2000" dirty="0">
+              <a:latin typeface="Consolas" panose="020B0609020204030204" pitchFamily="49" charset="0"/>
+              <a:ea typeface="더잠실 2 Light" panose="00000300000000000000" pitchFamily="2" charset="-127"/>
+            </a:endParaRPr>
+          </a:p>
+          <a:p>
+            <a:pPr marL="0" indent="0">
+              <a:buNone/>
+            </a:pPr>
+            <a:r>
+              <a:rPr lang="ko-KR" altLang="en-US" sz="2000" dirty="0">
+                <a:solidFill>
+                  <a:schemeClr val="bg1">
+                    <a:lumMod val="50000"/>
+                  </a:schemeClr>
+                </a:solidFill>
+                <a:latin typeface="더잠실 2 Light" panose="00000300000000000000" pitchFamily="2" charset="-127"/>
+                <a:ea typeface="더잠실 2 Light" panose="00000300000000000000" pitchFamily="2" charset="-127"/>
+              </a:rPr>
+              <a:t>백준 그룹 가입신청시 학번</a:t>
+            </a:r>
+            <a:r>
+              <a:rPr lang="en-US" altLang="ko-KR" sz="2000" dirty="0">
+                <a:solidFill>
+                  <a:schemeClr val="bg1">
+                    <a:lumMod val="50000"/>
+                  </a:schemeClr>
+                </a:solidFill>
+                <a:latin typeface="더잠실 2 Light" panose="00000300000000000000" pitchFamily="2" charset="-127"/>
+                <a:ea typeface="더잠실 2 Light" panose="00000300000000000000" pitchFamily="2" charset="-127"/>
+              </a:rPr>
               <a:t>, </a:t>
             </a:r>
             <a:r>
-              <a:rPr lang="ko-KR" altLang="en-US" dirty="0">
-                <a:latin typeface="더잠실 2 Light" panose="00000300000000000000" pitchFamily="2" charset="-127"/>
-                <a:ea typeface="더잠실 2 Light" panose="00000300000000000000" pitchFamily="2" charset="-127"/>
-              </a:rPr>
-              <a:t>과제가 어렵다</a:t>
-            </a:r>
-            <a:r>
-              <a:rPr lang="en-US" altLang="ko-KR" dirty="0">
-                <a:latin typeface="더잠실 2 Light" panose="00000300000000000000" pitchFamily="2" charset="-127"/>
-                <a:ea typeface="더잠실 2 Light" panose="00000300000000000000" pitchFamily="2" charset="-127"/>
-              </a:rPr>
-              <a:t>, </a:t>
-            </a:r>
-            <a:r>
-              <a:rPr lang="ko-KR" altLang="en-US" dirty="0">
-                <a:latin typeface="더잠실 2 Light" panose="00000300000000000000" pitchFamily="2" charset="-127"/>
-                <a:ea typeface="더잠실 2 Light" panose="00000300000000000000" pitchFamily="2" charset="-127"/>
-              </a:rPr>
-              <a:t>고민이 있다 등등</a:t>
-            </a:r>
-            <a:endParaRPr lang="en-US" altLang="ko-KR" dirty="0">
+              <a:rPr lang="ko-KR" altLang="en-US" sz="2000" dirty="0">
+                <a:solidFill>
+                  <a:schemeClr val="bg1">
+                    <a:lumMod val="50000"/>
+                  </a:schemeClr>
+                </a:solidFill>
+                <a:latin typeface="더잠실 2 Light" panose="00000300000000000000" pitchFamily="2" charset="-127"/>
+                <a:ea typeface="더잠실 2 Light" panose="00000300000000000000" pitchFamily="2" charset="-127"/>
+              </a:rPr>
+              <a:t>이름 필수</a:t>
+            </a:r>
+            <a:r>
+              <a:rPr lang="en-US" altLang="ko-KR" sz="2000" dirty="0">
+                <a:solidFill>
+                  <a:schemeClr val="bg1">
+                    <a:lumMod val="50000"/>
+                  </a:schemeClr>
+                </a:solidFill>
+                <a:latin typeface="더잠실 2 Light" panose="00000300000000000000" pitchFamily="2" charset="-127"/>
+                <a:ea typeface="더잠실 2 Light" panose="00000300000000000000" pitchFamily="2" charset="-127"/>
+              </a:rPr>
+              <a:t>! </a:t>
+            </a:r>
+          </a:p>
+          <a:p>
+            <a:pPr marL="0" indent="0">
+              <a:buNone/>
+            </a:pPr>
+            <a:r>
+              <a:rPr lang="ko-KR" altLang="en-US" sz="2000" dirty="0">
+                <a:solidFill>
+                  <a:schemeClr val="bg1">
+                    <a:lumMod val="50000"/>
+                  </a:schemeClr>
+                </a:solidFill>
+                <a:latin typeface="더잠실 2 Light" panose="00000300000000000000" pitchFamily="2" charset="-127"/>
+                <a:ea typeface="더잠실 2 Light" panose="00000300000000000000" pitchFamily="2" charset="-127"/>
+              </a:rPr>
+              <a:t>하루이틀 지나도 신청 안 받으면 회장에게 연락할 것</a:t>
+            </a:r>
+            <a:r>
+              <a:rPr lang="en-US" altLang="ko-KR" sz="2000" dirty="0">
+                <a:solidFill>
+                  <a:schemeClr val="bg1">
+                    <a:lumMod val="50000"/>
+                  </a:schemeClr>
+                </a:solidFill>
+                <a:latin typeface="더잠실 2 Light" panose="00000300000000000000" pitchFamily="2" charset="-127"/>
+                <a:ea typeface="더잠실 2 Light" panose="00000300000000000000" pitchFamily="2" charset="-127"/>
+              </a:rPr>
+              <a:t>!</a:t>
+            </a:r>
+            <a:endParaRPr lang="en-US" altLang="ko-KR" sz="2400" dirty="0">
+              <a:solidFill>
+                <a:schemeClr val="bg1">
+                  <a:lumMod val="50000"/>
+                </a:schemeClr>
+              </a:solidFill>
               <a:latin typeface="더잠실 2 Light" panose="00000300000000000000" pitchFamily="2" charset="-127"/>
               <a:ea typeface="더잠실 2 Light" panose="00000300000000000000" pitchFamily="2" charset="-127"/>
             </a:endParaRPr>
-          </a:p>
-          <a:p>
-            <a:pPr marL="0" indent="0">
-              <a:buNone/>
-            </a:pPr>
-            <a:r>
-              <a:rPr lang="ko-KR" altLang="en-US" dirty="0">
-                <a:latin typeface="더잠실 2 Light" panose="00000300000000000000" pitchFamily="2" charset="-127"/>
-                <a:ea typeface="더잠실 2 Light" panose="00000300000000000000" pitchFamily="2" charset="-127"/>
-              </a:rPr>
-              <a:t>도움이 필요하다면 언제든 연락을 주셔도 괜찮습니다</a:t>
-            </a:r>
-            <a:r>
-              <a:rPr lang="en-US" altLang="ko-KR" dirty="0">
-                <a:latin typeface="더잠실 2 Light" panose="00000300000000000000" pitchFamily="2" charset="-127"/>
-                <a:ea typeface="더잠실 2 Light" panose="00000300000000000000" pitchFamily="2" charset="-127"/>
-              </a:rPr>
-              <a:t>.</a:t>
-            </a:r>
-          </a:p>
-          <a:p>
-            <a:pPr marL="0" indent="0">
-              <a:buNone/>
-            </a:pPr>
-            <a:r>
-              <a:rPr lang="ko-KR" altLang="en-US" dirty="0">
-                <a:latin typeface="더잠실 2 Light" panose="00000300000000000000" pitchFamily="2" charset="-127"/>
-                <a:ea typeface="더잠실 2 Light" panose="00000300000000000000" pitchFamily="2" charset="-127"/>
-              </a:rPr>
-              <a:t>제가 잘 모르는 것이라 해도 함께 찾아보기라도 하겠습니다</a:t>
-            </a:r>
-            <a:r>
-              <a:rPr lang="en-US" altLang="ko-KR" dirty="0">
-                <a:latin typeface="더잠실 2 Light" panose="00000300000000000000" pitchFamily="2" charset="-127"/>
-                <a:ea typeface="더잠실 2 Light" panose="00000300000000000000" pitchFamily="2" charset="-127"/>
-              </a:rPr>
-              <a:t>.</a:t>
-            </a:r>
           </a:p>
           <a:p>
             <a:pPr marL="0" indent="0">
@@ -7172,63 +7350,12 @@
               <a:ea typeface="더잠실 2 Light" panose="00000300000000000000" pitchFamily="2" charset="-127"/>
             </a:endParaRPr>
           </a:p>
-          <a:p>
-            <a:pPr marL="0" indent="0">
-              <a:buNone/>
-            </a:pPr>
-            <a:r>
-              <a:rPr lang="ko-KR" altLang="en-US" dirty="0">
-                <a:latin typeface="더잠실 2 Light" panose="00000300000000000000" pitchFamily="2" charset="-127"/>
-                <a:ea typeface="더잠실 2 Light" panose="00000300000000000000" pitchFamily="2" charset="-127"/>
-              </a:rPr>
-              <a:t>하지만 해결해보려는 노력도 없이 개인 과제를 저에게 </a:t>
-            </a:r>
-            <a:r>
-              <a:rPr lang="ko-KR" altLang="en-US" dirty="0" err="1">
-                <a:latin typeface="더잠실 2 Light" panose="00000300000000000000" pitchFamily="2" charset="-127"/>
-                <a:ea typeface="더잠실 2 Light" panose="00000300000000000000" pitchFamily="2" charset="-127"/>
-              </a:rPr>
-              <a:t>보내신다거나</a:t>
-            </a:r>
-            <a:endParaRPr lang="en-US" altLang="ko-KR" dirty="0">
-              <a:latin typeface="더잠실 2 Light" panose="00000300000000000000" pitchFamily="2" charset="-127"/>
-              <a:ea typeface="더잠실 2 Light" panose="00000300000000000000" pitchFamily="2" charset="-127"/>
-            </a:endParaRPr>
-          </a:p>
-          <a:p>
-            <a:pPr marL="0" indent="0">
-              <a:buNone/>
-            </a:pPr>
-            <a:r>
-              <a:rPr lang="ko-KR" altLang="en-US" dirty="0">
-                <a:latin typeface="더잠실 2 Light" panose="00000300000000000000" pitchFamily="2" charset="-127"/>
-                <a:ea typeface="더잠실 2 Light" panose="00000300000000000000" pitchFamily="2" charset="-127"/>
-              </a:rPr>
-              <a:t>기본적인 매너를 지키지 않는 분들은 분명히 거절합니다</a:t>
-            </a:r>
-            <a:r>
-              <a:rPr lang="en-US" altLang="ko-KR" dirty="0">
-                <a:latin typeface="더잠실 2 Light" panose="00000300000000000000" pitchFamily="2" charset="-127"/>
-                <a:ea typeface="더잠실 2 Light" panose="00000300000000000000" pitchFamily="2" charset="-127"/>
-              </a:rPr>
-              <a:t>.</a:t>
-            </a:r>
-          </a:p>
-          <a:p>
-            <a:pPr marL="0" indent="0">
-              <a:buNone/>
-            </a:pPr>
-            <a:endParaRPr lang="en-US" altLang="ko-KR" dirty="0">
-              <a:latin typeface="더잠실 2 Light" panose="00000300000000000000" pitchFamily="2" charset="-127"/>
-              <a:ea typeface="더잠실 2 Light" panose="00000300000000000000" pitchFamily="2" charset="-127"/>
-            </a:endParaRPr>
-          </a:p>
         </p:txBody>
       </p:sp>
     </p:spTree>
     <p:extLst>
       <p:ext uri="{BB962C8B-B14F-4D97-AF65-F5344CB8AC3E}">
-        <p14:creationId xmlns:p14="http://schemas.microsoft.com/office/powerpoint/2010/main" val="230618513"/>
+        <p14:creationId xmlns:p14="http://schemas.microsoft.com/office/powerpoint/2010/main" val="1178414314"/>
       </p:ext>
     </p:extLst>
   </p:cSld>
@@ -7314,97 +7441,38 @@
         </p:spPr>
         <p:txBody>
           <a:bodyPr>
-            <a:normAutofit lnSpcReduction="10000"/>
+            <a:normAutofit/>
           </a:bodyPr>
           <a:lstStyle/>
           <a:p>
-            <a:pPr marL="514350" indent="-514350">
-              <a:buAutoNum type="arabicPeriod"/>
+            <a:pPr marL="0" indent="0">
+              <a:buNone/>
             </a:pPr>
             <a:r>
-              <a:rPr lang="ko-KR" altLang="en-US" dirty="0">
-                <a:latin typeface="더잠실 2 Light" panose="00000300000000000000" pitchFamily="2" charset="-127"/>
-                <a:ea typeface="더잠실 2 Light" panose="00000300000000000000" pitchFamily="2" charset="-127"/>
-              </a:rPr>
-              <a:t>소모임 활동</a:t>
-            </a:r>
-            <a:r>
               <a:rPr lang="en-US" altLang="ko-KR" dirty="0">
                 <a:latin typeface="더잠실 2 Light" panose="00000300000000000000" pitchFamily="2" charset="-127"/>
                 <a:ea typeface="더잠실 2 Light" panose="00000300000000000000" pitchFamily="2" charset="-127"/>
               </a:rPr>
-              <a:t>, </a:t>
-            </a:r>
-            <a:r>
-              <a:rPr lang="ko-KR" altLang="en-US" dirty="0">
-                <a:latin typeface="더잠실 2 Light" panose="00000300000000000000" pitchFamily="2" charset="-127"/>
-                <a:ea typeface="더잠실 2 Light" panose="00000300000000000000" pitchFamily="2" charset="-127"/>
-              </a:rPr>
-              <a:t>운영에 대한 모든 공지와 대회 정보 공유 등은          </a:t>
-            </a:r>
-            <a:r>
-              <a:rPr lang="ko-KR" altLang="en-US" dirty="0" err="1">
-                <a:highlight>
-                  <a:srgbClr val="FFFF00"/>
-                </a:highlight>
-                <a:latin typeface="더잠실 2 Light" panose="00000300000000000000" pitchFamily="2" charset="-127"/>
-                <a:ea typeface="더잠실 2 Light" panose="00000300000000000000" pitchFamily="2" charset="-127"/>
-              </a:rPr>
-              <a:t>단톡방</a:t>
-            </a:r>
-            <a:r>
-              <a:rPr lang="ko-KR" altLang="en-US" dirty="0" err="1">
-                <a:latin typeface="더잠실 2 Light" panose="00000300000000000000" pitchFamily="2" charset="-127"/>
-                <a:ea typeface="더잠실 2 Light" panose="00000300000000000000" pitchFamily="2" charset="-127"/>
-              </a:rPr>
-              <a:t>을</a:t>
-            </a:r>
-            <a:r>
-              <a:rPr lang="ko-KR" altLang="en-US" dirty="0">
-                <a:latin typeface="더잠실 2 Light" panose="00000300000000000000" pitchFamily="2" charset="-127"/>
-                <a:ea typeface="더잠실 2 Light" panose="00000300000000000000" pitchFamily="2" charset="-127"/>
-              </a:rPr>
-              <a:t> 통해서 이뤄집니다</a:t>
+              <a:t>3.  </a:t>
+            </a:r>
+            <a:r>
+              <a:rPr lang="ko-KR" altLang="en-US" dirty="0">
+                <a:latin typeface="더잠실 2 Light" panose="00000300000000000000" pitchFamily="2" charset="-127"/>
+                <a:ea typeface="더잠실 2 Light" panose="00000300000000000000" pitchFamily="2" charset="-127"/>
+              </a:rPr>
+              <a:t>강의자료에 사용되는 대부분의 정보는 전공서적이나 신뢰할 수 있는 출처로부터 가져오고 있으며 특히 최영규 교수님께서 많은 도움을 주고 계십니다</a:t>
             </a:r>
             <a:r>
               <a:rPr lang="en-US" altLang="ko-KR" dirty="0">
                 <a:latin typeface="더잠실 2 Light" panose="00000300000000000000" pitchFamily="2" charset="-127"/>
                 <a:ea typeface="더잠실 2 Light" panose="00000300000000000000" pitchFamily="2" charset="-127"/>
               </a:rPr>
-              <a:t>. </a:t>
-            </a:r>
-            <a:r>
-              <a:rPr lang="ko-KR" altLang="en-US" dirty="0">
-                <a:latin typeface="더잠실 2 Light" panose="00000300000000000000" pitchFamily="2" charset="-127"/>
-                <a:ea typeface="더잠실 2 Light" panose="00000300000000000000" pitchFamily="2" charset="-127"/>
-              </a:rPr>
-              <a:t>알림을 </a:t>
-            </a:r>
-            <a:r>
-              <a:rPr lang="ko-KR" altLang="en-US" dirty="0" err="1">
-                <a:latin typeface="더잠실 2 Light" panose="00000300000000000000" pitchFamily="2" charset="-127"/>
-                <a:ea typeface="더잠실 2 Light" panose="00000300000000000000" pitchFamily="2" charset="-127"/>
-              </a:rPr>
-              <a:t>켜두시기</a:t>
-            </a:r>
-            <a:r>
-              <a:rPr lang="ko-KR" altLang="en-US" dirty="0">
-                <a:latin typeface="더잠실 2 Light" panose="00000300000000000000" pitchFamily="2" charset="-127"/>
-                <a:ea typeface="더잠실 2 Light" panose="00000300000000000000" pitchFamily="2" charset="-127"/>
-              </a:rPr>
-              <a:t> 바랍니다</a:t>
-            </a:r>
-            <a:r>
-              <a:rPr lang="en-US" altLang="ko-KR" dirty="0">
-                <a:latin typeface="더잠실 2 Light" panose="00000300000000000000" pitchFamily="2" charset="-127"/>
-                <a:ea typeface="더잠실 2 Light" panose="00000300000000000000" pitchFamily="2" charset="-127"/>
-              </a:rPr>
               <a:t>.</a:t>
             </a:r>
           </a:p>
           <a:p>
-            <a:pPr marL="514350" indent="-514350">
-              <a:buAutoNum type="arabicPeriod"/>
+            <a:pPr marL="0" indent="0">
+              <a:buNone/>
             </a:pPr>
             <a:endParaRPr lang="en-US" altLang="ko-KR" dirty="0">
               <a:latin typeface="더잠실 2 Light" panose="00000300000000000000" pitchFamily="2" charset="-127"/>
@@ -7412,28 +7480,47 @@
             </a:endParaRPr>
           </a:p>
           <a:p>
-            <a:pPr marL="514350" indent="-514350">
-              <a:buAutoNum type="arabicPeriod"/>
+            <a:pPr marL="0" indent="0">
+              <a:buNone/>
             </a:pPr>
             <a:r>
-              <a:rPr lang="ko-KR" altLang="en-US" dirty="0">
-                <a:latin typeface="더잠실 2 Light" panose="00000300000000000000" pitchFamily="2" charset="-127"/>
-                <a:ea typeface="더잠실 2 Light" panose="00000300000000000000" pitchFamily="2" charset="-127"/>
-              </a:rPr>
-              <a:t>강의자료는 </a:t>
-            </a:r>
-            <a:r>
-              <a:rPr lang="ko-KR" altLang="en-US" dirty="0" err="1">
-                <a:latin typeface="더잠실 2 Light" panose="00000300000000000000" pitchFamily="2" charset="-127"/>
-                <a:ea typeface="더잠실 2 Light" panose="00000300000000000000" pitchFamily="2" charset="-127"/>
-              </a:rPr>
-              <a:t>깃허브</a:t>
-            </a:r>
-            <a:r>
               <a:rPr lang="en-US" altLang="ko-KR" dirty="0">
                 <a:latin typeface="더잠실 2 Light" panose="00000300000000000000" pitchFamily="2" charset="-127"/>
                 <a:ea typeface="더잠실 2 Light" panose="00000300000000000000" pitchFamily="2" charset="-127"/>
               </a:rPr>
+              <a:t>4.  </a:t>
+            </a:r>
+            <a:r>
+              <a:rPr lang="ko-KR" altLang="en-US" dirty="0">
+                <a:latin typeface="더잠실 2 Light" panose="00000300000000000000" pitchFamily="2" charset="-127"/>
+                <a:ea typeface="더잠실 2 Light" panose="00000300000000000000" pitchFamily="2" charset="-127"/>
+              </a:rPr>
+              <a:t>저 역시 학생이므로 완벽할 수는 없습니다</a:t>
+            </a:r>
+            <a:r>
+              <a:rPr lang="en-US" altLang="ko-KR" dirty="0">
+                <a:latin typeface="더잠실 2 Light" panose="00000300000000000000" pitchFamily="2" charset="-127"/>
+                <a:ea typeface="더잠실 2 Light" panose="00000300000000000000" pitchFamily="2" charset="-127"/>
+              </a:rPr>
+              <a:t>.</a:t>
+            </a:r>
+          </a:p>
+          <a:p>
+            <a:pPr marL="0" indent="0">
+              <a:buNone/>
+            </a:pPr>
+            <a:r>
+              <a:rPr lang="ko-KR" altLang="en-US" dirty="0">
+                <a:latin typeface="더잠실 2 Light" panose="00000300000000000000" pitchFamily="2" charset="-127"/>
+                <a:ea typeface="더잠실 2 Light" panose="00000300000000000000" pitchFamily="2" charset="-127"/>
+              </a:rPr>
+              <a:t>강의내용에 오류나 이해하기 어려운 점이 있거나</a:t>
+            </a:r>
+            <a:r>
+              <a:rPr lang="en-US" altLang="ko-KR" dirty="0">
+                <a:latin typeface="더잠실 2 Light" panose="00000300000000000000" pitchFamily="2" charset="-127"/>
+                <a:ea typeface="더잠실 2 Light" panose="00000300000000000000" pitchFamily="2" charset="-127"/>
+              </a:rPr>
               <a:t>, </a:t>
             </a:r>
             <a:r>
@@ -7441,63 +7528,10 @@
                 <a:latin typeface="더잠실 2 Light" panose="00000300000000000000" pitchFamily="2" charset="-127"/>
                 <a:ea typeface="더잠실 2 Light" panose="00000300000000000000" pitchFamily="2" charset="-127"/>
               </a:rPr>
-              <a:t>해설 및 강의내용은 블로그</a:t>
-            </a:r>
-            <a:r>
-              <a:rPr lang="en-US" altLang="ko-KR" dirty="0">
-                <a:latin typeface="더잠실 2 Light" panose="00000300000000000000" pitchFamily="2" charset="-127"/>
-                <a:ea typeface="더잠실 2 Light" panose="00000300000000000000" pitchFamily="2" charset="-127"/>
-              </a:rPr>
-              <a:t>,</a:t>
-            </a:r>
-          </a:p>
-          <a:p>
-            <a:pPr marL="0" indent="0">
-              <a:buNone/>
-            </a:pPr>
-            <a:r>
-              <a:rPr lang="ko-KR" altLang="en-US" dirty="0">
-                <a:latin typeface="더잠실 2 Light" panose="00000300000000000000" pitchFamily="2" charset="-127"/>
-                <a:ea typeface="더잠실 2 Light" panose="00000300000000000000" pitchFamily="2" charset="-127"/>
-              </a:rPr>
-              <a:t>예제는 백준링크에서 확인하실 수 있습니다</a:t>
-            </a:r>
-            <a:r>
-              <a:rPr lang="en-US" altLang="ko-KR" dirty="0">
-                <a:latin typeface="더잠실 2 Light" panose="00000300000000000000" pitchFamily="2" charset="-127"/>
-                <a:ea typeface="더잠실 2 Light" panose="00000300000000000000" pitchFamily="2" charset="-127"/>
-              </a:rPr>
-              <a:t>.</a:t>
-            </a:r>
-          </a:p>
-          <a:p>
-            <a:pPr marL="0" indent="0">
-              <a:buNone/>
-            </a:pPr>
-            <a:r>
-              <a:rPr lang="ko-KR" altLang="en-US" sz="2400" dirty="0">
-                <a:latin typeface="더잠실 2 Light" panose="00000300000000000000" pitchFamily="2" charset="-127"/>
-                <a:ea typeface="더잠실 2 Light" panose="00000300000000000000" pitchFamily="2" charset="-127"/>
-              </a:rPr>
-              <a:t>블로그 </a:t>
-            </a:r>
-            <a:r>
-              <a:rPr lang="en-US" altLang="ko-KR" sz="2400" dirty="0">
-                <a:latin typeface="더잠실 2 Light" panose="00000300000000000000" pitchFamily="2" charset="-127"/>
-                <a:ea typeface="더잠실 2 Light" panose="00000300000000000000" pitchFamily="2" charset="-127"/>
-              </a:rPr>
-              <a:t>: </a:t>
-            </a:r>
-            <a:r>
-              <a:rPr lang="en-US" altLang="ko-KR" sz="2000" dirty="0">
-                <a:latin typeface="Consolas" panose="020B0609020204030204" pitchFamily="49" charset="0"/>
-                <a:ea typeface="더잠실 2 Light" panose="00000300000000000000" pitchFamily="2" charset="-127"/>
-                <a:hlinkClick r:id="rId2"/>
-              </a:rPr>
-              <a:t>https://velog.io/@jm-kor-00</a:t>
-            </a:r>
-            <a:endParaRPr lang="en-US" altLang="ko-KR" sz="2400" dirty="0">
-              <a:latin typeface="Consolas" panose="020B0609020204030204" pitchFamily="49" charset="0"/>
+              <a:t>진행 방식에 </a:t>
+            </a:r>
+            <a:endParaRPr lang="en-US" altLang="ko-KR" dirty="0">
+              <a:latin typeface="더잠실 2 Light" panose="00000300000000000000" pitchFamily="2" charset="-127"/>
               <a:ea typeface="더잠실 2 Light" panose="00000300000000000000" pitchFamily="2" charset="-127"/>
             </a:endParaRPr>
           </a:p>
@@ -7506,36 +7540,68 @@
               <a:buNone/>
             </a:pPr>
             <a:r>
-              <a:rPr lang="ko-KR" altLang="en-US" sz="2400" dirty="0" err="1">
-                <a:latin typeface="더잠실 2 Light" panose="00000300000000000000" pitchFamily="2" charset="-127"/>
-                <a:ea typeface="더잠실 2 Light" panose="00000300000000000000" pitchFamily="2" charset="-127"/>
-              </a:rPr>
-              <a:t>깃허브</a:t>
-            </a:r>
-            <a:r>
-              <a:rPr lang="ko-KR" altLang="en-US" sz="2400" dirty="0">
+              <a:rPr lang="ko-KR" altLang="en-US" dirty="0">
+                <a:latin typeface="더잠실 2 Light" panose="00000300000000000000" pitchFamily="2" charset="-127"/>
+                <a:ea typeface="더잠실 2 Light" panose="00000300000000000000" pitchFamily="2" charset="-127"/>
+              </a:rPr>
+              <a:t>개선이 필요하다고 </a:t>
+            </a:r>
+            <a:r>
+              <a:rPr lang="ko-KR" altLang="en-US" dirty="0" err="1">
+                <a:latin typeface="더잠실 2 Light" panose="00000300000000000000" pitchFamily="2" charset="-127"/>
+                <a:ea typeface="더잠실 2 Light" panose="00000300000000000000" pitchFamily="2" charset="-127"/>
+              </a:rPr>
+              <a:t>느껴지신다면</a:t>
+            </a:r>
+            <a:r>
+              <a:rPr lang="ko-KR" altLang="en-US" dirty="0">
+                <a:latin typeface="더잠실 2 Light" panose="00000300000000000000" pitchFamily="2" charset="-127"/>
+                <a:ea typeface="더잠실 2 Light" panose="00000300000000000000" pitchFamily="2" charset="-127"/>
+              </a:rPr>
+              <a:t> 꼭 </a:t>
+            </a:r>
+            <a:r>
+              <a:rPr lang="ko-KR" altLang="en-US" dirty="0" err="1">
+                <a:latin typeface="더잠실 2 Light" panose="00000300000000000000" pitchFamily="2" charset="-127"/>
+                <a:ea typeface="더잠실 2 Light" panose="00000300000000000000" pitchFamily="2" charset="-127"/>
+              </a:rPr>
+              <a:t>제게</a:t>
+            </a:r>
+            <a:r>
+              <a:rPr lang="ko-KR" altLang="en-US" dirty="0">
                 <a:latin typeface="더잠실 2 Light" panose="00000300000000000000" pitchFamily="2" charset="-127"/>
                 <a:ea typeface="더잠실 2 Light" panose="00000300000000000000" pitchFamily="2" charset="-127"/>
               </a:rPr>
               <a:t> </a:t>
             </a:r>
             <a:r>
-              <a:rPr lang="en-US" altLang="ko-KR" sz="2400" dirty="0">
-                <a:latin typeface="더잠실 2 Light" panose="00000300000000000000" pitchFamily="2" charset="-127"/>
-                <a:ea typeface="더잠실 2 Light" panose="00000300000000000000" pitchFamily="2" charset="-127"/>
-              </a:rPr>
-              <a:t>: </a:t>
-            </a:r>
-            <a:r>
-              <a:rPr lang="en-US" altLang="ko-KR" sz="2000" dirty="0">
-                <a:latin typeface="Consolas" panose="020B0609020204030204" pitchFamily="49" charset="0"/>
-                <a:ea typeface="더잠실 2 Light" panose="00000300000000000000" pitchFamily="2" charset="-127"/>
-                <a:hlinkClick r:id="rId3"/>
-              </a:rPr>
-              <a:t>https://github.com/jm-kor-00/Seed_23-2nd</a:t>
-            </a:r>
-            <a:endParaRPr lang="en-US" altLang="ko-KR" sz="2400" dirty="0">
-              <a:latin typeface="Consolas" panose="020B0609020204030204" pitchFamily="49" charset="0"/>
+              <a:rPr lang="ko-KR" altLang="en-US" dirty="0" err="1">
+                <a:latin typeface="더잠실 2 Light" panose="00000300000000000000" pitchFamily="2" charset="-127"/>
+                <a:ea typeface="더잠실 2 Light" panose="00000300000000000000" pitchFamily="2" charset="-127"/>
+              </a:rPr>
+              <a:t>알려주시길</a:t>
+            </a:r>
+            <a:r>
+              <a:rPr lang="ko-KR" altLang="en-US" dirty="0">
+                <a:latin typeface="더잠실 2 Light" panose="00000300000000000000" pitchFamily="2" charset="-127"/>
+                <a:ea typeface="더잠실 2 Light" panose="00000300000000000000" pitchFamily="2" charset="-127"/>
+              </a:rPr>
+              <a:t> 바랍니다</a:t>
+            </a:r>
+            <a:r>
+              <a:rPr lang="en-US" altLang="ko-KR" dirty="0">
+                <a:latin typeface="더잠실 2 Light" panose="00000300000000000000" pitchFamily="2" charset="-127"/>
+                <a:ea typeface="더잠실 2 Light" panose="00000300000000000000" pitchFamily="2" charset="-127"/>
+              </a:rPr>
+              <a:t>.</a:t>
+            </a:r>
+          </a:p>
+          <a:p>
+            <a:pPr marL="0" indent="0">
+              <a:buNone/>
+            </a:pPr>
+            <a:endParaRPr lang="en-US" altLang="ko-KR" dirty="0">
+              <a:latin typeface="더잠실 2 Light" panose="00000300000000000000" pitchFamily="2" charset="-127"/>
               <a:ea typeface="더잠실 2 Light" panose="00000300000000000000" pitchFamily="2" charset="-127"/>
             </a:endParaRPr>
           </a:p>
@@ -7544,38 +7610,21 @@
               <a:buNone/>
             </a:pPr>
             <a:r>
-              <a:rPr lang="ko-KR" altLang="en-US" sz="2400" dirty="0">
-                <a:latin typeface="더잠실 2 Light" panose="00000300000000000000" pitchFamily="2" charset="-127"/>
-                <a:ea typeface="더잠실 2 Light" panose="00000300000000000000" pitchFamily="2" charset="-127"/>
-              </a:rPr>
-              <a:t>백준 씨앗 그룹 </a:t>
-            </a:r>
-            <a:r>
-              <a:rPr lang="en-US" altLang="ko-KR" sz="2400" dirty="0">
-                <a:latin typeface="더잠실 2 Light" panose="00000300000000000000" pitchFamily="2" charset="-127"/>
-                <a:ea typeface="더잠실 2 Light" panose="00000300000000000000" pitchFamily="2" charset="-127"/>
-              </a:rPr>
-              <a:t>: </a:t>
-            </a:r>
-            <a:r>
-              <a:rPr lang="en-US" altLang="ko-KR" sz="2000" dirty="0">
-                <a:latin typeface="Consolas" panose="020B0609020204030204" pitchFamily="49" charset="0"/>
-                <a:ea typeface="더잠실 2 Light" panose="00000300000000000000" pitchFamily="2" charset="-127"/>
-                <a:hlinkClick r:id="rId4"/>
-              </a:rPr>
-              <a:t>https://www.acmicpc.net/group/5170</a:t>
-            </a:r>
-            <a:endParaRPr lang="en-US" altLang="ko-KR" sz="2000" dirty="0">
-              <a:latin typeface="Consolas" panose="020B0609020204030204" pitchFamily="49" charset="0"/>
-              <a:ea typeface="더잠실 2 Light" panose="00000300000000000000" pitchFamily="2" charset="-127"/>
-            </a:endParaRPr>
-          </a:p>
-          <a:p>
-            <a:pPr marL="0" indent="0">
-              <a:buNone/>
-            </a:pPr>
-            <a:r>
-              <a:rPr lang="ko-KR" altLang="en-US" sz="2000" dirty="0">
+              <a:rPr lang="en-US" altLang="ko-KR" dirty="0">
+                <a:latin typeface="더잠실 2 Light" panose="00000300000000000000" pitchFamily="2" charset="-127"/>
+                <a:ea typeface="더잠실 2 Light" panose="00000300000000000000" pitchFamily="2" charset="-127"/>
+              </a:rPr>
+              <a:t>5. </a:t>
+            </a:r>
+            <a:r>
+              <a:rPr lang="ko-KR" altLang="en-US" dirty="0">
+                <a:latin typeface="더잠실 2 Light" panose="00000300000000000000" pitchFamily="2" charset="-127"/>
+                <a:ea typeface="더잠실 2 Light" panose="00000300000000000000" pitchFamily="2" charset="-127"/>
+              </a:rPr>
+              <a:t>회장 연락처 </a:t>
+            </a:r>
+            <a:r>
+              <a:rPr lang="en-US" altLang="ko-KR" dirty="0">
                 <a:solidFill>
                   <a:schemeClr val="bg1">
                     <a:lumMod val="50000"/>
@@ -7584,98 +7633,15 @@
                 <a:latin typeface="더잠실 2 Light" panose="00000300000000000000" pitchFamily="2" charset="-127"/>
                 <a:ea typeface="더잠실 2 Light" panose="00000300000000000000" pitchFamily="2" charset="-127"/>
               </a:rPr>
-              <a:t>백준 그룹 가입신청시 학번</a:t>
-            </a:r>
-            <a:r>
-              <a:rPr lang="en-US" altLang="ko-KR" sz="2000" dirty="0">
-                <a:solidFill>
-                  <a:schemeClr val="bg1">
-                    <a:lumMod val="50000"/>
-                  </a:schemeClr>
-                </a:solidFill>
-                <a:latin typeface="더잠실 2 Light" panose="00000300000000000000" pitchFamily="2" charset="-127"/>
-                <a:ea typeface="더잠실 2 Light" panose="00000300000000000000" pitchFamily="2" charset="-127"/>
-              </a:rPr>
-              <a:t>, </a:t>
-            </a:r>
-            <a:r>
-              <a:rPr lang="ko-KR" altLang="en-US" sz="2000" dirty="0">
-                <a:solidFill>
-                  <a:schemeClr val="bg1">
-                    <a:lumMod val="50000"/>
-                  </a:schemeClr>
-                </a:solidFill>
-                <a:latin typeface="더잠실 2 Light" panose="00000300000000000000" pitchFamily="2" charset="-127"/>
-                <a:ea typeface="더잠실 2 Light" panose="00000300000000000000" pitchFamily="2" charset="-127"/>
-              </a:rPr>
-              <a:t>이름 필수</a:t>
-            </a:r>
-            <a:r>
-              <a:rPr lang="en-US" altLang="ko-KR" sz="2000" dirty="0">
-                <a:solidFill>
-                  <a:schemeClr val="bg1">
-                    <a:lumMod val="50000"/>
-                  </a:schemeClr>
-                </a:solidFill>
-                <a:latin typeface="더잠실 2 Light" panose="00000300000000000000" pitchFamily="2" charset="-127"/>
-                <a:ea typeface="더잠실 2 Light" panose="00000300000000000000" pitchFamily="2" charset="-127"/>
-              </a:rPr>
-              <a:t>! </a:t>
-            </a:r>
-          </a:p>
-          <a:p>
-            <a:pPr marL="0" indent="0">
-              <a:buNone/>
-            </a:pPr>
-            <a:r>
-              <a:rPr lang="ko-KR" altLang="en-US" sz="2000" dirty="0">
-                <a:solidFill>
-                  <a:schemeClr val="bg1">
-                    <a:lumMod val="50000"/>
-                  </a:schemeClr>
-                </a:solidFill>
-                <a:latin typeface="더잠실 2 Light" panose="00000300000000000000" pitchFamily="2" charset="-127"/>
-                <a:ea typeface="더잠실 2 Light" panose="00000300000000000000" pitchFamily="2" charset="-127"/>
-              </a:rPr>
-              <a:t>하루이틀 지나도 신청 안 받으면 회장에게 연락할 것</a:t>
-            </a:r>
-            <a:r>
-              <a:rPr lang="en-US" altLang="ko-KR" sz="2000" dirty="0">
-                <a:solidFill>
-                  <a:schemeClr val="bg1">
-                    <a:lumMod val="50000"/>
-                  </a:schemeClr>
-                </a:solidFill>
-                <a:latin typeface="더잠실 2 Light" panose="00000300000000000000" pitchFamily="2" charset="-127"/>
-                <a:ea typeface="더잠실 2 Light" panose="00000300000000000000" pitchFamily="2" charset="-127"/>
-              </a:rPr>
-              <a:t>!</a:t>
-            </a:r>
-            <a:endParaRPr lang="en-US" altLang="ko-KR" sz="2400" dirty="0">
-              <a:solidFill>
-                <a:schemeClr val="bg1">
-                  <a:lumMod val="50000"/>
-                </a:schemeClr>
-              </a:solidFill>
-              <a:latin typeface="더잠실 2 Light" panose="00000300000000000000" pitchFamily="2" charset="-127"/>
-              <a:ea typeface="더잠실 2 Light" panose="00000300000000000000" pitchFamily="2" charset="-127"/>
-            </a:endParaRPr>
-          </a:p>
-          <a:p>
-            <a:pPr marL="0" indent="0">
-              <a:buNone/>
-            </a:pPr>
-            <a:endParaRPr lang="en-US" altLang="ko-KR" dirty="0">
-              <a:latin typeface="더잠실 2 Light" panose="00000300000000000000" pitchFamily="2" charset="-127"/>
-              <a:ea typeface="더잠실 2 Light" panose="00000300000000000000" pitchFamily="2" charset="-127"/>
-            </a:endParaRPr>
+              <a:t>010-6552-5223 </a:t>
+            </a:r>
           </a:p>
         </p:txBody>
       </p:sp>
     </p:spTree>
     <p:extLst>
       <p:ext uri="{BB962C8B-B14F-4D97-AF65-F5344CB8AC3E}">
-        <p14:creationId xmlns:p14="http://schemas.microsoft.com/office/powerpoint/2010/main" val="1178414314"/>
+        <p14:creationId xmlns:p14="http://schemas.microsoft.com/office/powerpoint/2010/main" val="1289396768"/>
       </p:ext>
     </p:extLst>
   </p:cSld>

--- a/2023 - 2학기 계획.pptx
+++ b/2023 - 2학기 계획.pptx
@@ -268,7 +268,7 @@
           <a:p>
             <a:fld id="{973254B2-4494-40A3-883A-ED29C7FEC72E}" type="datetimeFigureOut">
               <a:rPr lang="ko-KR" altLang="en-US" smtClean="0"/>
-              <a:t>2023-09-04</a:t>
+              <a:t>2023-09-05</a:t>
             </a:fld>
             <a:endParaRPr lang="ko-KR" altLang="en-US"/>
           </a:p>
@@ -466,7 +466,7 @@
           <a:p>
             <a:fld id="{973254B2-4494-40A3-883A-ED29C7FEC72E}" type="datetimeFigureOut">
               <a:rPr lang="ko-KR" altLang="en-US" smtClean="0"/>
-              <a:t>2023-09-04</a:t>
+              <a:t>2023-09-05</a:t>
             </a:fld>
             <a:endParaRPr lang="ko-KR" altLang="en-US"/>
           </a:p>
@@ -674,7 +674,7 @@
           <a:p>
             <a:fld id="{973254B2-4494-40A3-883A-ED29C7FEC72E}" type="datetimeFigureOut">
               <a:rPr lang="ko-KR" altLang="en-US" smtClean="0"/>
-              <a:t>2023-09-04</a:t>
+              <a:t>2023-09-05</a:t>
             </a:fld>
             <a:endParaRPr lang="ko-KR" altLang="en-US"/>
           </a:p>
@@ -872,7 +872,7 @@
           <a:p>
             <a:fld id="{973254B2-4494-40A3-883A-ED29C7FEC72E}" type="datetimeFigureOut">
               <a:rPr lang="ko-KR" altLang="en-US" smtClean="0"/>
-              <a:t>2023-09-04</a:t>
+              <a:t>2023-09-05</a:t>
             </a:fld>
             <a:endParaRPr lang="ko-KR" altLang="en-US"/>
           </a:p>
@@ -1147,7 +1147,7 @@
           <a:p>
             <a:fld id="{973254B2-4494-40A3-883A-ED29C7FEC72E}" type="datetimeFigureOut">
               <a:rPr lang="ko-KR" altLang="en-US" smtClean="0"/>
-              <a:t>2023-09-04</a:t>
+              <a:t>2023-09-05</a:t>
             </a:fld>
             <a:endParaRPr lang="ko-KR" altLang="en-US"/>
           </a:p>
@@ -1412,7 +1412,7 @@
           <a:p>
             <a:fld id="{973254B2-4494-40A3-883A-ED29C7FEC72E}" type="datetimeFigureOut">
               <a:rPr lang="ko-KR" altLang="en-US" smtClean="0"/>
-              <a:t>2023-09-04</a:t>
+              <a:t>2023-09-05</a:t>
             </a:fld>
             <a:endParaRPr lang="ko-KR" altLang="en-US"/>
           </a:p>
@@ -1824,7 +1824,7 @@
           <a:p>
             <a:fld id="{973254B2-4494-40A3-883A-ED29C7FEC72E}" type="datetimeFigureOut">
               <a:rPr lang="ko-KR" altLang="en-US" smtClean="0"/>
-              <a:t>2023-09-04</a:t>
+              <a:t>2023-09-05</a:t>
             </a:fld>
             <a:endParaRPr lang="ko-KR" altLang="en-US"/>
           </a:p>
@@ -1965,7 +1965,7 @@
           <a:p>
             <a:fld id="{973254B2-4494-40A3-883A-ED29C7FEC72E}" type="datetimeFigureOut">
               <a:rPr lang="ko-KR" altLang="en-US" smtClean="0"/>
-              <a:t>2023-09-04</a:t>
+              <a:t>2023-09-05</a:t>
             </a:fld>
             <a:endParaRPr lang="ko-KR" altLang="en-US"/>
           </a:p>
@@ -2078,7 +2078,7 @@
           <a:p>
             <a:fld id="{973254B2-4494-40A3-883A-ED29C7FEC72E}" type="datetimeFigureOut">
               <a:rPr lang="ko-KR" altLang="en-US" smtClean="0"/>
-              <a:t>2023-09-04</a:t>
+              <a:t>2023-09-05</a:t>
             </a:fld>
             <a:endParaRPr lang="ko-KR" altLang="en-US"/>
           </a:p>
@@ -2389,7 +2389,7 @@
           <a:p>
             <a:fld id="{973254B2-4494-40A3-883A-ED29C7FEC72E}" type="datetimeFigureOut">
               <a:rPr lang="ko-KR" altLang="en-US" smtClean="0"/>
-              <a:t>2023-09-04</a:t>
+              <a:t>2023-09-05</a:t>
             </a:fld>
             <a:endParaRPr lang="ko-KR" altLang="en-US"/>
           </a:p>
@@ -2677,7 +2677,7 @@
           <a:p>
             <a:fld id="{973254B2-4494-40A3-883A-ED29C7FEC72E}" type="datetimeFigureOut">
               <a:rPr lang="ko-KR" altLang="en-US" smtClean="0"/>
-              <a:t>2023-09-04</a:t>
+              <a:t>2023-09-05</a:t>
             </a:fld>
             <a:endParaRPr lang="ko-KR" altLang="en-US"/>
           </a:p>
@@ -2918,7 +2918,7 @@
           <a:p>
             <a:fld id="{973254B2-4494-40A3-883A-ED29C7FEC72E}" type="datetimeFigureOut">
               <a:rPr lang="ko-KR" altLang="en-US" smtClean="0"/>
-              <a:t>2023-09-04</a:t>
+              <a:t>2023-09-05</a:t>
             </a:fld>
             <a:endParaRPr lang="ko-KR" altLang="en-US"/>
           </a:p>
@@ -5518,7 +5518,7 @@
                 <a:latin typeface="더잠실 2 Light" panose="00000300000000000000" pitchFamily="2" charset="-127"/>
                 <a:ea typeface="더잠실 2 Light" panose="00000300000000000000" pitchFamily="2" charset="-127"/>
               </a:rPr>
-              <a:t>구현</a:t>
+              <a:t>그래프 중급 </a:t>
             </a:r>
             <a:r>
               <a:rPr lang="en-US" altLang="ko-KR" dirty="0">
@@ -5530,7 +5530,7 @@
                 <a:latin typeface="더잠실 2 Light" panose="00000300000000000000" pitchFamily="2" charset="-127"/>
                 <a:ea typeface="더잠실 2 Light" panose="00000300000000000000" pitchFamily="2" charset="-127"/>
               </a:rPr>
-              <a:t>, </a:t>
+              <a:t>or </a:t>
             </a:r>
             <a:r>
               <a:rPr lang="ko-KR" altLang="en-US" dirty="0">
@@ -5542,44 +5542,17 @@
                 <a:latin typeface="더잠실 2 Light" panose="00000300000000000000" pitchFamily="2" charset="-127"/>
                 <a:ea typeface="더잠실 2 Light" panose="00000300000000000000" pitchFamily="2" charset="-127"/>
               </a:rPr>
-              <a:t>그래프 이론 중급</a:t>
-            </a:r>
-            <a:r>
-              <a:rPr lang="en-US" altLang="ko-KR" dirty="0">
-                <a:solidFill>
-                  <a:schemeClr val="bg1">
-                    <a:lumMod val="65000"/>
-                  </a:schemeClr>
-                </a:solidFill>
-                <a:latin typeface="더잠실 2 Light" panose="00000300000000000000" pitchFamily="2" charset="-127"/>
-                <a:ea typeface="더잠실 2 Light" panose="00000300000000000000" pitchFamily="2" charset="-127"/>
-              </a:rPr>
-              <a:t>(</a:t>
-            </a:r>
-            <a:r>
-              <a:rPr lang="ko-KR" altLang="en-US" dirty="0">
-                <a:solidFill>
-                  <a:schemeClr val="bg1">
-                    <a:lumMod val="65000"/>
-                  </a:schemeClr>
-                </a:solidFill>
-                <a:latin typeface="더잠실 2 Light" panose="00000300000000000000" pitchFamily="2" charset="-127"/>
-                <a:ea typeface="더잠실 2 Light" panose="00000300000000000000" pitchFamily="2" charset="-127"/>
-              </a:rPr>
-              <a:t>미정</a:t>
-            </a:r>
-            <a:r>
-              <a:rPr lang="en-US" altLang="ko-KR" dirty="0">
-                <a:solidFill>
-                  <a:schemeClr val="bg1">
-                    <a:lumMod val="65000"/>
-                  </a:schemeClr>
-                </a:solidFill>
-                <a:latin typeface="더잠실 2 Light" panose="00000300000000000000" pitchFamily="2" charset="-127"/>
-                <a:ea typeface="더잠실 2 Light" panose="00000300000000000000" pitchFamily="2" charset="-127"/>
-              </a:rPr>
-              <a:t>)</a:t>
-            </a:r>
+              <a:t>백트래킹</a:t>
+            </a:r>
+            <a:endParaRPr lang="en-US" altLang="ko-KR" dirty="0">
+              <a:solidFill>
+                <a:schemeClr val="bg1">
+                  <a:lumMod val="65000"/>
+                </a:schemeClr>
+              </a:solidFill>
+              <a:latin typeface="더잠실 2 Light" panose="00000300000000000000" pitchFamily="2" charset="-127"/>
+              <a:ea typeface="더잠실 2 Light" panose="00000300000000000000" pitchFamily="2" charset="-127"/>
+            </a:endParaRPr>
           </a:p>
           <a:p>
             <a:pPr marL="0" indent="0">
@@ -5780,28 +5753,14 @@
                 <a:latin typeface="더잠실 2 Light" panose="00000300000000000000" pitchFamily="2" charset="-127"/>
                 <a:ea typeface="더잠실 2 Light" panose="00000300000000000000" pitchFamily="2" charset="-127"/>
               </a:rPr>
-              <a:t>목요일 </a:t>
+              <a:t>화요일 </a:t>
             </a:r>
             <a:r>
               <a:rPr lang="en-US" altLang="ko-KR" sz="2400" dirty="0">
                 <a:latin typeface="더잠실 2 Light" panose="00000300000000000000" pitchFamily="2" charset="-127"/>
                 <a:ea typeface="더잠실 2 Light" panose="00000300000000000000" pitchFamily="2" charset="-127"/>
               </a:rPr>
-              <a:t>19:00 (</a:t>
-            </a:r>
-            <a:r>
-              <a:rPr lang="ko-KR" altLang="en-US" sz="2400" dirty="0">
-                <a:latin typeface="더잠실 2 Light" panose="00000300000000000000" pitchFamily="2" charset="-127"/>
-                <a:ea typeface="더잠실 2 Light" panose="00000300000000000000" pitchFamily="2" charset="-127"/>
-              </a:rPr>
-              <a:t>투표예정</a:t>
-            </a:r>
-            <a:r>
-              <a:rPr lang="en-US" altLang="ko-KR" sz="2400" dirty="0">
-                <a:latin typeface="더잠실 2 Light" panose="00000300000000000000" pitchFamily="2" charset="-127"/>
-                <a:ea typeface="더잠실 2 Light" panose="00000300000000000000" pitchFamily="2" charset="-127"/>
-              </a:rPr>
-              <a:t>) </a:t>
+              <a:t>19:00 </a:t>
             </a:r>
           </a:p>
           <a:p>
